--- a/中科点击调薪述职PPT （张通）.pptx
+++ b/中科点击调薪述职PPT （张通）.pptx
@@ -5,31 +5,30 @@
     <p:sldMasterId id="2147483648" r:id="rId1"/>
   </p:sldMasterIdLst>
   <p:notesMasterIdLst>
-    <p:notesMasterId r:id="rId24"/>
+    <p:notesMasterId r:id="rId23"/>
   </p:notesMasterIdLst>
   <p:sldIdLst>
-    <p:sldId id="314" r:id="rId2"/>
-    <p:sldId id="298" r:id="rId3"/>
-    <p:sldId id="299" r:id="rId4"/>
-    <p:sldId id="300" r:id="rId5"/>
-    <p:sldId id="294" r:id="rId6"/>
-    <p:sldId id="295" r:id="rId7"/>
-    <p:sldId id="301" r:id="rId8"/>
-    <p:sldId id="296" r:id="rId9"/>
-    <p:sldId id="302" r:id="rId10"/>
-    <p:sldId id="304" r:id="rId11"/>
-    <p:sldId id="305" r:id="rId12"/>
-    <p:sldId id="341" r:id="rId13"/>
-    <p:sldId id="342" r:id="rId14"/>
-    <p:sldId id="343" r:id="rId15"/>
-    <p:sldId id="303" r:id="rId16"/>
-    <p:sldId id="306" r:id="rId17"/>
-    <p:sldId id="307" r:id="rId18"/>
-    <p:sldId id="335" r:id="rId19"/>
-    <p:sldId id="337" r:id="rId20"/>
-    <p:sldId id="336" r:id="rId21"/>
-    <p:sldId id="339" r:id="rId22"/>
-    <p:sldId id="308" r:id="rId23"/>
+    <p:sldId id="298" r:id="rId2"/>
+    <p:sldId id="299" r:id="rId3"/>
+    <p:sldId id="300" r:id="rId4"/>
+    <p:sldId id="294" r:id="rId5"/>
+    <p:sldId id="295" r:id="rId6"/>
+    <p:sldId id="301" r:id="rId7"/>
+    <p:sldId id="296" r:id="rId8"/>
+    <p:sldId id="302" r:id="rId9"/>
+    <p:sldId id="304" r:id="rId10"/>
+    <p:sldId id="305" r:id="rId11"/>
+    <p:sldId id="341" r:id="rId12"/>
+    <p:sldId id="342" r:id="rId13"/>
+    <p:sldId id="343" r:id="rId14"/>
+    <p:sldId id="303" r:id="rId15"/>
+    <p:sldId id="306" r:id="rId16"/>
+    <p:sldId id="307" r:id="rId17"/>
+    <p:sldId id="335" r:id="rId18"/>
+    <p:sldId id="337" r:id="rId19"/>
+    <p:sldId id="336" r:id="rId20"/>
+    <p:sldId id="339" r:id="rId21"/>
+    <p:sldId id="308" r:id="rId22"/>
   </p:sldIdLst>
   <p:sldSz cx="12192000" cy="6858000"/>
   <p:notesSz cx="6858000" cy="9144000"/>
@@ -1042,7 +1041,7 @@
             <a:pPr lvl="0" algn="r" eaLnBrk="1" hangingPunct="1"/>
             <a:fld id="{9A0DB2DC-4C9A-4742-B13C-FB6460FD3503}" type="slidenum">
               <a:rPr lang="zh-CN" altLang="en-US" sz="1200" dirty="0"/>
-              <a:t>5</a:t>
+              <a:t>4</a:t>
             </a:fld>
             <a:endParaRPr lang="zh-CN" altLang="en-US" sz="1200" dirty="0"/>
           </a:p>
@@ -9346,59 +9345,14 @@
       </p:grpSpPr>
       <p:sp>
         <p:nvSpPr>
-          <p:cNvPr id="10242" name="标题 1"/>
-          <p:cNvSpPr>
-            <a:spLocks noGrp="1"/>
-          </p:cNvSpPr>
-          <p:nvPr>
-            <p:ph type="title"/>
-          </p:nvPr>
-        </p:nvSpPr>
-        <p:spPr>
-          <a:xfrm>
-            <a:off x="1295400" y="617538"/>
-            <a:ext cx="10515600" cy="904875"/>
-          </a:xfrm>
-        </p:spPr>
-        <p:txBody>
-          <a:bodyPr vert="horz" wrap="square" lIns="91440" tIns="45720" rIns="91440" bIns="45720" anchor="ctr"/>
-          <a:lstStyle/>
-          <a:p>
-            <a:r>
-              <a:rPr lang="en-US" altLang="zh-CN" kern="1200" dirty="0">
-                <a:solidFill>
-                  <a:schemeClr val="tx1"/>
-                </a:solidFill>
-                <a:latin typeface="微软雅黑" panose="020B0503020204020204" pitchFamily="34" charset="-122"/>
-                <a:ea typeface="微软雅黑" panose="020B0503020204020204" pitchFamily="34" charset="-122"/>
-                <a:cs typeface="+mj-cs"/>
-              </a:rPr>
-              <a:t>PPT</a:t>
-            </a:r>
-            <a:r>
-              <a:rPr lang="zh-CN" altLang="en-US" kern="1200" dirty="0">
-                <a:solidFill>
-                  <a:schemeClr val="tx1"/>
-                </a:solidFill>
-                <a:latin typeface="微软雅黑" panose="020B0503020204020204" pitchFamily="34" charset="-122"/>
-                <a:ea typeface="微软雅黑" panose="020B0503020204020204" pitchFamily="34" charset="-122"/>
-                <a:cs typeface="+mj-cs"/>
-              </a:rPr>
-              <a:t>编写说明</a:t>
-            </a:r>
-          </a:p>
-        </p:txBody>
-      </p:sp>
-      <p:sp>
-        <p:nvSpPr>
-          <p:cNvPr id="10243" name="文本框 3"/>
+          <p:cNvPr id="11266" name="文本框 1"/>
           <p:cNvSpPr txBox="1"/>
           <p:nvPr/>
         </p:nvSpPr>
         <p:spPr>
           <a:xfrm>
-            <a:off x="790575" y="1951038"/>
-            <a:ext cx="5667375" cy="3416300"/>
+            <a:off x="612775" y="2994025"/>
+            <a:ext cx="5464175" cy="768350"/>
           </a:xfrm>
           <a:prstGeom prst="rect">
             <a:avLst/>
@@ -9520,9 +9474,9 @@
             </a:lvl5pPr>
           </a:lstStyle>
           <a:p>
-            <a:pPr marL="0" lvl="0" indent="0">
-              <a:lnSpc>
-                <a:spcPct val="150000"/>
+            <a:pPr marL="0" lvl="0" indent="0" algn="dist">
+              <a:lnSpc>
+                <a:spcPct val="100000"/>
               </a:lnSpc>
               <a:spcBef>
                 <a:spcPct val="0"/>
@@ -9530,714 +9484,15 @@
               <a:buNone/>
             </a:pPr>
             <a:r>
-              <a:rPr lang="en-US" altLang="zh-CN" sz="1800" dirty="0">
+              <a:rPr lang="zh-CN" altLang="en-US" sz="4400" dirty="0">
+                <a:solidFill>
+                  <a:schemeClr val="bg1"/>
+                </a:solidFill>
                 <a:latin typeface="微软雅黑" panose="020B0503020204020204" pitchFamily="34" charset="-122"/>
                 <a:ea typeface="微软雅黑" panose="020B0503020204020204" pitchFamily="34" charset="-122"/>
               </a:rPr>
-              <a:t>1.</a:t>
+              <a:t>调薪述职报告</a:t>
             </a:r>
-            <a:r>
-              <a:rPr lang="zh-CN" altLang="en-US" sz="1800" dirty="0">
-                <a:latin typeface="微软雅黑" panose="020B0503020204020204" pitchFamily="34" charset="-122"/>
-                <a:ea typeface="微软雅黑" panose="020B0503020204020204" pitchFamily="34" charset="-122"/>
-              </a:rPr>
-              <a:t>除特殊用途，字体采用微软雅黑；</a:t>
-            </a:r>
-            <a:endParaRPr lang="en-US" altLang="zh-CN" sz="1800" dirty="0">
-              <a:latin typeface="微软雅黑" panose="020B0503020204020204" pitchFamily="34" charset="-122"/>
-              <a:ea typeface="微软雅黑" panose="020B0503020204020204" pitchFamily="34" charset="-122"/>
-            </a:endParaRPr>
-          </a:p>
-          <a:p>
-            <a:pPr marL="0" lvl="0" indent="0">
-              <a:lnSpc>
-                <a:spcPct val="150000"/>
-              </a:lnSpc>
-              <a:spcBef>
-                <a:spcPct val="0"/>
-              </a:spcBef>
-              <a:buNone/>
-            </a:pPr>
-            <a:r>
-              <a:rPr lang="en-US" altLang="zh-CN" sz="1800" dirty="0">
-                <a:latin typeface="微软雅黑" panose="020B0503020204020204" pitchFamily="34" charset="-122"/>
-                <a:ea typeface="微软雅黑" panose="020B0503020204020204" pitchFamily="34" charset="-122"/>
-              </a:rPr>
-              <a:t>2.</a:t>
-            </a:r>
-            <a:r>
-              <a:rPr lang="zh-CN" altLang="en-US" sz="1800" dirty="0">
-                <a:latin typeface="微软雅黑" panose="020B0503020204020204" pitchFamily="34" charset="-122"/>
-                <a:ea typeface="微软雅黑" panose="020B0503020204020204" pitchFamily="34" charset="-122"/>
-              </a:rPr>
-              <a:t>颜色主要用蓝色和绿色为主，不要超过三种颜色；</a:t>
-            </a:r>
-            <a:endParaRPr lang="en-US" altLang="zh-CN" sz="1800" dirty="0">
-              <a:latin typeface="微软雅黑" panose="020B0503020204020204" pitchFamily="34" charset="-122"/>
-              <a:ea typeface="微软雅黑" panose="020B0503020204020204" pitchFamily="34" charset="-122"/>
-            </a:endParaRPr>
-          </a:p>
-          <a:p>
-            <a:pPr marL="0" lvl="0" indent="0">
-              <a:lnSpc>
-                <a:spcPct val="150000"/>
-              </a:lnSpc>
-              <a:spcBef>
-                <a:spcPct val="0"/>
-              </a:spcBef>
-              <a:buNone/>
-            </a:pPr>
-            <a:r>
-              <a:rPr lang="en-US" altLang="zh-CN" sz="1800" dirty="0">
-                <a:latin typeface="微软雅黑" panose="020B0503020204020204" pitchFamily="34" charset="-122"/>
-                <a:ea typeface="微软雅黑" panose="020B0503020204020204" pitchFamily="34" charset="-122"/>
-              </a:rPr>
-              <a:t>3.</a:t>
-            </a:r>
-            <a:r>
-              <a:rPr lang="zh-CN" altLang="en-US" sz="1800" dirty="0">
-                <a:latin typeface="微软雅黑" panose="020B0503020204020204" pitchFamily="34" charset="-122"/>
-                <a:ea typeface="微软雅黑" panose="020B0503020204020204" pitchFamily="34" charset="-122"/>
-              </a:rPr>
-              <a:t>同级标题字号保持一致；</a:t>
-            </a:r>
-            <a:endParaRPr lang="en-US" altLang="zh-CN" sz="1800" dirty="0">
-              <a:latin typeface="微软雅黑" panose="020B0503020204020204" pitchFamily="34" charset="-122"/>
-              <a:ea typeface="微软雅黑" panose="020B0503020204020204" pitchFamily="34" charset="-122"/>
-            </a:endParaRPr>
-          </a:p>
-          <a:p>
-            <a:pPr marL="0" lvl="0" indent="0">
-              <a:lnSpc>
-                <a:spcPct val="150000"/>
-              </a:lnSpc>
-              <a:spcBef>
-                <a:spcPct val="0"/>
-              </a:spcBef>
-              <a:buNone/>
-            </a:pPr>
-            <a:r>
-              <a:rPr lang="en-US" altLang="zh-CN" sz="1800" dirty="0">
-                <a:latin typeface="微软雅黑" panose="020B0503020204020204" pitchFamily="34" charset="-122"/>
-                <a:ea typeface="微软雅黑" panose="020B0503020204020204" pitchFamily="34" charset="-122"/>
-              </a:rPr>
-              <a:t>4.</a:t>
-            </a:r>
-            <a:r>
-              <a:rPr lang="zh-CN" altLang="en-US" sz="1800" dirty="0">
-                <a:latin typeface="微软雅黑" panose="020B0503020204020204" pitchFamily="34" charset="-122"/>
-                <a:ea typeface="微软雅黑" panose="020B0503020204020204" pitchFamily="34" charset="-122"/>
-              </a:rPr>
-              <a:t>附件图标可以自有更改颜色；</a:t>
-            </a:r>
-            <a:endParaRPr lang="en-US" altLang="zh-CN" sz="1800" dirty="0">
-              <a:latin typeface="微软雅黑" panose="020B0503020204020204" pitchFamily="34" charset="-122"/>
-              <a:ea typeface="微软雅黑" panose="020B0503020204020204" pitchFamily="34" charset="-122"/>
-            </a:endParaRPr>
-          </a:p>
-          <a:p>
-            <a:pPr marL="0" lvl="0" indent="0">
-              <a:lnSpc>
-                <a:spcPct val="150000"/>
-              </a:lnSpc>
-              <a:spcBef>
-                <a:spcPct val="0"/>
-              </a:spcBef>
-              <a:buNone/>
-            </a:pPr>
-            <a:r>
-              <a:rPr lang="en-US" altLang="zh-CN" sz="1800" dirty="0">
-                <a:latin typeface="微软雅黑" panose="020B0503020204020204" pitchFamily="34" charset="-122"/>
-                <a:ea typeface="微软雅黑" panose="020B0503020204020204" pitchFamily="34" charset="-122"/>
-              </a:rPr>
-              <a:t>5.</a:t>
-            </a:r>
-            <a:r>
-              <a:rPr lang="zh-CN" altLang="en-US" sz="1800" dirty="0">
-                <a:latin typeface="微软雅黑" panose="020B0503020204020204" pitchFamily="34" charset="-122"/>
-                <a:ea typeface="微软雅黑" panose="020B0503020204020204" pitchFamily="34" charset="-122"/>
-              </a:rPr>
-              <a:t>目录页、间隔页可以按照需要复制粘贴；</a:t>
-            </a:r>
-            <a:endParaRPr lang="en-US" altLang="zh-CN" sz="1800" dirty="0">
-              <a:latin typeface="微软雅黑" panose="020B0503020204020204" pitchFamily="34" charset="-122"/>
-              <a:ea typeface="微软雅黑" panose="020B0503020204020204" pitchFamily="34" charset="-122"/>
-            </a:endParaRPr>
-          </a:p>
-          <a:p>
-            <a:pPr marL="0" lvl="0" indent="0">
-              <a:lnSpc>
-                <a:spcPct val="150000"/>
-              </a:lnSpc>
-              <a:spcBef>
-                <a:spcPct val="0"/>
-              </a:spcBef>
-              <a:buNone/>
-            </a:pPr>
-            <a:r>
-              <a:rPr lang="en-US" altLang="zh-CN" sz="1800" dirty="0">
-                <a:latin typeface="微软雅黑" panose="020B0503020204020204" pitchFamily="34" charset="-122"/>
-                <a:ea typeface="微软雅黑" panose="020B0503020204020204" pitchFamily="34" charset="-122"/>
-              </a:rPr>
-              <a:t>6.</a:t>
-            </a:r>
-            <a:r>
-              <a:rPr lang="zh-CN" altLang="en-US" sz="1800" dirty="0">
-                <a:latin typeface="微软雅黑" panose="020B0503020204020204" pitchFamily="34" charset="-122"/>
-                <a:ea typeface="微软雅黑" panose="020B0503020204020204" pitchFamily="34" charset="-122"/>
-              </a:rPr>
-              <a:t>封面、间隔页、目录页只需更改标题；</a:t>
-            </a:r>
-            <a:endParaRPr lang="en-US" altLang="zh-CN" sz="1800" dirty="0">
-              <a:latin typeface="微软雅黑" panose="020B0503020204020204" pitchFamily="34" charset="-122"/>
-              <a:ea typeface="微软雅黑" panose="020B0503020204020204" pitchFamily="34" charset="-122"/>
-            </a:endParaRPr>
-          </a:p>
-          <a:p>
-            <a:pPr marL="0" lvl="0" indent="0">
-              <a:lnSpc>
-                <a:spcPct val="150000"/>
-              </a:lnSpc>
-              <a:spcBef>
-                <a:spcPct val="0"/>
-              </a:spcBef>
-              <a:buNone/>
-            </a:pPr>
-            <a:r>
-              <a:rPr lang="en-US" altLang="zh-CN" sz="1800" dirty="0">
-                <a:latin typeface="微软雅黑" panose="020B0503020204020204" pitchFamily="34" charset="-122"/>
-                <a:ea typeface="微软雅黑" panose="020B0503020204020204" pitchFamily="34" charset="-122"/>
-              </a:rPr>
-              <a:t>7.</a:t>
-            </a:r>
-            <a:r>
-              <a:rPr lang="zh-CN" altLang="en-US" sz="1800" dirty="0">
-                <a:latin typeface="微软雅黑" panose="020B0503020204020204" pitchFamily="34" charset="-122"/>
-                <a:ea typeface="微软雅黑" panose="020B0503020204020204" pitchFamily="34" charset="-122"/>
-              </a:rPr>
-              <a:t>排版注意对齐方式，左对齐、居中对齐、右对齐；</a:t>
-            </a:r>
-            <a:endParaRPr lang="en-US" altLang="zh-CN" sz="1800" dirty="0">
-              <a:latin typeface="微软雅黑" panose="020B0503020204020204" pitchFamily="34" charset="-122"/>
-              <a:ea typeface="微软雅黑" panose="020B0503020204020204" pitchFamily="34" charset="-122"/>
-            </a:endParaRPr>
-          </a:p>
-          <a:p>
-            <a:pPr marL="0" lvl="0" indent="0">
-              <a:lnSpc>
-                <a:spcPct val="150000"/>
-              </a:lnSpc>
-              <a:spcBef>
-                <a:spcPct val="0"/>
-              </a:spcBef>
-              <a:buNone/>
-            </a:pPr>
-            <a:r>
-              <a:rPr lang="en-US" altLang="zh-CN" sz="1800" dirty="0">
-                <a:latin typeface="微软雅黑" panose="020B0503020204020204" pitchFamily="34" charset="-122"/>
-                <a:ea typeface="微软雅黑" panose="020B0503020204020204" pitchFamily="34" charset="-122"/>
-              </a:rPr>
-              <a:t>8.</a:t>
-            </a:r>
-            <a:r>
-              <a:rPr lang="zh-CN" altLang="en-US" sz="1800" dirty="0">
-                <a:latin typeface="微软雅黑" panose="020B0503020204020204" pitchFamily="34" charset="-122"/>
-                <a:ea typeface="微软雅黑" panose="020B0503020204020204" pitchFamily="34" charset="-122"/>
-              </a:rPr>
-              <a:t>做完删除本页；</a:t>
-            </a:r>
-          </a:p>
-        </p:txBody>
-      </p:sp>
-      <p:sp>
-        <p:nvSpPr>
-          <p:cNvPr id="5" name="矩形 4"/>
-          <p:cNvSpPr/>
-          <p:nvPr/>
-        </p:nvSpPr>
-        <p:spPr>
-          <a:xfrm>
-            <a:off x="6762750" y="3576638"/>
-            <a:ext cx="1828800" cy="781050"/>
-          </a:xfrm>
-          <a:prstGeom prst="rect">
-            <a:avLst/>
-          </a:prstGeom>
-          <a:solidFill>
-            <a:srgbClr val="1B95D4"/>
-          </a:solidFill>
-          <a:ln>
-            <a:noFill/>
-          </a:ln>
-        </p:spPr>
-        <p:style>
-          <a:lnRef idx="2">
-            <a:schemeClr val="accent1">
-              <a:shade val="50000"/>
-            </a:schemeClr>
-          </a:lnRef>
-          <a:fillRef idx="1">
-            <a:schemeClr val="accent1"/>
-          </a:fillRef>
-          <a:effectRef idx="0">
-            <a:schemeClr val="accent1"/>
-          </a:effectRef>
-          <a:fontRef idx="minor">
-            <a:schemeClr val="lt1"/>
-          </a:fontRef>
-        </p:style>
-        <p:txBody>
-          <a:bodyPr anchor="ctr"/>
-          <a:lstStyle/>
-          <a:p>
-            <a:pPr marL="0" marR="0" lvl="0" indent="0" algn="ctr" defTabSz="914400" rtl="0" eaLnBrk="0" fontAlgn="base" latinLnBrk="0" hangingPunct="0">
-              <a:lnSpc>
-                <a:spcPct val="100000"/>
-              </a:lnSpc>
-              <a:spcBef>
-                <a:spcPct val="0"/>
-              </a:spcBef>
-              <a:spcAft>
-                <a:spcPct val="0"/>
-              </a:spcAft>
-              <a:buClrTx/>
-              <a:buSzTx/>
-              <a:buFontTx/>
-              <a:buNone/>
-              <a:defRPr/>
-            </a:pPr>
-            <a:endParaRPr kumimoji="0" lang="zh-CN" altLang="en-US" sz="1800" b="0" i="0" u="none" strike="noStrike" kern="1200" cap="none" spc="0" normalizeH="0" baseline="0" noProof="0">
-              <a:ln>
-                <a:noFill/>
-              </a:ln>
-              <a:solidFill>
-                <a:schemeClr val="lt1"/>
-              </a:solidFill>
-              <a:effectLst/>
-              <a:uLnTx/>
-              <a:uFillTx/>
-              <a:latin typeface="+mn-lt"/>
-              <a:ea typeface="+mn-ea"/>
-              <a:cs typeface="+mn-cs"/>
-            </a:endParaRPr>
-          </a:p>
-        </p:txBody>
-      </p:sp>
-      <p:sp>
-        <p:nvSpPr>
-          <p:cNvPr id="6" name="矩形 5"/>
-          <p:cNvSpPr/>
-          <p:nvPr/>
-        </p:nvSpPr>
-        <p:spPr>
-          <a:xfrm>
-            <a:off x="8629650" y="3576638"/>
-            <a:ext cx="1828800" cy="781050"/>
-          </a:xfrm>
-          <a:prstGeom prst="rect">
-            <a:avLst/>
-          </a:prstGeom>
-          <a:solidFill>
-            <a:srgbClr val="6CB030"/>
-          </a:solidFill>
-          <a:ln>
-            <a:noFill/>
-          </a:ln>
-        </p:spPr>
-        <p:style>
-          <a:lnRef idx="2">
-            <a:schemeClr val="accent1">
-              <a:shade val="50000"/>
-            </a:schemeClr>
-          </a:lnRef>
-          <a:fillRef idx="1">
-            <a:schemeClr val="accent1"/>
-          </a:fillRef>
-          <a:effectRef idx="0">
-            <a:schemeClr val="accent1"/>
-          </a:effectRef>
-          <a:fontRef idx="minor">
-            <a:schemeClr val="lt1"/>
-          </a:fontRef>
-        </p:style>
-        <p:txBody>
-          <a:bodyPr anchor="ctr"/>
-          <a:lstStyle/>
-          <a:p>
-            <a:pPr marL="0" marR="0" lvl="0" indent="0" algn="ctr" defTabSz="914400" rtl="0" eaLnBrk="0" fontAlgn="base" latinLnBrk="0" hangingPunct="0">
-              <a:lnSpc>
-                <a:spcPct val="100000"/>
-              </a:lnSpc>
-              <a:spcBef>
-                <a:spcPct val="0"/>
-              </a:spcBef>
-              <a:spcAft>
-                <a:spcPct val="0"/>
-              </a:spcAft>
-              <a:buClrTx/>
-              <a:buSzTx/>
-              <a:buFontTx/>
-              <a:buNone/>
-              <a:defRPr/>
-            </a:pPr>
-            <a:endParaRPr kumimoji="0" lang="zh-CN" altLang="en-US" sz="1800" b="0" i="0" u="none" strike="noStrike" kern="1200" cap="none" spc="0" normalizeH="0" baseline="0" noProof="0">
-              <a:ln>
-                <a:noFill/>
-              </a:ln>
-              <a:solidFill>
-                <a:schemeClr val="lt1"/>
-              </a:solidFill>
-              <a:effectLst/>
-              <a:uLnTx/>
-              <a:uFillTx/>
-              <a:latin typeface="+mn-lt"/>
-              <a:ea typeface="+mn-ea"/>
-              <a:cs typeface="+mn-cs"/>
-            </a:endParaRPr>
-          </a:p>
-        </p:txBody>
-      </p:sp>
-      <p:sp>
-        <p:nvSpPr>
-          <p:cNvPr id="10246" name="文本框 7"/>
-          <p:cNvSpPr txBox="1"/>
-          <p:nvPr/>
-        </p:nvSpPr>
-        <p:spPr>
-          <a:xfrm>
-            <a:off x="6553200" y="1951038"/>
-            <a:ext cx="5667375" cy="1290637"/>
-          </a:xfrm>
-          <a:prstGeom prst="rect">
-            <a:avLst/>
-          </a:prstGeom>
-          <a:noFill/>
-          <a:ln w="9525">
-            <a:noFill/>
-          </a:ln>
-        </p:spPr>
-        <p:txBody>
-          <a:bodyPr>
-            <a:spAutoFit/>
-          </a:bodyPr>
-          <a:lstStyle>
-            <a:lvl1pPr marL="228600" indent="-228600" algn="l" rtl="0" eaLnBrk="0" fontAlgn="base" hangingPunct="0">
-              <a:lnSpc>
-                <a:spcPct val="90000"/>
-              </a:lnSpc>
-              <a:spcBef>
-                <a:spcPts val="1000"/>
-              </a:spcBef>
-              <a:spcAft>
-                <a:spcPct val="0"/>
-              </a:spcAft>
-              <a:buFont typeface="Arial" panose="020B0604020202020204" pitchFamily="34" charset="0"/>
-              <a:buChar char="•"/>
-              <a:defRPr sz="2800" kern="1200">
-                <a:solidFill>
-                  <a:schemeClr val="tx1"/>
-                </a:solidFill>
-                <a:latin typeface="+mn-lt"/>
-                <a:ea typeface="+mn-ea"/>
-                <a:cs typeface="+mn-cs"/>
-              </a:defRPr>
-            </a:lvl1pPr>
-            <a:lvl2pPr marL="685800" indent="-228600" algn="l" rtl="0" eaLnBrk="0" fontAlgn="base" hangingPunct="0">
-              <a:lnSpc>
-                <a:spcPct val="90000"/>
-              </a:lnSpc>
-              <a:spcBef>
-                <a:spcPts val="500"/>
-              </a:spcBef>
-              <a:spcAft>
-                <a:spcPct val="0"/>
-              </a:spcAft>
-              <a:buFont typeface="Arial" panose="020B0604020202020204" pitchFamily="34" charset="0"/>
-              <a:buChar char="•"/>
-              <a:defRPr sz="2400" kern="1200">
-                <a:solidFill>
-                  <a:schemeClr val="tx1"/>
-                </a:solidFill>
-                <a:latin typeface="+mn-lt"/>
-                <a:ea typeface="+mn-ea"/>
-                <a:cs typeface="+mn-cs"/>
-              </a:defRPr>
-            </a:lvl2pPr>
-            <a:lvl3pPr marL="1143000" indent="-228600" algn="l" rtl="0" eaLnBrk="0" fontAlgn="base" hangingPunct="0">
-              <a:lnSpc>
-                <a:spcPct val="90000"/>
-              </a:lnSpc>
-              <a:spcBef>
-                <a:spcPts val="500"/>
-              </a:spcBef>
-              <a:spcAft>
-                <a:spcPct val="0"/>
-              </a:spcAft>
-              <a:buFont typeface="Arial" panose="020B0604020202020204" pitchFamily="34" charset="0"/>
-              <a:buChar char="•"/>
-              <a:defRPr sz="2000" kern="1200">
-                <a:solidFill>
-                  <a:schemeClr val="tx1"/>
-                </a:solidFill>
-                <a:latin typeface="+mn-lt"/>
-                <a:ea typeface="+mn-ea"/>
-                <a:cs typeface="+mn-cs"/>
-              </a:defRPr>
-            </a:lvl3pPr>
-            <a:lvl4pPr marL="1600200" indent="-228600" algn="l" rtl="0" eaLnBrk="0" fontAlgn="base" hangingPunct="0">
-              <a:lnSpc>
-                <a:spcPct val="90000"/>
-              </a:lnSpc>
-              <a:spcBef>
-                <a:spcPts val="500"/>
-              </a:spcBef>
-              <a:spcAft>
-                <a:spcPct val="0"/>
-              </a:spcAft>
-              <a:buFont typeface="Arial" panose="020B0604020202020204" pitchFamily="34" charset="0"/>
-              <a:buChar char="•"/>
-              <a:defRPr kern="1200">
-                <a:solidFill>
-                  <a:schemeClr val="tx1"/>
-                </a:solidFill>
-                <a:latin typeface="+mn-lt"/>
-                <a:ea typeface="+mn-ea"/>
-                <a:cs typeface="+mn-cs"/>
-              </a:defRPr>
-            </a:lvl4pPr>
-            <a:lvl5pPr marL="2057400" indent="-228600" algn="l" rtl="0" eaLnBrk="0" fontAlgn="base" hangingPunct="0">
-              <a:lnSpc>
-                <a:spcPct val="90000"/>
-              </a:lnSpc>
-              <a:spcBef>
-                <a:spcPts val="500"/>
-              </a:spcBef>
-              <a:spcAft>
-                <a:spcPct val="0"/>
-              </a:spcAft>
-              <a:buFont typeface="Arial" panose="020B0604020202020204" pitchFamily="34" charset="0"/>
-              <a:buChar char="•"/>
-              <a:defRPr kern="1200">
-                <a:solidFill>
-                  <a:schemeClr val="tx1"/>
-                </a:solidFill>
-                <a:latin typeface="+mn-lt"/>
-                <a:ea typeface="+mn-ea"/>
-                <a:cs typeface="+mn-cs"/>
-              </a:defRPr>
-            </a:lvl5pPr>
-          </a:lstStyle>
-          <a:p>
-            <a:pPr marL="0" lvl="0" indent="0">
-              <a:lnSpc>
-                <a:spcPct val="150000"/>
-              </a:lnSpc>
-              <a:spcBef>
-                <a:spcPct val="0"/>
-              </a:spcBef>
-              <a:buNone/>
-            </a:pPr>
-            <a:r>
-              <a:rPr lang="en-US" altLang="zh-CN" sz="1800" dirty="0">
-                <a:latin typeface="微软雅黑" panose="020B0503020204020204" pitchFamily="34" charset="-122"/>
-                <a:ea typeface="微软雅黑" panose="020B0503020204020204" pitchFamily="34" charset="-122"/>
-              </a:rPr>
-              <a:t>1.</a:t>
-            </a:r>
-            <a:r>
-              <a:rPr lang="zh-CN" altLang="en-US" sz="1800" dirty="0">
-                <a:latin typeface="微软雅黑" panose="020B0503020204020204" pitchFamily="34" charset="-122"/>
-                <a:ea typeface="微软雅黑" panose="020B0503020204020204" pitchFamily="34" charset="-122"/>
-              </a:rPr>
-              <a:t>图标素材也可以到阿里巴巴图标素材库找；</a:t>
-            </a:r>
-            <a:endParaRPr lang="en-US" altLang="zh-CN" sz="1800" dirty="0">
-              <a:latin typeface="微软雅黑" panose="020B0503020204020204" pitchFamily="34" charset="-122"/>
-              <a:ea typeface="微软雅黑" panose="020B0503020204020204" pitchFamily="34" charset="-122"/>
-            </a:endParaRPr>
-          </a:p>
-          <a:p>
-            <a:pPr marL="0" lvl="0" indent="0">
-              <a:lnSpc>
-                <a:spcPct val="150000"/>
-              </a:lnSpc>
-              <a:spcBef>
-                <a:spcPct val="0"/>
-              </a:spcBef>
-              <a:buNone/>
-            </a:pPr>
-            <a:r>
-              <a:rPr lang="en-US" altLang="zh-CN" sz="1800" dirty="0">
-                <a:latin typeface="微软雅黑" panose="020B0503020204020204" pitchFamily="34" charset="-122"/>
-                <a:ea typeface="微软雅黑" panose="020B0503020204020204" pitchFamily="34" charset="-122"/>
-              </a:rPr>
-              <a:t>2.</a:t>
-            </a:r>
-            <a:r>
-              <a:rPr lang="zh-CN" altLang="en-US" sz="1800" dirty="0">
-                <a:latin typeface="微软雅黑" panose="020B0503020204020204" pitchFamily="34" charset="-122"/>
-                <a:ea typeface="微软雅黑" panose="020B0503020204020204" pitchFamily="34" charset="-122"/>
-              </a:rPr>
-              <a:t> 高清大图可到千库网、搜狗壁纸、全景网、昵图网、千图网等搜索下载；</a:t>
-            </a:r>
-            <a:endParaRPr lang="en-US" altLang="zh-CN" sz="1800" dirty="0">
-              <a:latin typeface="微软雅黑" panose="020B0503020204020204" pitchFamily="34" charset="-122"/>
-              <a:ea typeface="微软雅黑" panose="020B0503020204020204" pitchFamily="34" charset="-122"/>
-            </a:endParaRPr>
-          </a:p>
-        </p:txBody>
-      </p:sp>
-      <p:sp>
-        <p:nvSpPr>
-          <p:cNvPr id="10247" name="文本框 8"/>
-          <p:cNvSpPr txBox="1"/>
-          <p:nvPr/>
-        </p:nvSpPr>
-        <p:spPr>
-          <a:xfrm>
-            <a:off x="6619875" y="4464050"/>
-            <a:ext cx="4933950" cy="508000"/>
-          </a:xfrm>
-          <a:prstGeom prst="rect">
-            <a:avLst/>
-          </a:prstGeom>
-          <a:noFill/>
-          <a:ln w="9525">
-            <a:noFill/>
-          </a:ln>
-        </p:spPr>
-        <p:txBody>
-          <a:bodyPr>
-            <a:spAutoFit/>
-          </a:bodyPr>
-          <a:lstStyle>
-            <a:lvl1pPr marL="228600" indent="-228600" algn="l" rtl="0" eaLnBrk="0" fontAlgn="base" hangingPunct="0">
-              <a:lnSpc>
-                <a:spcPct val="90000"/>
-              </a:lnSpc>
-              <a:spcBef>
-                <a:spcPts val="1000"/>
-              </a:spcBef>
-              <a:spcAft>
-                <a:spcPct val="0"/>
-              </a:spcAft>
-              <a:buFont typeface="Arial" panose="020B0604020202020204" pitchFamily="34" charset="0"/>
-              <a:buChar char="•"/>
-              <a:defRPr sz="2800" kern="1200">
-                <a:solidFill>
-                  <a:schemeClr val="tx1"/>
-                </a:solidFill>
-                <a:latin typeface="+mn-lt"/>
-                <a:ea typeface="+mn-ea"/>
-                <a:cs typeface="+mn-cs"/>
-              </a:defRPr>
-            </a:lvl1pPr>
-            <a:lvl2pPr marL="685800" indent="-228600" algn="l" rtl="0" eaLnBrk="0" fontAlgn="base" hangingPunct="0">
-              <a:lnSpc>
-                <a:spcPct val="90000"/>
-              </a:lnSpc>
-              <a:spcBef>
-                <a:spcPts val="500"/>
-              </a:spcBef>
-              <a:spcAft>
-                <a:spcPct val="0"/>
-              </a:spcAft>
-              <a:buFont typeface="Arial" panose="020B0604020202020204" pitchFamily="34" charset="0"/>
-              <a:buChar char="•"/>
-              <a:defRPr sz="2400" kern="1200">
-                <a:solidFill>
-                  <a:schemeClr val="tx1"/>
-                </a:solidFill>
-                <a:latin typeface="+mn-lt"/>
-                <a:ea typeface="+mn-ea"/>
-                <a:cs typeface="+mn-cs"/>
-              </a:defRPr>
-            </a:lvl2pPr>
-            <a:lvl3pPr marL="1143000" indent="-228600" algn="l" rtl="0" eaLnBrk="0" fontAlgn="base" hangingPunct="0">
-              <a:lnSpc>
-                <a:spcPct val="90000"/>
-              </a:lnSpc>
-              <a:spcBef>
-                <a:spcPts val="500"/>
-              </a:spcBef>
-              <a:spcAft>
-                <a:spcPct val="0"/>
-              </a:spcAft>
-              <a:buFont typeface="Arial" panose="020B0604020202020204" pitchFamily="34" charset="0"/>
-              <a:buChar char="•"/>
-              <a:defRPr sz="2000" kern="1200">
-                <a:solidFill>
-                  <a:schemeClr val="tx1"/>
-                </a:solidFill>
-                <a:latin typeface="+mn-lt"/>
-                <a:ea typeface="+mn-ea"/>
-                <a:cs typeface="+mn-cs"/>
-              </a:defRPr>
-            </a:lvl3pPr>
-            <a:lvl4pPr marL="1600200" indent="-228600" algn="l" rtl="0" eaLnBrk="0" fontAlgn="base" hangingPunct="0">
-              <a:lnSpc>
-                <a:spcPct val="90000"/>
-              </a:lnSpc>
-              <a:spcBef>
-                <a:spcPts val="500"/>
-              </a:spcBef>
-              <a:spcAft>
-                <a:spcPct val="0"/>
-              </a:spcAft>
-              <a:buFont typeface="Arial" panose="020B0604020202020204" pitchFamily="34" charset="0"/>
-              <a:buChar char="•"/>
-              <a:defRPr kern="1200">
-                <a:solidFill>
-                  <a:schemeClr val="tx1"/>
-                </a:solidFill>
-                <a:latin typeface="+mn-lt"/>
-                <a:ea typeface="+mn-ea"/>
-                <a:cs typeface="+mn-cs"/>
-              </a:defRPr>
-            </a:lvl4pPr>
-            <a:lvl5pPr marL="2057400" indent="-228600" algn="l" rtl="0" eaLnBrk="0" fontAlgn="base" hangingPunct="0">
-              <a:lnSpc>
-                <a:spcPct val="90000"/>
-              </a:lnSpc>
-              <a:spcBef>
-                <a:spcPts val="500"/>
-              </a:spcBef>
-              <a:spcAft>
-                <a:spcPct val="0"/>
-              </a:spcAft>
-              <a:buFont typeface="Arial" panose="020B0604020202020204" pitchFamily="34" charset="0"/>
-              <a:buChar char="•"/>
-              <a:defRPr kern="1200">
-                <a:solidFill>
-                  <a:schemeClr val="tx1"/>
-                </a:solidFill>
-                <a:latin typeface="+mn-lt"/>
-                <a:ea typeface="+mn-ea"/>
-                <a:cs typeface="+mn-cs"/>
-              </a:defRPr>
-            </a:lvl5pPr>
-          </a:lstStyle>
-          <a:p>
-            <a:pPr marL="0" lvl="0" indent="0">
-              <a:lnSpc>
-                <a:spcPct val="150000"/>
-              </a:lnSpc>
-              <a:spcBef>
-                <a:spcPct val="0"/>
-              </a:spcBef>
-              <a:buNone/>
-            </a:pPr>
-            <a:r>
-              <a:rPr lang="zh-CN" altLang="en-US" sz="1800" dirty="0">
-                <a:latin typeface="微软雅黑" panose="020B0503020204020204" pitchFamily="34" charset="-122"/>
-                <a:ea typeface="微软雅黑" panose="020B0503020204020204" pitchFamily="34" charset="-122"/>
-              </a:rPr>
-              <a:t>标准色：避免使用大红大紫、杂乱无章的颜色</a:t>
-            </a:r>
-            <a:endParaRPr lang="en-US" altLang="zh-CN" sz="1800" dirty="0">
-              <a:latin typeface="微软雅黑" panose="020B0503020204020204" pitchFamily="34" charset="-122"/>
-              <a:ea typeface="微软雅黑" panose="020B0503020204020204" pitchFamily="34" charset="-122"/>
-            </a:endParaRPr>
           </a:p>
         </p:txBody>
       </p:sp>
@@ -10250,508 +9505,6 @@
 </file>
 
 <file path=ppt/slides/slide10.xml><?xml version="1.0" encoding="utf-8"?>
-<p:sld xmlns:a="http://schemas.openxmlformats.org/drawingml/2006/main" xmlns:r="http://schemas.openxmlformats.org/officeDocument/2006/relationships" xmlns:p="http://schemas.openxmlformats.org/presentationml/2006/main">
-  <p:cSld>
-    <p:spTree>
-      <p:nvGrpSpPr>
-        <p:cNvPr id="1" name=""/>
-        <p:cNvGrpSpPr/>
-        <p:nvPr/>
-      </p:nvGrpSpPr>
-      <p:grpSpPr>
-        <a:xfrm>
-          <a:off x="0" y="0"/>
-          <a:ext cx="0" cy="0"/>
-          <a:chOff x="0" y="0"/>
-          <a:chExt cx="0" cy="0"/>
-        </a:xfrm>
-      </p:grpSpPr>
-      <p:sp>
-        <p:nvSpPr>
-          <p:cNvPr id="3" name="标题 1"/>
-          <p:cNvSpPr txBox="1">
-            <a:spLocks/>
-          </p:cNvSpPr>
-          <p:nvPr/>
-        </p:nvSpPr>
-        <p:spPr>
-          <a:xfrm>
-            <a:off x="1366116" y="584345"/>
-            <a:ext cx="10515600" cy="904875"/>
-          </a:xfrm>
-          <a:prstGeom prst="rect">
-            <a:avLst/>
-          </a:prstGeom>
-          <a:noFill/>
-          <a:ln w="9525">
-            <a:noFill/>
-          </a:ln>
-        </p:spPr>
-        <p:txBody>
-          <a:bodyPr vert="horz" wrap="square" lIns="91440" tIns="45720" rIns="91440" bIns="45720" anchor="ctr"/>
-          <a:lstStyle>
-            <a:lvl1pPr algn="l" rtl="0" eaLnBrk="0" fontAlgn="base" hangingPunct="0">
-              <a:lnSpc>
-                <a:spcPct val="90000"/>
-              </a:lnSpc>
-              <a:spcBef>
-                <a:spcPct val="0"/>
-              </a:spcBef>
-              <a:spcAft>
-                <a:spcPct val="0"/>
-              </a:spcAft>
-              <a:defRPr sz="4400" kern="1200">
-                <a:solidFill>
-                  <a:schemeClr val="bg1"/>
-                </a:solidFill>
-                <a:latin typeface="微软雅黑" panose="020B0503020204020204" pitchFamily="34" charset="-122"/>
-                <a:ea typeface="微软雅黑" panose="020B0503020204020204" pitchFamily="34" charset="-122"/>
-                <a:cs typeface="+mj-cs"/>
-              </a:defRPr>
-            </a:lvl1pPr>
-            <a:lvl2pPr algn="l" rtl="0" eaLnBrk="0" fontAlgn="base" hangingPunct="0">
-              <a:lnSpc>
-                <a:spcPct val="90000"/>
-              </a:lnSpc>
-              <a:spcBef>
-                <a:spcPct val="0"/>
-              </a:spcBef>
-              <a:spcAft>
-                <a:spcPct val="0"/>
-              </a:spcAft>
-              <a:defRPr sz="4400">
-                <a:solidFill>
-                  <a:schemeClr val="tx1"/>
-                </a:solidFill>
-                <a:latin typeface="等线 Light" panose="02010600030101010101" pitchFamily="2" charset="-122"/>
-                <a:ea typeface="等线 Light" panose="02010600030101010101" pitchFamily="2" charset="-122"/>
-              </a:defRPr>
-            </a:lvl2pPr>
-            <a:lvl3pPr algn="l" rtl="0" eaLnBrk="0" fontAlgn="base" hangingPunct="0">
-              <a:lnSpc>
-                <a:spcPct val="90000"/>
-              </a:lnSpc>
-              <a:spcBef>
-                <a:spcPct val="0"/>
-              </a:spcBef>
-              <a:spcAft>
-                <a:spcPct val="0"/>
-              </a:spcAft>
-              <a:defRPr sz="4400">
-                <a:solidFill>
-                  <a:schemeClr val="tx1"/>
-                </a:solidFill>
-                <a:latin typeface="等线 Light" panose="02010600030101010101" pitchFamily="2" charset="-122"/>
-                <a:ea typeface="等线 Light" panose="02010600030101010101" pitchFamily="2" charset="-122"/>
-              </a:defRPr>
-            </a:lvl3pPr>
-            <a:lvl4pPr algn="l" rtl="0" eaLnBrk="0" fontAlgn="base" hangingPunct="0">
-              <a:lnSpc>
-                <a:spcPct val="90000"/>
-              </a:lnSpc>
-              <a:spcBef>
-                <a:spcPct val="0"/>
-              </a:spcBef>
-              <a:spcAft>
-                <a:spcPct val="0"/>
-              </a:spcAft>
-              <a:defRPr sz="4400">
-                <a:solidFill>
-                  <a:schemeClr val="tx1"/>
-                </a:solidFill>
-                <a:latin typeface="等线 Light" panose="02010600030101010101" pitchFamily="2" charset="-122"/>
-                <a:ea typeface="等线 Light" panose="02010600030101010101" pitchFamily="2" charset="-122"/>
-              </a:defRPr>
-            </a:lvl4pPr>
-            <a:lvl5pPr algn="l" rtl="0" eaLnBrk="0" fontAlgn="base" hangingPunct="0">
-              <a:lnSpc>
-                <a:spcPct val="90000"/>
-              </a:lnSpc>
-              <a:spcBef>
-                <a:spcPct val="0"/>
-              </a:spcBef>
-              <a:spcAft>
-                <a:spcPct val="0"/>
-              </a:spcAft>
-              <a:defRPr sz="4400">
-                <a:solidFill>
-                  <a:schemeClr val="tx1"/>
-                </a:solidFill>
-                <a:latin typeface="等线 Light" panose="02010600030101010101" pitchFamily="2" charset="-122"/>
-                <a:ea typeface="等线 Light" panose="02010600030101010101" pitchFamily="2" charset="-122"/>
-              </a:defRPr>
-            </a:lvl5pPr>
-            <a:lvl6pPr marL="457200" algn="l" rtl="0" fontAlgn="base">
-              <a:lnSpc>
-                <a:spcPct val="90000"/>
-              </a:lnSpc>
-              <a:spcBef>
-                <a:spcPct val="0"/>
-              </a:spcBef>
-              <a:spcAft>
-                <a:spcPct val="0"/>
-              </a:spcAft>
-              <a:defRPr sz="4400">
-                <a:solidFill>
-                  <a:schemeClr val="tx1"/>
-                </a:solidFill>
-                <a:latin typeface="等线 Light" panose="02010600030101010101" pitchFamily="2" charset="-122"/>
-                <a:ea typeface="等线 Light" panose="02010600030101010101" pitchFamily="2" charset="-122"/>
-              </a:defRPr>
-            </a:lvl6pPr>
-            <a:lvl7pPr marL="914400" algn="l" rtl="0" fontAlgn="base">
-              <a:lnSpc>
-                <a:spcPct val="90000"/>
-              </a:lnSpc>
-              <a:spcBef>
-                <a:spcPct val="0"/>
-              </a:spcBef>
-              <a:spcAft>
-                <a:spcPct val="0"/>
-              </a:spcAft>
-              <a:defRPr sz="4400">
-                <a:solidFill>
-                  <a:schemeClr val="tx1"/>
-                </a:solidFill>
-                <a:latin typeface="等线 Light" panose="02010600030101010101" pitchFamily="2" charset="-122"/>
-                <a:ea typeface="等线 Light" panose="02010600030101010101" pitchFamily="2" charset="-122"/>
-              </a:defRPr>
-            </a:lvl7pPr>
-            <a:lvl8pPr marL="1371600" algn="l" rtl="0" fontAlgn="base">
-              <a:lnSpc>
-                <a:spcPct val="90000"/>
-              </a:lnSpc>
-              <a:spcBef>
-                <a:spcPct val="0"/>
-              </a:spcBef>
-              <a:spcAft>
-                <a:spcPct val="0"/>
-              </a:spcAft>
-              <a:defRPr sz="4400">
-                <a:solidFill>
-                  <a:schemeClr val="tx1"/>
-                </a:solidFill>
-                <a:latin typeface="等线 Light" panose="02010600030101010101" pitchFamily="2" charset="-122"/>
-                <a:ea typeface="等线 Light" panose="02010600030101010101" pitchFamily="2" charset="-122"/>
-              </a:defRPr>
-            </a:lvl8pPr>
-            <a:lvl9pPr marL="1828800" algn="l" rtl="0" fontAlgn="base">
-              <a:lnSpc>
-                <a:spcPct val="90000"/>
-              </a:lnSpc>
-              <a:spcBef>
-                <a:spcPct val="0"/>
-              </a:spcBef>
-              <a:spcAft>
-                <a:spcPct val="0"/>
-              </a:spcAft>
-              <a:defRPr sz="4400">
-                <a:solidFill>
-                  <a:schemeClr val="tx1"/>
-                </a:solidFill>
-                <a:latin typeface="等线 Light" panose="02010600030101010101" pitchFamily="2" charset="-122"/>
-                <a:ea typeface="等线 Light" panose="02010600030101010101" pitchFamily="2" charset="-122"/>
-              </a:defRPr>
-            </a:lvl9pPr>
-          </a:lstStyle>
-          <a:p>
-            <a:r>
-              <a:rPr lang="en-US" altLang="zh-CN" dirty="0" smtClean="0">
-                <a:solidFill>
-                  <a:schemeClr val="tx1"/>
-                </a:solidFill>
-              </a:rPr>
-              <a:t>1</a:t>
-            </a:r>
-            <a:r>
-              <a:rPr lang="zh-CN" altLang="en-US" dirty="0">
-                <a:solidFill>
-                  <a:schemeClr val="tx1"/>
-                </a:solidFill>
-              </a:rPr>
-              <a:t>、</a:t>
-            </a:r>
-            <a:r>
-              <a:rPr lang="zh-CN" altLang="en-US" dirty="0" smtClean="0">
-                <a:solidFill>
-                  <a:schemeClr val="tx1"/>
-                </a:solidFill>
-              </a:rPr>
-              <a:t>京东金融舆情</a:t>
-            </a:r>
-            <a:r>
-              <a:rPr lang="zh-CN" altLang="en-US" dirty="0">
-                <a:solidFill>
-                  <a:schemeClr val="tx1"/>
-                </a:solidFill>
-              </a:rPr>
-              <a:t>监控系统</a:t>
-            </a:r>
-            <a:endParaRPr lang="zh-CN" altLang="en-US" dirty="0"/>
-          </a:p>
-        </p:txBody>
-      </p:sp>
-      <p:sp>
-        <p:nvSpPr>
-          <p:cNvPr id="4" name="标题 1"/>
-          <p:cNvSpPr txBox="1">
-            <a:spLocks/>
-          </p:cNvSpPr>
-          <p:nvPr/>
-        </p:nvSpPr>
-        <p:spPr>
-          <a:xfrm>
-            <a:off x="1343025" y="1628054"/>
-            <a:ext cx="10150764" cy="3110201"/>
-          </a:xfrm>
-          <a:prstGeom prst="rect">
-            <a:avLst/>
-          </a:prstGeom>
-          <a:noFill/>
-          <a:ln w="9525">
-            <a:noFill/>
-          </a:ln>
-        </p:spPr>
-        <p:txBody>
-          <a:bodyPr vert="horz" wrap="square" lIns="91440" tIns="45720" rIns="91440" bIns="45720" anchor="ctr"/>
-          <a:lstStyle>
-            <a:lvl1pPr algn="l" rtl="0" eaLnBrk="0" fontAlgn="base" hangingPunct="0">
-              <a:lnSpc>
-                <a:spcPct val="90000"/>
-              </a:lnSpc>
-              <a:spcBef>
-                <a:spcPct val="0"/>
-              </a:spcBef>
-              <a:spcAft>
-                <a:spcPct val="0"/>
-              </a:spcAft>
-              <a:defRPr sz="4400" kern="1200">
-                <a:solidFill>
-                  <a:schemeClr val="bg1"/>
-                </a:solidFill>
-                <a:latin typeface="微软雅黑" panose="020B0503020204020204" pitchFamily="34" charset="-122"/>
-                <a:ea typeface="微软雅黑" panose="020B0503020204020204" pitchFamily="34" charset="-122"/>
-                <a:cs typeface="+mj-cs"/>
-              </a:defRPr>
-            </a:lvl1pPr>
-            <a:lvl2pPr algn="l" rtl="0" eaLnBrk="0" fontAlgn="base" hangingPunct="0">
-              <a:lnSpc>
-                <a:spcPct val="90000"/>
-              </a:lnSpc>
-              <a:spcBef>
-                <a:spcPct val="0"/>
-              </a:spcBef>
-              <a:spcAft>
-                <a:spcPct val="0"/>
-              </a:spcAft>
-              <a:defRPr sz="4400">
-                <a:solidFill>
-                  <a:schemeClr val="tx1"/>
-                </a:solidFill>
-                <a:latin typeface="等线 Light" panose="02010600030101010101" pitchFamily="2" charset="-122"/>
-                <a:ea typeface="等线 Light" panose="02010600030101010101" pitchFamily="2" charset="-122"/>
-              </a:defRPr>
-            </a:lvl2pPr>
-            <a:lvl3pPr algn="l" rtl="0" eaLnBrk="0" fontAlgn="base" hangingPunct="0">
-              <a:lnSpc>
-                <a:spcPct val="90000"/>
-              </a:lnSpc>
-              <a:spcBef>
-                <a:spcPct val="0"/>
-              </a:spcBef>
-              <a:spcAft>
-                <a:spcPct val="0"/>
-              </a:spcAft>
-              <a:defRPr sz="4400">
-                <a:solidFill>
-                  <a:schemeClr val="tx1"/>
-                </a:solidFill>
-                <a:latin typeface="等线 Light" panose="02010600030101010101" pitchFamily="2" charset="-122"/>
-                <a:ea typeface="等线 Light" panose="02010600030101010101" pitchFamily="2" charset="-122"/>
-              </a:defRPr>
-            </a:lvl3pPr>
-            <a:lvl4pPr algn="l" rtl="0" eaLnBrk="0" fontAlgn="base" hangingPunct="0">
-              <a:lnSpc>
-                <a:spcPct val="90000"/>
-              </a:lnSpc>
-              <a:spcBef>
-                <a:spcPct val="0"/>
-              </a:spcBef>
-              <a:spcAft>
-                <a:spcPct val="0"/>
-              </a:spcAft>
-              <a:defRPr sz="4400">
-                <a:solidFill>
-                  <a:schemeClr val="tx1"/>
-                </a:solidFill>
-                <a:latin typeface="等线 Light" panose="02010600030101010101" pitchFamily="2" charset="-122"/>
-                <a:ea typeface="等线 Light" panose="02010600030101010101" pitchFamily="2" charset="-122"/>
-              </a:defRPr>
-            </a:lvl4pPr>
-            <a:lvl5pPr algn="l" rtl="0" eaLnBrk="0" fontAlgn="base" hangingPunct="0">
-              <a:lnSpc>
-                <a:spcPct val="90000"/>
-              </a:lnSpc>
-              <a:spcBef>
-                <a:spcPct val="0"/>
-              </a:spcBef>
-              <a:spcAft>
-                <a:spcPct val="0"/>
-              </a:spcAft>
-              <a:defRPr sz="4400">
-                <a:solidFill>
-                  <a:schemeClr val="tx1"/>
-                </a:solidFill>
-                <a:latin typeface="等线 Light" panose="02010600030101010101" pitchFamily="2" charset="-122"/>
-                <a:ea typeface="等线 Light" panose="02010600030101010101" pitchFamily="2" charset="-122"/>
-              </a:defRPr>
-            </a:lvl5pPr>
-            <a:lvl6pPr marL="457200" algn="l" rtl="0" fontAlgn="base">
-              <a:lnSpc>
-                <a:spcPct val="90000"/>
-              </a:lnSpc>
-              <a:spcBef>
-                <a:spcPct val="0"/>
-              </a:spcBef>
-              <a:spcAft>
-                <a:spcPct val="0"/>
-              </a:spcAft>
-              <a:defRPr sz="4400">
-                <a:solidFill>
-                  <a:schemeClr val="tx1"/>
-                </a:solidFill>
-                <a:latin typeface="等线 Light" panose="02010600030101010101" pitchFamily="2" charset="-122"/>
-                <a:ea typeface="等线 Light" panose="02010600030101010101" pitchFamily="2" charset="-122"/>
-              </a:defRPr>
-            </a:lvl6pPr>
-            <a:lvl7pPr marL="914400" algn="l" rtl="0" fontAlgn="base">
-              <a:lnSpc>
-                <a:spcPct val="90000"/>
-              </a:lnSpc>
-              <a:spcBef>
-                <a:spcPct val="0"/>
-              </a:spcBef>
-              <a:spcAft>
-                <a:spcPct val="0"/>
-              </a:spcAft>
-              <a:defRPr sz="4400">
-                <a:solidFill>
-                  <a:schemeClr val="tx1"/>
-                </a:solidFill>
-                <a:latin typeface="等线 Light" panose="02010600030101010101" pitchFamily="2" charset="-122"/>
-                <a:ea typeface="等线 Light" panose="02010600030101010101" pitchFamily="2" charset="-122"/>
-              </a:defRPr>
-            </a:lvl7pPr>
-            <a:lvl8pPr marL="1371600" algn="l" rtl="0" fontAlgn="base">
-              <a:lnSpc>
-                <a:spcPct val="90000"/>
-              </a:lnSpc>
-              <a:spcBef>
-                <a:spcPct val="0"/>
-              </a:spcBef>
-              <a:spcAft>
-                <a:spcPct val="0"/>
-              </a:spcAft>
-              <a:defRPr sz="4400">
-                <a:solidFill>
-                  <a:schemeClr val="tx1"/>
-                </a:solidFill>
-                <a:latin typeface="等线 Light" panose="02010600030101010101" pitchFamily="2" charset="-122"/>
-                <a:ea typeface="等线 Light" panose="02010600030101010101" pitchFamily="2" charset="-122"/>
-              </a:defRPr>
-            </a:lvl8pPr>
-            <a:lvl9pPr marL="1828800" algn="l" rtl="0" fontAlgn="base">
-              <a:lnSpc>
-                <a:spcPct val="90000"/>
-              </a:lnSpc>
-              <a:spcBef>
-                <a:spcPct val="0"/>
-              </a:spcBef>
-              <a:spcAft>
-                <a:spcPct val="0"/>
-              </a:spcAft>
-              <a:defRPr sz="4400">
-                <a:solidFill>
-                  <a:schemeClr val="tx1"/>
-                </a:solidFill>
-                <a:latin typeface="等线 Light" panose="02010600030101010101" pitchFamily="2" charset="-122"/>
-                <a:ea typeface="等线 Light" panose="02010600030101010101" pitchFamily="2" charset="-122"/>
-              </a:defRPr>
-            </a:lvl9pPr>
-          </a:lstStyle>
-          <a:p>
-            <a:pPr indent="457200" eaLnBrk="1" hangingPunct="1">
-              <a:lnSpc>
-                <a:spcPct val="100000"/>
-              </a:lnSpc>
-              <a:spcBef>
-                <a:spcPts val="0"/>
-              </a:spcBef>
-            </a:pPr>
-            <a:r>
-              <a:rPr lang="zh-CN" altLang="en-US" sz="2400" dirty="0" smtClean="0">
-                <a:solidFill>
-                  <a:schemeClr val="tx1"/>
-                </a:solidFill>
-              </a:rPr>
-              <a:t>针对京东</a:t>
-            </a:r>
-            <a:r>
-              <a:rPr lang="zh-CN" altLang="en-US" sz="2400" dirty="0">
-                <a:solidFill>
-                  <a:schemeClr val="tx1"/>
-                </a:solidFill>
-              </a:rPr>
-              <a:t>金融风控的实际业务需求开发的一套舆情压力监控系统。系统主要分为风险评估、舆情监控、舆情视界、事件分析、个人中心等功能。其中主要业务是风险评估和舆情</a:t>
-            </a:r>
-            <a:r>
-              <a:rPr lang="zh-CN" altLang="en-US" sz="2400" dirty="0" smtClean="0">
-                <a:solidFill>
-                  <a:schemeClr val="tx1"/>
-                </a:solidFill>
-              </a:rPr>
-              <a:t>监控。</a:t>
-            </a:r>
-            <a:endParaRPr lang="en-US" altLang="zh-CN" sz="2400" dirty="0" smtClean="0">
-              <a:solidFill>
-                <a:schemeClr val="tx1"/>
-              </a:solidFill>
-            </a:endParaRPr>
-          </a:p>
-          <a:p>
-            <a:pPr indent="457200" eaLnBrk="1" hangingPunct="1">
-              <a:lnSpc>
-                <a:spcPct val="100000"/>
-              </a:lnSpc>
-              <a:spcBef>
-                <a:spcPts val="0"/>
-              </a:spcBef>
-            </a:pPr>
-            <a:r>
-              <a:rPr lang="zh-CN" altLang="en-US" sz="2400" dirty="0" smtClean="0">
-                <a:solidFill>
-                  <a:schemeClr val="tx1"/>
-                </a:solidFill>
-              </a:rPr>
-              <a:t>本人负责个人中心模块，舆情监控模块，事件分析模块以及公司报告显示模块的代码编写以及优化。</a:t>
-            </a:r>
-            <a:endParaRPr lang="zh-CN" altLang="en-US" sz="2400" dirty="0">
-              <a:solidFill>
-                <a:schemeClr val="tx1"/>
-              </a:solidFill>
-            </a:endParaRPr>
-          </a:p>
-        </p:txBody>
-      </p:sp>
-    </p:spTree>
-  </p:cSld>
-  <p:clrMapOvr>
-    <a:masterClrMapping/>
-  </p:clrMapOvr>
-</p:sld>
-</file>
-
-<file path=ppt/slides/slide11.xml><?xml version="1.0" encoding="utf-8"?>
 <p:sld xmlns:a="http://schemas.openxmlformats.org/drawingml/2006/main" xmlns:r="http://schemas.openxmlformats.org/officeDocument/2006/relationships" xmlns:p="http://schemas.openxmlformats.org/presentationml/2006/main">
   <p:cSld>
     <p:spTree>
@@ -11258,6 +10011,495 @@
         </p:txBody>
       </p:sp>
     </p:spTree>
+  </p:cSld>
+  <p:clrMapOvr>
+    <a:masterClrMapping/>
+  </p:clrMapOvr>
+</p:sld>
+</file>
+
+<file path=ppt/slides/slide11.xml><?xml version="1.0" encoding="utf-8"?>
+<p:sld xmlns:a="http://schemas.openxmlformats.org/drawingml/2006/main" xmlns:r="http://schemas.openxmlformats.org/officeDocument/2006/relationships" xmlns:p="http://schemas.openxmlformats.org/presentationml/2006/main">
+  <p:cSld>
+    <p:spTree>
+      <p:nvGrpSpPr>
+        <p:cNvPr id="1" name=""/>
+        <p:cNvGrpSpPr/>
+        <p:nvPr/>
+      </p:nvGrpSpPr>
+      <p:grpSpPr>
+        <a:xfrm>
+          <a:off x="0" y="0"/>
+          <a:ext cx="0" cy="0"/>
+          <a:chOff x="0" y="0"/>
+          <a:chExt cx="0" cy="0"/>
+        </a:xfrm>
+      </p:grpSpPr>
+      <p:sp>
+        <p:nvSpPr>
+          <p:cNvPr id="2" name="标题 1"/>
+          <p:cNvSpPr>
+            <a:spLocks noGrp="1"/>
+          </p:cNvSpPr>
+          <p:nvPr>
+            <p:ph type="title"/>
+          </p:nvPr>
+        </p:nvSpPr>
+        <p:spPr/>
+        <p:txBody>
+          <a:bodyPr/>
+          <a:lstStyle/>
+          <a:p>
+            <a:endParaRPr lang="zh-CN" altLang="en-US" dirty="0"/>
+          </a:p>
+        </p:txBody>
+      </p:sp>
+      <p:sp>
+        <p:nvSpPr>
+          <p:cNvPr id="3" name="标题 1"/>
+          <p:cNvSpPr txBox="1">
+            <a:spLocks/>
+          </p:cNvSpPr>
+          <p:nvPr/>
+        </p:nvSpPr>
+        <p:spPr>
+          <a:xfrm>
+            <a:off x="1366116" y="584345"/>
+            <a:ext cx="10515600" cy="904875"/>
+          </a:xfrm>
+          <a:prstGeom prst="rect">
+            <a:avLst/>
+          </a:prstGeom>
+          <a:noFill/>
+          <a:ln w="9525">
+            <a:noFill/>
+          </a:ln>
+        </p:spPr>
+        <p:txBody>
+          <a:bodyPr vert="horz" wrap="square" lIns="91440" tIns="45720" rIns="91440" bIns="45720" anchor="ctr"/>
+          <a:lstStyle>
+            <a:lvl1pPr algn="l" rtl="0" eaLnBrk="0" fontAlgn="base" hangingPunct="0">
+              <a:lnSpc>
+                <a:spcPct val="90000"/>
+              </a:lnSpc>
+              <a:spcBef>
+                <a:spcPct val="0"/>
+              </a:spcBef>
+              <a:spcAft>
+                <a:spcPct val="0"/>
+              </a:spcAft>
+              <a:defRPr sz="4400" kern="1200">
+                <a:solidFill>
+                  <a:schemeClr val="bg1"/>
+                </a:solidFill>
+                <a:latin typeface="微软雅黑" panose="020B0503020204020204" pitchFamily="34" charset="-122"/>
+                <a:ea typeface="微软雅黑" panose="020B0503020204020204" pitchFamily="34" charset="-122"/>
+                <a:cs typeface="+mj-cs"/>
+              </a:defRPr>
+            </a:lvl1pPr>
+            <a:lvl2pPr algn="l" rtl="0" eaLnBrk="0" fontAlgn="base" hangingPunct="0">
+              <a:lnSpc>
+                <a:spcPct val="90000"/>
+              </a:lnSpc>
+              <a:spcBef>
+                <a:spcPct val="0"/>
+              </a:spcBef>
+              <a:spcAft>
+                <a:spcPct val="0"/>
+              </a:spcAft>
+              <a:defRPr sz="4400">
+                <a:solidFill>
+                  <a:schemeClr val="tx1"/>
+                </a:solidFill>
+                <a:latin typeface="等线 Light" panose="02010600030101010101" pitchFamily="2" charset="-122"/>
+                <a:ea typeface="等线 Light" panose="02010600030101010101" pitchFamily="2" charset="-122"/>
+              </a:defRPr>
+            </a:lvl2pPr>
+            <a:lvl3pPr algn="l" rtl="0" eaLnBrk="0" fontAlgn="base" hangingPunct="0">
+              <a:lnSpc>
+                <a:spcPct val="90000"/>
+              </a:lnSpc>
+              <a:spcBef>
+                <a:spcPct val="0"/>
+              </a:spcBef>
+              <a:spcAft>
+                <a:spcPct val="0"/>
+              </a:spcAft>
+              <a:defRPr sz="4400">
+                <a:solidFill>
+                  <a:schemeClr val="tx1"/>
+                </a:solidFill>
+                <a:latin typeface="等线 Light" panose="02010600030101010101" pitchFamily="2" charset="-122"/>
+                <a:ea typeface="等线 Light" panose="02010600030101010101" pitchFamily="2" charset="-122"/>
+              </a:defRPr>
+            </a:lvl3pPr>
+            <a:lvl4pPr algn="l" rtl="0" eaLnBrk="0" fontAlgn="base" hangingPunct="0">
+              <a:lnSpc>
+                <a:spcPct val="90000"/>
+              </a:lnSpc>
+              <a:spcBef>
+                <a:spcPct val="0"/>
+              </a:spcBef>
+              <a:spcAft>
+                <a:spcPct val="0"/>
+              </a:spcAft>
+              <a:defRPr sz="4400">
+                <a:solidFill>
+                  <a:schemeClr val="tx1"/>
+                </a:solidFill>
+                <a:latin typeface="等线 Light" panose="02010600030101010101" pitchFamily="2" charset="-122"/>
+                <a:ea typeface="等线 Light" panose="02010600030101010101" pitchFamily="2" charset="-122"/>
+              </a:defRPr>
+            </a:lvl4pPr>
+            <a:lvl5pPr algn="l" rtl="0" eaLnBrk="0" fontAlgn="base" hangingPunct="0">
+              <a:lnSpc>
+                <a:spcPct val="90000"/>
+              </a:lnSpc>
+              <a:spcBef>
+                <a:spcPct val="0"/>
+              </a:spcBef>
+              <a:spcAft>
+                <a:spcPct val="0"/>
+              </a:spcAft>
+              <a:defRPr sz="4400">
+                <a:solidFill>
+                  <a:schemeClr val="tx1"/>
+                </a:solidFill>
+                <a:latin typeface="等线 Light" panose="02010600030101010101" pitchFamily="2" charset="-122"/>
+                <a:ea typeface="等线 Light" panose="02010600030101010101" pitchFamily="2" charset="-122"/>
+              </a:defRPr>
+            </a:lvl5pPr>
+            <a:lvl6pPr marL="457200" algn="l" rtl="0" fontAlgn="base">
+              <a:lnSpc>
+                <a:spcPct val="90000"/>
+              </a:lnSpc>
+              <a:spcBef>
+                <a:spcPct val="0"/>
+              </a:spcBef>
+              <a:spcAft>
+                <a:spcPct val="0"/>
+              </a:spcAft>
+              <a:defRPr sz="4400">
+                <a:solidFill>
+                  <a:schemeClr val="tx1"/>
+                </a:solidFill>
+                <a:latin typeface="等线 Light" panose="02010600030101010101" pitchFamily="2" charset="-122"/>
+                <a:ea typeface="等线 Light" panose="02010600030101010101" pitchFamily="2" charset="-122"/>
+              </a:defRPr>
+            </a:lvl6pPr>
+            <a:lvl7pPr marL="914400" algn="l" rtl="0" fontAlgn="base">
+              <a:lnSpc>
+                <a:spcPct val="90000"/>
+              </a:lnSpc>
+              <a:spcBef>
+                <a:spcPct val="0"/>
+              </a:spcBef>
+              <a:spcAft>
+                <a:spcPct val="0"/>
+              </a:spcAft>
+              <a:defRPr sz="4400">
+                <a:solidFill>
+                  <a:schemeClr val="tx1"/>
+                </a:solidFill>
+                <a:latin typeface="等线 Light" panose="02010600030101010101" pitchFamily="2" charset="-122"/>
+                <a:ea typeface="等线 Light" panose="02010600030101010101" pitchFamily="2" charset="-122"/>
+              </a:defRPr>
+            </a:lvl7pPr>
+            <a:lvl8pPr marL="1371600" algn="l" rtl="0" fontAlgn="base">
+              <a:lnSpc>
+                <a:spcPct val="90000"/>
+              </a:lnSpc>
+              <a:spcBef>
+                <a:spcPct val="0"/>
+              </a:spcBef>
+              <a:spcAft>
+                <a:spcPct val="0"/>
+              </a:spcAft>
+              <a:defRPr sz="4400">
+                <a:solidFill>
+                  <a:schemeClr val="tx1"/>
+                </a:solidFill>
+                <a:latin typeface="等线 Light" panose="02010600030101010101" pitchFamily="2" charset="-122"/>
+                <a:ea typeface="等线 Light" panose="02010600030101010101" pitchFamily="2" charset="-122"/>
+              </a:defRPr>
+            </a:lvl8pPr>
+            <a:lvl9pPr marL="1828800" algn="l" rtl="0" fontAlgn="base">
+              <a:lnSpc>
+                <a:spcPct val="90000"/>
+              </a:lnSpc>
+              <a:spcBef>
+                <a:spcPct val="0"/>
+              </a:spcBef>
+              <a:spcAft>
+                <a:spcPct val="0"/>
+              </a:spcAft>
+              <a:defRPr sz="4400">
+                <a:solidFill>
+                  <a:schemeClr val="tx1"/>
+                </a:solidFill>
+                <a:latin typeface="等线 Light" panose="02010600030101010101" pitchFamily="2" charset="-122"/>
+                <a:ea typeface="等线 Light" panose="02010600030101010101" pitchFamily="2" charset="-122"/>
+              </a:defRPr>
+            </a:lvl9pPr>
+          </a:lstStyle>
+          <a:p>
+            <a:r>
+              <a:rPr lang="en-US" altLang="zh-CN" dirty="0">
+                <a:solidFill>
+                  <a:schemeClr val="tx1"/>
+                </a:solidFill>
+              </a:rPr>
+              <a:t>3</a:t>
+            </a:r>
+            <a:r>
+              <a:rPr lang="zh-CN" altLang="en-US" dirty="0">
+                <a:solidFill>
+                  <a:schemeClr val="tx1"/>
+                </a:solidFill>
+              </a:rPr>
+              <a:t>、青岛海关智慧缉私项目</a:t>
+            </a:r>
+            <a:endParaRPr lang="zh-CN" altLang="en-US" dirty="0"/>
+          </a:p>
+        </p:txBody>
+      </p:sp>
+      <p:sp>
+        <p:nvSpPr>
+          <p:cNvPr id="4" name="标题 1"/>
+          <p:cNvSpPr txBox="1">
+            <a:spLocks/>
+          </p:cNvSpPr>
+          <p:nvPr/>
+        </p:nvSpPr>
+        <p:spPr>
+          <a:xfrm>
+            <a:off x="1343025" y="1628054"/>
+            <a:ext cx="10150764" cy="3110201"/>
+          </a:xfrm>
+          <a:prstGeom prst="rect">
+            <a:avLst/>
+          </a:prstGeom>
+          <a:noFill/>
+          <a:ln w="9525">
+            <a:noFill/>
+          </a:ln>
+        </p:spPr>
+        <p:txBody>
+          <a:bodyPr vert="horz" wrap="square" lIns="91440" tIns="45720" rIns="91440" bIns="45720" anchor="ctr"/>
+          <a:lstStyle>
+            <a:lvl1pPr algn="l" rtl="0" eaLnBrk="0" fontAlgn="base" hangingPunct="0">
+              <a:lnSpc>
+                <a:spcPct val="90000"/>
+              </a:lnSpc>
+              <a:spcBef>
+                <a:spcPct val="0"/>
+              </a:spcBef>
+              <a:spcAft>
+                <a:spcPct val="0"/>
+              </a:spcAft>
+              <a:defRPr sz="4400" kern="1200">
+                <a:solidFill>
+                  <a:schemeClr val="bg1"/>
+                </a:solidFill>
+                <a:latin typeface="微软雅黑" panose="020B0503020204020204" pitchFamily="34" charset="-122"/>
+                <a:ea typeface="微软雅黑" panose="020B0503020204020204" pitchFamily="34" charset="-122"/>
+                <a:cs typeface="+mj-cs"/>
+              </a:defRPr>
+            </a:lvl1pPr>
+            <a:lvl2pPr algn="l" rtl="0" eaLnBrk="0" fontAlgn="base" hangingPunct="0">
+              <a:lnSpc>
+                <a:spcPct val="90000"/>
+              </a:lnSpc>
+              <a:spcBef>
+                <a:spcPct val="0"/>
+              </a:spcBef>
+              <a:spcAft>
+                <a:spcPct val="0"/>
+              </a:spcAft>
+              <a:defRPr sz="4400">
+                <a:solidFill>
+                  <a:schemeClr val="tx1"/>
+                </a:solidFill>
+                <a:latin typeface="等线 Light" panose="02010600030101010101" pitchFamily="2" charset="-122"/>
+                <a:ea typeface="等线 Light" panose="02010600030101010101" pitchFamily="2" charset="-122"/>
+              </a:defRPr>
+            </a:lvl2pPr>
+            <a:lvl3pPr algn="l" rtl="0" eaLnBrk="0" fontAlgn="base" hangingPunct="0">
+              <a:lnSpc>
+                <a:spcPct val="90000"/>
+              </a:lnSpc>
+              <a:spcBef>
+                <a:spcPct val="0"/>
+              </a:spcBef>
+              <a:spcAft>
+                <a:spcPct val="0"/>
+              </a:spcAft>
+              <a:defRPr sz="4400">
+                <a:solidFill>
+                  <a:schemeClr val="tx1"/>
+                </a:solidFill>
+                <a:latin typeface="等线 Light" panose="02010600030101010101" pitchFamily="2" charset="-122"/>
+                <a:ea typeface="等线 Light" panose="02010600030101010101" pitchFamily="2" charset="-122"/>
+              </a:defRPr>
+            </a:lvl3pPr>
+            <a:lvl4pPr algn="l" rtl="0" eaLnBrk="0" fontAlgn="base" hangingPunct="0">
+              <a:lnSpc>
+                <a:spcPct val="90000"/>
+              </a:lnSpc>
+              <a:spcBef>
+                <a:spcPct val="0"/>
+              </a:spcBef>
+              <a:spcAft>
+                <a:spcPct val="0"/>
+              </a:spcAft>
+              <a:defRPr sz="4400">
+                <a:solidFill>
+                  <a:schemeClr val="tx1"/>
+                </a:solidFill>
+                <a:latin typeface="等线 Light" panose="02010600030101010101" pitchFamily="2" charset="-122"/>
+                <a:ea typeface="等线 Light" panose="02010600030101010101" pitchFamily="2" charset="-122"/>
+              </a:defRPr>
+            </a:lvl4pPr>
+            <a:lvl5pPr algn="l" rtl="0" eaLnBrk="0" fontAlgn="base" hangingPunct="0">
+              <a:lnSpc>
+                <a:spcPct val="90000"/>
+              </a:lnSpc>
+              <a:spcBef>
+                <a:spcPct val="0"/>
+              </a:spcBef>
+              <a:spcAft>
+                <a:spcPct val="0"/>
+              </a:spcAft>
+              <a:defRPr sz="4400">
+                <a:solidFill>
+                  <a:schemeClr val="tx1"/>
+                </a:solidFill>
+                <a:latin typeface="等线 Light" panose="02010600030101010101" pitchFamily="2" charset="-122"/>
+                <a:ea typeface="等线 Light" panose="02010600030101010101" pitchFamily="2" charset="-122"/>
+              </a:defRPr>
+            </a:lvl5pPr>
+            <a:lvl6pPr marL="457200" algn="l" rtl="0" fontAlgn="base">
+              <a:lnSpc>
+                <a:spcPct val="90000"/>
+              </a:lnSpc>
+              <a:spcBef>
+                <a:spcPct val="0"/>
+              </a:spcBef>
+              <a:spcAft>
+                <a:spcPct val="0"/>
+              </a:spcAft>
+              <a:defRPr sz="4400">
+                <a:solidFill>
+                  <a:schemeClr val="tx1"/>
+                </a:solidFill>
+                <a:latin typeface="等线 Light" panose="02010600030101010101" pitchFamily="2" charset="-122"/>
+                <a:ea typeface="等线 Light" panose="02010600030101010101" pitchFamily="2" charset="-122"/>
+              </a:defRPr>
+            </a:lvl6pPr>
+            <a:lvl7pPr marL="914400" algn="l" rtl="0" fontAlgn="base">
+              <a:lnSpc>
+                <a:spcPct val="90000"/>
+              </a:lnSpc>
+              <a:spcBef>
+                <a:spcPct val="0"/>
+              </a:spcBef>
+              <a:spcAft>
+                <a:spcPct val="0"/>
+              </a:spcAft>
+              <a:defRPr sz="4400">
+                <a:solidFill>
+                  <a:schemeClr val="tx1"/>
+                </a:solidFill>
+                <a:latin typeface="等线 Light" panose="02010600030101010101" pitchFamily="2" charset="-122"/>
+                <a:ea typeface="等线 Light" panose="02010600030101010101" pitchFamily="2" charset="-122"/>
+              </a:defRPr>
+            </a:lvl7pPr>
+            <a:lvl8pPr marL="1371600" algn="l" rtl="0" fontAlgn="base">
+              <a:lnSpc>
+                <a:spcPct val="90000"/>
+              </a:lnSpc>
+              <a:spcBef>
+                <a:spcPct val="0"/>
+              </a:spcBef>
+              <a:spcAft>
+                <a:spcPct val="0"/>
+              </a:spcAft>
+              <a:defRPr sz="4400">
+                <a:solidFill>
+                  <a:schemeClr val="tx1"/>
+                </a:solidFill>
+                <a:latin typeface="等线 Light" panose="02010600030101010101" pitchFamily="2" charset="-122"/>
+                <a:ea typeface="等线 Light" panose="02010600030101010101" pitchFamily="2" charset="-122"/>
+              </a:defRPr>
+            </a:lvl8pPr>
+            <a:lvl9pPr marL="1828800" algn="l" rtl="0" fontAlgn="base">
+              <a:lnSpc>
+                <a:spcPct val="90000"/>
+              </a:lnSpc>
+              <a:spcBef>
+                <a:spcPct val="0"/>
+              </a:spcBef>
+              <a:spcAft>
+                <a:spcPct val="0"/>
+              </a:spcAft>
+              <a:defRPr sz="4400">
+                <a:solidFill>
+                  <a:schemeClr val="tx1"/>
+                </a:solidFill>
+                <a:latin typeface="等线 Light" panose="02010600030101010101" pitchFamily="2" charset="-122"/>
+                <a:ea typeface="等线 Light" panose="02010600030101010101" pitchFamily="2" charset="-122"/>
+              </a:defRPr>
+            </a:lvl9pPr>
+          </a:lstStyle>
+          <a:p>
+            <a:pPr indent="457200" eaLnBrk="1" hangingPunct="1">
+              <a:lnSpc>
+                <a:spcPct val="100000"/>
+              </a:lnSpc>
+              <a:spcBef>
+                <a:spcPts val="0"/>
+              </a:spcBef>
+            </a:pPr>
+            <a:r>
+              <a:rPr lang="zh-CN" altLang="en-US" sz="2400" dirty="0">
+                <a:solidFill>
+                  <a:schemeClr val="tx1"/>
+                </a:solidFill>
+              </a:rPr>
+              <a:t>本系统是根据青岛海关缉私的实际业务需求开发的一套智慧缉私系统。系统主要分为线索管理、智能建档、智能查询、智能分析、数据管理等功能。</a:t>
+            </a:r>
+          </a:p>
+          <a:p>
+            <a:pPr indent="457200" eaLnBrk="1" hangingPunct="1">
+              <a:lnSpc>
+                <a:spcPct val="100000"/>
+              </a:lnSpc>
+              <a:spcBef>
+                <a:spcPts val="0"/>
+              </a:spcBef>
+            </a:pPr>
+            <a:r>
+              <a:rPr lang="zh-CN" altLang="en-US" sz="2400" dirty="0" smtClean="0">
+                <a:solidFill>
+                  <a:schemeClr val="tx1"/>
+                </a:solidFill>
+              </a:rPr>
+              <a:t>本人负责项目线索管理模块相关数据库表的建立，以及线索管理一套业务流程的实现。</a:t>
+            </a:r>
+            <a:endParaRPr lang="zh-CN" altLang="en-US" sz="2400" dirty="0">
+              <a:solidFill>
+                <a:schemeClr val="tx1"/>
+              </a:solidFill>
+            </a:endParaRPr>
+          </a:p>
+        </p:txBody>
+      </p:sp>
+    </p:spTree>
+    <p:extLst>
+      <p:ext uri="{BB962C8B-B14F-4D97-AF65-F5344CB8AC3E}">
+        <p14:creationId xmlns:p14="http://schemas.microsoft.com/office/powerpoint/2010/main" val="2558786457"/>
+      </p:ext>
+    </p:extLst>
   </p:cSld>
   <p:clrMapOvr>
     <a:masterClrMapping/>
@@ -11496,7 +10738,15 @@
                   <a:schemeClr val="tx1"/>
                 </a:solidFill>
               </a:rPr>
-              <a:t>3</a:t>
+              <a:t>4</a:t>
+            </a:r>
+            <a:r>
+              <a:rPr lang="zh-CN" altLang="en-US" dirty="0" smtClean="0">
+                <a:solidFill>
+                  <a:schemeClr val="tx1"/>
+                </a:solidFill>
+              </a:rPr>
+              <a:t>、</a:t>
             </a:r>
             <a:r>
               <a:rPr lang="zh-CN" altLang="en-US" dirty="0">
@@ -11504,7 +10754,7 @@
                   <a:schemeClr val="tx1"/>
                 </a:solidFill>
               </a:rPr>
-              <a:t>、青岛海关智慧缉私项目</a:t>
+              <a:t>军犬舆情管家项目</a:t>
             </a:r>
             <a:endParaRPr lang="zh-CN" altLang="en-US" dirty="0"/>
           </a:p>
@@ -11708,30 +10958,12 @@
               </a:spcBef>
             </a:pPr>
             <a:r>
-              <a:rPr lang="zh-CN" altLang="en-US" sz="2400" dirty="0">
+              <a:rPr lang="zh-CN" altLang="en-US" sz="2400" dirty="0" smtClean="0">
                 <a:solidFill>
                   <a:schemeClr val="tx1"/>
                 </a:solidFill>
               </a:rPr>
-              <a:t>本系统是根据青岛海关缉私的实际业务需求开发的一套智慧缉私系统。系统主要分为线索管理、智能建档、智能查询、智能分析、数据管理等功能。</a:t>
-            </a:r>
-          </a:p>
-          <a:p>
-            <a:pPr indent="457200" eaLnBrk="1" hangingPunct="1">
-              <a:lnSpc>
-                <a:spcPct val="100000"/>
-              </a:lnSpc>
-              <a:spcBef>
-                <a:spcPts val="0"/>
-              </a:spcBef>
-            </a:pPr>
-            <a:r>
-              <a:rPr lang="zh-CN" altLang="en-US" sz="2400" dirty="0" smtClean="0">
-                <a:solidFill>
-                  <a:schemeClr val="tx1"/>
-                </a:solidFill>
-              </a:rPr>
-              <a:t>本人负责项目线索管理模块相关数据库表的建立，以及线索管理一套业务流程的实现。</a:t>
+              <a:t>针对管家项目的版本迭代，根据项目经理给出的业务需求修改相应的模块，优化客户的操作体验。增加军犬舆情管家的功能，添加评论分析应用模块，增加境外媒体监测模块，增加站点管理模块，实现应用中心页面的升级，增加报告的媒体版的分类，实现用户自定义时间生成报告功能。</a:t>
             </a:r>
             <a:endParaRPr lang="zh-CN" altLang="en-US" sz="2400" dirty="0">
               <a:solidFill>
@@ -11744,7 +10976,7 @@
     </p:spTree>
     <p:extLst>
       <p:ext uri="{BB962C8B-B14F-4D97-AF65-F5344CB8AC3E}">
-        <p14:creationId xmlns:p14="http://schemas.microsoft.com/office/powerpoint/2010/main" val="2558786457"/>
+        <p14:creationId xmlns:p14="http://schemas.microsoft.com/office/powerpoint/2010/main" val="3940081549"/>
       </p:ext>
     </p:extLst>
   </p:cSld>
@@ -11980,485 +11212,6 @@
           </a:lstStyle>
           <a:p>
             <a:r>
-              <a:rPr lang="en-US" altLang="zh-CN" dirty="0">
-                <a:solidFill>
-                  <a:schemeClr val="tx1"/>
-                </a:solidFill>
-              </a:rPr>
-              <a:t>4</a:t>
-            </a:r>
-            <a:r>
-              <a:rPr lang="zh-CN" altLang="en-US" dirty="0" smtClean="0">
-                <a:solidFill>
-                  <a:schemeClr val="tx1"/>
-                </a:solidFill>
-              </a:rPr>
-              <a:t>、</a:t>
-            </a:r>
-            <a:r>
-              <a:rPr lang="zh-CN" altLang="en-US" dirty="0">
-                <a:solidFill>
-                  <a:schemeClr val="tx1"/>
-                </a:solidFill>
-              </a:rPr>
-              <a:t>军犬舆情管家项目</a:t>
-            </a:r>
-            <a:endParaRPr lang="zh-CN" altLang="en-US" dirty="0"/>
-          </a:p>
-        </p:txBody>
-      </p:sp>
-      <p:sp>
-        <p:nvSpPr>
-          <p:cNvPr id="4" name="标题 1"/>
-          <p:cNvSpPr txBox="1">
-            <a:spLocks/>
-          </p:cNvSpPr>
-          <p:nvPr/>
-        </p:nvSpPr>
-        <p:spPr>
-          <a:xfrm>
-            <a:off x="1343025" y="1628054"/>
-            <a:ext cx="10150764" cy="3110201"/>
-          </a:xfrm>
-          <a:prstGeom prst="rect">
-            <a:avLst/>
-          </a:prstGeom>
-          <a:noFill/>
-          <a:ln w="9525">
-            <a:noFill/>
-          </a:ln>
-        </p:spPr>
-        <p:txBody>
-          <a:bodyPr vert="horz" wrap="square" lIns="91440" tIns="45720" rIns="91440" bIns="45720" anchor="ctr"/>
-          <a:lstStyle>
-            <a:lvl1pPr algn="l" rtl="0" eaLnBrk="0" fontAlgn="base" hangingPunct="0">
-              <a:lnSpc>
-                <a:spcPct val="90000"/>
-              </a:lnSpc>
-              <a:spcBef>
-                <a:spcPct val="0"/>
-              </a:spcBef>
-              <a:spcAft>
-                <a:spcPct val="0"/>
-              </a:spcAft>
-              <a:defRPr sz="4400" kern="1200">
-                <a:solidFill>
-                  <a:schemeClr val="bg1"/>
-                </a:solidFill>
-                <a:latin typeface="微软雅黑" panose="020B0503020204020204" pitchFamily="34" charset="-122"/>
-                <a:ea typeface="微软雅黑" panose="020B0503020204020204" pitchFamily="34" charset="-122"/>
-                <a:cs typeface="+mj-cs"/>
-              </a:defRPr>
-            </a:lvl1pPr>
-            <a:lvl2pPr algn="l" rtl="0" eaLnBrk="0" fontAlgn="base" hangingPunct="0">
-              <a:lnSpc>
-                <a:spcPct val="90000"/>
-              </a:lnSpc>
-              <a:spcBef>
-                <a:spcPct val="0"/>
-              </a:spcBef>
-              <a:spcAft>
-                <a:spcPct val="0"/>
-              </a:spcAft>
-              <a:defRPr sz="4400">
-                <a:solidFill>
-                  <a:schemeClr val="tx1"/>
-                </a:solidFill>
-                <a:latin typeface="等线 Light" panose="02010600030101010101" pitchFamily="2" charset="-122"/>
-                <a:ea typeface="等线 Light" panose="02010600030101010101" pitchFamily="2" charset="-122"/>
-              </a:defRPr>
-            </a:lvl2pPr>
-            <a:lvl3pPr algn="l" rtl="0" eaLnBrk="0" fontAlgn="base" hangingPunct="0">
-              <a:lnSpc>
-                <a:spcPct val="90000"/>
-              </a:lnSpc>
-              <a:spcBef>
-                <a:spcPct val="0"/>
-              </a:spcBef>
-              <a:spcAft>
-                <a:spcPct val="0"/>
-              </a:spcAft>
-              <a:defRPr sz="4400">
-                <a:solidFill>
-                  <a:schemeClr val="tx1"/>
-                </a:solidFill>
-                <a:latin typeface="等线 Light" panose="02010600030101010101" pitchFamily="2" charset="-122"/>
-                <a:ea typeface="等线 Light" panose="02010600030101010101" pitchFamily="2" charset="-122"/>
-              </a:defRPr>
-            </a:lvl3pPr>
-            <a:lvl4pPr algn="l" rtl="0" eaLnBrk="0" fontAlgn="base" hangingPunct="0">
-              <a:lnSpc>
-                <a:spcPct val="90000"/>
-              </a:lnSpc>
-              <a:spcBef>
-                <a:spcPct val="0"/>
-              </a:spcBef>
-              <a:spcAft>
-                <a:spcPct val="0"/>
-              </a:spcAft>
-              <a:defRPr sz="4400">
-                <a:solidFill>
-                  <a:schemeClr val="tx1"/>
-                </a:solidFill>
-                <a:latin typeface="等线 Light" panose="02010600030101010101" pitchFamily="2" charset="-122"/>
-                <a:ea typeface="等线 Light" panose="02010600030101010101" pitchFamily="2" charset="-122"/>
-              </a:defRPr>
-            </a:lvl4pPr>
-            <a:lvl5pPr algn="l" rtl="0" eaLnBrk="0" fontAlgn="base" hangingPunct="0">
-              <a:lnSpc>
-                <a:spcPct val="90000"/>
-              </a:lnSpc>
-              <a:spcBef>
-                <a:spcPct val="0"/>
-              </a:spcBef>
-              <a:spcAft>
-                <a:spcPct val="0"/>
-              </a:spcAft>
-              <a:defRPr sz="4400">
-                <a:solidFill>
-                  <a:schemeClr val="tx1"/>
-                </a:solidFill>
-                <a:latin typeface="等线 Light" panose="02010600030101010101" pitchFamily="2" charset="-122"/>
-                <a:ea typeface="等线 Light" panose="02010600030101010101" pitchFamily="2" charset="-122"/>
-              </a:defRPr>
-            </a:lvl5pPr>
-            <a:lvl6pPr marL="457200" algn="l" rtl="0" fontAlgn="base">
-              <a:lnSpc>
-                <a:spcPct val="90000"/>
-              </a:lnSpc>
-              <a:spcBef>
-                <a:spcPct val="0"/>
-              </a:spcBef>
-              <a:spcAft>
-                <a:spcPct val="0"/>
-              </a:spcAft>
-              <a:defRPr sz="4400">
-                <a:solidFill>
-                  <a:schemeClr val="tx1"/>
-                </a:solidFill>
-                <a:latin typeface="等线 Light" panose="02010600030101010101" pitchFamily="2" charset="-122"/>
-                <a:ea typeface="等线 Light" panose="02010600030101010101" pitchFamily="2" charset="-122"/>
-              </a:defRPr>
-            </a:lvl6pPr>
-            <a:lvl7pPr marL="914400" algn="l" rtl="0" fontAlgn="base">
-              <a:lnSpc>
-                <a:spcPct val="90000"/>
-              </a:lnSpc>
-              <a:spcBef>
-                <a:spcPct val="0"/>
-              </a:spcBef>
-              <a:spcAft>
-                <a:spcPct val="0"/>
-              </a:spcAft>
-              <a:defRPr sz="4400">
-                <a:solidFill>
-                  <a:schemeClr val="tx1"/>
-                </a:solidFill>
-                <a:latin typeface="等线 Light" panose="02010600030101010101" pitchFamily="2" charset="-122"/>
-                <a:ea typeface="等线 Light" panose="02010600030101010101" pitchFamily="2" charset="-122"/>
-              </a:defRPr>
-            </a:lvl7pPr>
-            <a:lvl8pPr marL="1371600" algn="l" rtl="0" fontAlgn="base">
-              <a:lnSpc>
-                <a:spcPct val="90000"/>
-              </a:lnSpc>
-              <a:spcBef>
-                <a:spcPct val="0"/>
-              </a:spcBef>
-              <a:spcAft>
-                <a:spcPct val="0"/>
-              </a:spcAft>
-              <a:defRPr sz="4400">
-                <a:solidFill>
-                  <a:schemeClr val="tx1"/>
-                </a:solidFill>
-                <a:latin typeface="等线 Light" panose="02010600030101010101" pitchFamily="2" charset="-122"/>
-                <a:ea typeface="等线 Light" panose="02010600030101010101" pitchFamily="2" charset="-122"/>
-              </a:defRPr>
-            </a:lvl8pPr>
-            <a:lvl9pPr marL="1828800" algn="l" rtl="0" fontAlgn="base">
-              <a:lnSpc>
-                <a:spcPct val="90000"/>
-              </a:lnSpc>
-              <a:spcBef>
-                <a:spcPct val="0"/>
-              </a:spcBef>
-              <a:spcAft>
-                <a:spcPct val="0"/>
-              </a:spcAft>
-              <a:defRPr sz="4400">
-                <a:solidFill>
-                  <a:schemeClr val="tx1"/>
-                </a:solidFill>
-                <a:latin typeface="等线 Light" panose="02010600030101010101" pitchFamily="2" charset="-122"/>
-                <a:ea typeface="等线 Light" panose="02010600030101010101" pitchFamily="2" charset="-122"/>
-              </a:defRPr>
-            </a:lvl9pPr>
-          </a:lstStyle>
-          <a:p>
-            <a:pPr indent="457200" eaLnBrk="1" hangingPunct="1">
-              <a:lnSpc>
-                <a:spcPct val="100000"/>
-              </a:lnSpc>
-              <a:spcBef>
-                <a:spcPts val="0"/>
-              </a:spcBef>
-            </a:pPr>
-            <a:r>
-              <a:rPr lang="zh-CN" altLang="en-US" sz="2400" dirty="0" smtClean="0">
-                <a:solidFill>
-                  <a:schemeClr val="tx1"/>
-                </a:solidFill>
-              </a:rPr>
-              <a:t>针对管家项目的版本迭代，根据项目经理给出的业务需求修改相应的模块，优化客户的操作体验。增加军犬舆情管家的功能，添加评论分析应用模块，增加境外媒体监测模块，增加站点管理模块，实现应用中心页面的升级，增加报告的媒体版的分类，实现用户自定义时间生成报告功能。</a:t>
-            </a:r>
-            <a:endParaRPr lang="zh-CN" altLang="en-US" sz="2400" dirty="0">
-              <a:solidFill>
-                <a:schemeClr val="tx1"/>
-              </a:solidFill>
-            </a:endParaRPr>
-          </a:p>
-        </p:txBody>
-      </p:sp>
-    </p:spTree>
-    <p:extLst>
-      <p:ext uri="{BB962C8B-B14F-4D97-AF65-F5344CB8AC3E}">
-        <p14:creationId xmlns:p14="http://schemas.microsoft.com/office/powerpoint/2010/main" val="3940081549"/>
-      </p:ext>
-    </p:extLst>
-  </p:cSld>
-  <p:clrMapOvr>
-    <a:masterClrMapping/>
-  </p:clrMapOvr>
-</p:sld>
-</file>
-
-<file path=ppt/slides/slide14.xml><?xml version="1.0" encoding="utf-8"?>
-<p:sld xmlns:a="http://schemas.openxmlformats.org/drawingml/2006/main" xmlns:r="http://schemas.openxmlformats.org/officeDocument/2006/relationships" xmlns:p="http://schemas.openxmlformats.org/presentationml/2006/main">
-  <p:cSld>
-    <p:spTree>
-      <p:nvGrpSpPr>
-        <p:cNvPr id="1" name=""/>
-        <p:cNvGrpSpPr/>
-        <p:nvPr/>
-      </p:nvGrpSpPr>
-      <p:grpSpPr>
-        <a:xfrm>
-          <a:off x="0" y="0"/>
-          <a:ext cx="0" cy="0"/>
-          <a:chOff x="0" y="0"/>
-          <a:chExt cx="0" cy="0"/>
-        </a:xfrm>
-      </p:grpSpPr>
-      <p:sp>
-        <p:nvSpPr>
-          <p:cNvPr id="2" name="标题 1"/>
-          <p:cNvSpPr>
-            <a:spLocks noGrp="1"/>
-          </p:cNvSpPr>
-          <p:nvPr>
-            <p:ph type="title"/>
-          </p:nvPr>
-        </p:nvSpPr>
-        <p:spPr/>
-        <p:txBody>
-          <a:bodyPr/>
-          <a:lstStyle/>
-          <a:p>
-            <a:endParaRPr lang="zh-CN" altLang="en-US" dirty="0"/>
-          </a:p>
-        </p:txBody>
-      </p:sp>
-      <p:sp>
-        <p:nvSpPr>
-          <p:cNvPr id="3" name="标题 1"/>
-          <p:cNvSpPr txBox="1">
-            <a:spLocks/>
-          </p:cNvSpPr>
-          <p:nvPr/>
-        </p:nvSpPr>
-        <p:spPr>
-          <a:xfrm>
-            <a:off x="1366116" y="584345"/>
-            <a:ext cx="10515600" cy="904875"/>
-          </a:xfrm>
-          <a:prstGeom prst="rect">
-            <a:avLst/>
-          </a:prstGeom>
-          <a:noFill/>
-          <a:ln w="9525">
-            <a:noFill/>
-          </a:ln>
-        </p:spPr>
-        <p:txBody>
-          <a:bodyPr vert="horz" wrap="square" lIns="91440" tIns="45720" rIns="91440" bIns="45720" anchor="ctr"/>
-          <a:lstStyle>
-            <a:lvl1pPr algn="l" rtl="0" eaLnBrk="0" fontAlgn="base" hangingPunct="0">
-              <a:lnSpc>
-                <a:spcPct val="90000"/>
-              </a:lnSpc>
-              <a:spcBef>
-                <a:spcPct val="0"/>
-              </a:spcBef>
-              <a:spcAft>
-                <a:spcPct val="0"/>
-              </a:spcAft>
-              <a:defRPr sz="4400" kern="1200">
-                <a:solidFill>
-                  <a:schemeClr val="bg1"/>
-                </a:solidFill>
-                <a:latin typeface="微软雅黑" panose="020B0503020204020204" pitchFamily="34" charset="-122"/>
-                <a:ea typeface="微软雅黑" panose="020B0503020204020204" pitchFamily="34" charset="-122"/>
-                <a:cs typeface="+mj-cs"/>
-              </a:defRPr>
-            </a:lvl1pPr>
-            <a:lvl2pPr algn="l" rtl="0" eaLnBrk="0" fontAlgn="base" hangingPunct="0">
-              <a:lnSpc>
-                <a:spcPct val="90000"/>
-              </a:lnSpc>
-              <a:spcBef>
-                <a:spcPct val="0"/>
-              </a:spcBef>
-              <a:spcAft>
-                <a:spcPct val="0"/>
-              </a:spcAft>
-              <a:defRPr sz="4400">
-                <a:solidFill>
-                  <a:schemeClr val="tx1"/>
-                </a:solidFill>
-                <a:latin typeface="等线 Light" panose="02010600030101010101" pitchFamily="2" charset="-122"/>
-                <a:ea typeface="等线 Light" panose="02010600030101010101" pitchFamily="2" charset="-122"/>
-              </a:defRPr>
-            </a:lvl2pPr>
-            <a:lvl3pPr algn="l" rtl="0" eaLnBrk="0" fontAlgn="base" hangingPunct="0">
-              <a:lnSpc>
-                <a:spcPct val="90000"/>
-              </a:lnSpc>
-              <a:spcBef>
-                <a:spcPct val="0"/>
-              </a:spcBef>
-              <a:spcAft>
-                <a:spcPct val="0"/>
-              </a:spcAft>
-              <a:defRPr sz="4400">
-                <a:solidFill>
-                  <a:schemeClr val="tx1"/>
-                </a:solidFill>
-                <a:latin typeface="等线 Light" panose="02010600030101010101" pitchFamily="2" charset="-122"/>
-                <a:ea typeface="等线 Light" panose="02010600030101010101" pitchFamily="2" charset="-122"/>
-              </a:defRPr>
-            </a:lvl3pPr>
-            <a:lvl4pPr algn="l" rtl="0" eaLnBrk="0" fontAlgn="base" hangingPunct="0">
-              <a:lnSpc>
-                <a:spcPct val="90000"/>
-              </a:lnSpc>
-              <a:spcBef>
-                <a:spcPct val="0"/>
-              </a:spcBef>
-              <a:spcAft>
-                <a:spcPct val="0"/>
-              </a:spcAft>
-              <a:defRPr sz="4400">
-                <a:solidFill>
-                  <a:schemeClr val="tx1"/>
-                </a:solidFill>
-                <a:latin typeface="等线 Light" panose="02010600030101010101" pitchFamily="2" charset="-122"/>
-                <a:ea typeface="等线 Light" panose="02010600030101010101" pitchFamily="2" charset="-122"/>
-              </a:defRPr>
-            </a:lvl4pPr>
-            <a:lvl5pPr algn="l" rtl="0" eaLnBrk="0" fontAlgn="base" hangingPunct="0">
-              <a:lnSpc>
-                <a:spcPct val="90000"/>
-              </a:lnSpc>
-              <a:spcBef>
-                <a:spcPct val="0"/>
-              </a:spcBef>
-              <a:spcAft>
-                <a:spcPct val="0"/>
-              </a:spcAft>
-              <a:defRPr sz="4400">
-                <a:solidFill>
-                  <a:schemeClr val="tx1"/>
-                </a:solidFill>
-                <a:latin typeface="等线 Light" panose="02010600030101010101" pitchFamily="2" charset="-122"/>
-                <a:ea typeface="等线 Light" panose="02010600030101010101" pitchFamily="2" charset="-122"/>
-              </a:defRPr>
-            </a:lvl5pPr>
-            <a:lvl6pPr marL="457200" algn="l" rtl="0" fontAlgn="base">
-              <a:lnSpc>
-                <a:spcPct val="90000"/>
-              </a:lnSpc>
-              <a:spcBef>
-                <a:spcPct val="0"/>
-              </a:spcBef>
-              <a:spcAft>
-                <a:spcPct val="0"/>
-              </a:spcAft>
-              <a:defRPr sz="4400">
-                <a:solidFill>
-                  <a:schemeClr val="tx1"/>
-                </a:solidFill>
-                <a:latin typeface="等线 Light" panose="02010600030101010101" pitchFamily="2" charset="-122"/>
-                <a:ea typeface="等线 Light" panose="02010600030101010101" pitchFamily="2" charset="-122"/>
-              </a:defRPr>
-            </a:lvl6pPr>
-            <a:lvl7pPr marL="914400" algn="l" rtl="0" fontAlgn="base">
-              <a:lnSpc>
-                <a:spcPct val="90000"/>
-              </a:lnSpc>
-              <a:spcBef>
-                <a:spcPct val="0"/>
-              </a:spcBef>
-              <a:spcAft>
-                <a:spcPct val="0"/>
-              </a:spcAft>
-              <a:defRPr sz="4400">
-                <a:solidFill>
-                  <a:schemeClr val="tx1"/>
-                </a:solidFill>
-                <a:latin typeface="等线 Light" panose="02010600030101010101" pitchFamily="2" charset="-122"/>
-                <a:ea typeface="等线 Light" panose="02010600030101010101" pitchFamily="2" charset="-122"/>
-              </a:defRPr>
-            </a:lvl7pPr>
-            <a:lvl8pPr marL="1371600" algn="l" rtl="0" fontAlgn="base">
-              <a:lnSpc>
-                <a:spcPct val="90000"/>
-              </a:lnSpc>
-              <a:spcBef>
-                <a:spcPct val="0"/>
-              </a:spcBef>
-              <a:spcAft>
-                <a:spcPct val="0"/>
-              </a:spcAft>
-              <a:defRPr sz="4400">
-                <a:solidFill>
-                  <a:schemeClr val="tx1"/>
-                </a:solidFill>
-                <a:latin typeface="等线 Light" panose="02010600030101010101" pitchFamily="2" charset="-122"/>
-                <a:ea typeface="等线 Light" panose="02010600030101010101" pitchFamily="2" charset="-122"/>
-              </a:defRPr>
-            </a:lvl8pPr>
-            <a:lvl9pPr marL="1828800" algn="l" rtl="0" fontAlgn="base">
-              <a:lnSpc>
-                <a:spcPct val="90000"/>
-              </a:lnSpc>
-              <a:spcBef>
-                <a:spcPct val="0"/>
-              </a:spcBef>
-              <a:spcAft>
-                <a:spcPct val="0"/>
-              </a:spcAft>
-              <a:defRPr sz="4400">
-                <a:solidFill>
-                  <a:schemeClr val="tx1"/>
-                </a:solidFill>
-                <a:latin typeface="等线 Light" panose="02010600030101010101" pitchFamily="2" charset="-122"/>
-                <a:ea typeface="等线 Light" panose="02010600030101010101" pitchFamily="2" charset="-122"/>
-              </a:defRPr>
-            </a:lvl9pPr>
-          </a:lstStyle>
-          <a:p>
-            <a:r>
               <a:rPr lang="en-US" altLang="zh-CN" dirty="0" smtClean="0">
                 <a:solidFill>
                   <a:schemeClr val="tx1"/>
@@ -12704,7 +11457,7 @@
 </p:sld>
 </file>
 
-<file path=ppt/slides/slide15.xml><?xml version="1.0" encoding="utf-8"?>
+<file path=ppt/slides/slide14.xml><?xml version="1.0" encoding="utf-8"?>
 <p:sld xmlns:a="http://schemas.openxmlformats.org/drawingml/2006/main" xmlns:r="http://schemas.openxmlformats.org/officeDocument/2006/relationships" xmlns:p="http://schemas.openxmlformats.org/presentationml/2006/main">
   <p:cSld>
     <p:spTree>
@@ -12873,6 +11626,509 @@
               </a:rPr>
               <a:t>工作问题及解决方案</a:t>
             </a:r>
+          </a:p>
+        </p:txBody>
+      </p:sp>
+    </p:spTree>
+  </p:cSld>
+  <p:clrMapOvr>
+    <a:masterClrMapping/>
+  </p:clrMapOvr>
+</p:sld>
+</file>
+
+<file path=ppt/slides/slide15.xml><?xml version="1.0" encoding="utf-8"?>
+<p:sld xmlns:a="http://schemas.openxmlformats.org/drawingml/2006/main" xmlns:r="http://schemas.openxmlformats.org/officeDocument/2006/relationships" xmlns:p="http://schemas.openxmlformats.org/presentationml/2006/main">
+  <p:cSld>
+    <p:spTree>
+      <p:nvGrpSpPr>
+        <p:cNvPr id="1" name=""/>
+        <p:cNvGrpSpPr/>
+        <p:nvPr/>
+      </p:nvGrpSpPr>
+      <p:grpSpPr>
+        <a:xfrm>
+          <a:off x="0" y="0"/>
+          <a:ext cx="0" cy="0"/>
+          <a:chOff x="0" y="0"/>
+          <a:chExt cx="0" cy="0"/>
+        </a:xfrm>
+      </p:grpSpPr>
+      <p:sp>
+        <p:nvSpPr>
+          <p:cNvPr id="3" name="标题 1"/>
+          <p:cNvSpPr txBox="1">
+            <a:spLocks/>
+          </p:cNvSpPr>
+          <p:nvPr/>
+        </p:nvSpPr>
+        <p:spPr>
+          <a:xfrm>
+            <a:off x="1329377" y="597993"/>
+            <a:ext cx="10515600" cy="904875"/>
+          </a:xfrm>
+          <a:prstGeom prst="rect">
+            <a:avLst/>
+          </a:prstGeom>
+          <a:noFill/>
+          <a:ln w="9525">
+            <a:noFill/>
+          </a:ln>
+        </p:spPr>
+        <p:txBody>
+          <a:bodyPr vert="horz" wrap="square" lIns="91440" tIns="45720" rIns="91440" bIns="45720" anchor="ctr"/>
+          <a:lstStyle>
+            <a:lvl1pPr algn="l" rtl="0" eaLnBrk="0" fontAlgn="base" hangingPunct="0">
+              <a:lnSpc>
+                <a:spcPct val="90000"/>
+              </a:lnSpc>
+              <a:spcBef>
+                <a:spcPct val="0"/>
+              </a:spcBef>
+              <a:spcAft>
+                <a:spcPct val="0"/>
+              </a:spcAft>
+              <a:defRPr sz="4400" kern="1200">
+                <a:solidFill>
+                  <a:schemeClr val="bg1"/>
+                </a:solidFill>
+                <a:latin typeface="微软雅黑" panose="020B0503020204020204" pitchFamily="34" charset="-122"/>
+                <a:ea typeface="微软雅黑" panose="020B0503020204020204" pitchFamily="34" charset="-122"/>
+                <a:cs typeface="+mj-cs"/>
+              </a:defRPr>
+            </a:lvl1pPr>
+            <a:lvl2pPr algn="l" rtl="0" eaLnBrk="0" fontAlgn="base" hangingPunct="0">
+              <a:lnSpc>
+                <a:spcPct val="90000"/>
+              </a:lnSpc>
+              <a:spcBef>
+                <a:spcPct val="0"/>
+              </a:spcBef>
+              <a:spcAft>
+                <a:spcPct val="0"/>
+              </a:spcAft>
+              <a:defRPr sz="4400">
+                <a:solidFill>
+                  <a:schemeClr val="tx1"/>
+                </a:solidFill>
+                <a:latin typeface="等线 Light" panose="02010600030101010101" pitchFamily="2" charset="-122"/>
+                <a:ea typeface="等线 Light" panose="02010600030101010101" pitchFamily="2" charset="-122"/>
+              </a:defRPr>
+            </a:lvl2pPr>
+            <a:lvl3pPr algn="l" rtl="0" eaLnBrk="0" fontAlgn="base" hangingPunct="0">
+              <a:lnSpc>
+                <a:spcPct val="90000"/>
+              </a:lnSpc>
+              <a:spcBef>
+                <a:spcPct val="0"/>
+              </a:spcBef>
+              <a:spcAft>
+                <a:spcPct val="0"/>
+              </a:spcAft>
+              <a:defRPr sz="4400">
+                <a:solidFill>
+                  <a:schemeClr val="tx1"/>
+                </a:solidFill>
+                <a:latin typeface="等线 Light" panose="02010600030101010101" pitchFamily="2" charset="-122"/>
+                <a:ea typeface="等线 Light" panose="02010600030101010101" pitchFamily="2" charset="-122"/>
+              </a:defRPr>
+            </a:lvl3pPr>
+            <a:lvl4pPr algn="l" rtl="0" eaLnBrk="0" fontAlgn="base" hangingPunct="0">
+              <a:lnSpc>
+                <a:spcPct val="90000"/>
+              </a:lnSpc>
+              <a:spcBef>
+                <a:spcPct val="0"/>
+              </a:spcBef>
+              <a:spcAft>
+                <a:spcPct val="0"/>
+              </a:spcAft>
+              <a:defRPr sz="4400">
+                <a:solidFill>
+                  <a:schemeClr val="tx1"/>
+                </a:solidFill>
+                <a:latin typeface="等线 Light" panose="02010600030101010101" pitchFamily="2" charset="-122"/>
+                <a:ea typeface="等线 Light" panose="02010600030101010101" pitchFamily="2" charset="-122"/>
+              </a:defRPr>
+            </a:lvl4pPr>
+            <a:lvl5pPr algn="l" rtl="0" eaLnBrk="0" fontAlgn="base" hangingPunct="0">
+              <a:lnSpc>
+                <a:spcPct val="90000"/>
+              </a:lnSpc>
+              <a:spcBef>
+                <a:spcPct val="0"/>
+              </a:spcBef>
+              <a:spcAft>
+                <a:spcPct val="0"/>
+              </a:spcAft>
+              <a:defRPr sz="4400">
+                <a:solidFill>
+                  <a:schemeClr val="tx1"/>
+                </a:solidFill>
+                <a:latin typeface="等线 Light" panose="02010600030101010101" pitchFamily="2" charset="-122"/>
+                <a:ea typeface="等线 Light" panose="02010600030101010101" pitchFamily="2" charset="-122"/>
+              </a:defRPr>
+            </a:lvl5pPr>
+            <a:lvl6pPr marL="457200" algn="l" rtl="0" fontAlgn="base">
+              <a:lnSpc>
+                <a:spcPct val="90000"/>
+              </a:lnSpc>
+              <a:spcBef>
+                <a:spcPct val="0"/>
+              </a:spcBef>
+              <a:spcAft>
+                <a:spcPct val="0"/>
+              </a:spcAft>
+              <a:defRPr sz="4400">
+                <a:solidFill>
+                  <a:schemeClr val="tx1"/>
+                </a:solidFill>
+                <a:latin typeface="等线 Light" panose="02010600030101010101" pitchFamily="2" charset="-122"/>
+                <a:ea typeface="等线 Light" panose="02010600030101010101" pitchFamily="2" charset="-122"/>
+              </a:defRPr>
+            </a:lvl6pPr>
+            <a:lvl7pPr marL="914400" algn="l" rtl="0" fontAlgn="base">
+              <a:lnSpc>
+                <a:spcPct val="90000"/>
+              </a:lnSpc>
+              <a:spcBef>
+                <a:spcPct val="0"/>
+              </a:spcBef>
+              <a:spcAft>
+                <a:spcPct val="0"/>
+              </a:spcAft>
+              <a:defRPr sz="4400">
+                <a:solidFill>
+                  <a:schemeClr val="tx1"/>
+                </a:solidFill>
+                <a:latin typeface="等线 Light" panose="02010600030101010101" pitchFamily="2" charset="-122"/>
+                <a:ea typeface="等线 Light" panose="02010600030101010101" pitchFamily="2" charset="-122"/>
+              </a:defRPr>
+            </a:lvl7pPr>
+            <a:lvl8pPr marL="1371600" algn="l" rtl="0" fontAlgn="base">
+              <a:lnSpc>
+                <a:spcPct val="90000"/>
+              </a:lnSpc>
+              <a:spcBef>
+                <a:spcPct val="0"/>
+              </a:spcBef>
+              <a:spcAft>
+                <a:spcPct val="0"/>
+              </a:spcAft>
+              <a:defRPr sz="4400">
+                <a:solidFill>
+                  <a:schemeClr val="tx1"/>
+                </a:solidFill>
+                <a:latin typeface="等线 Light" panose="02010600030101010101" pitchFamily="2" charset="-122"/>
+                <a:ea typeface="等线 Light" panose="02010600030101010101" pitchFamily="2" charset="-122"/>
+              </a:defRPr>
+            </a:lvl8pPr>
+            <a:lvl9pPr marL="1828800" algn="l" rtl="0" fontAlgn="base">
+              <a:lnSpc>
+                <a:spcPct val="90000"/>
+              </a:lnSpc>
+              <a:spcBef>
+                <a:spcPct val="0"/>
+              </a:spcBef>
+              <a:spcAft>
+                <a:spcPct val="0"/>
+              </a:spcAft>
+              <a:defRPr sz="4400">
+                <a:solidFill>
+                  <a:schemeClr val="tx1"/>
+                </a:solidFill>
+                <a:latin typeface="等线 Light" panose="02010600030101010101" pitchFamily="2" charset="-122"/>
+                <a:ea typeface="等线 Light" panose="02010600030101010101" pitchFamily="2" charset="-122"/>
+              </a:defRPr>
+            </a:lvl9pPr>
+          </a:lstStyle>
+          <a:p>
+            <a:r>
+              <a:rPr lang="zh-CN" altLang="en-US" dirty="0" smtClean="0">
+                <a:solidFill>
+                  <a:schemeClr val="tx1"/>
+                </a:solidFill>
+              </a:rPr>
+              <a:t>网站集成指纹登陆</a:t>
+            </a:r>
+            <a:endParaRPr lang="zh-CN" altLang="en-US" dirty="0"/>
+          </a:p>
+        </p:txBody>
+      </p:sp>
+      <p:sp>
+        <p:nvSpPr>
+          <p:cNvPr id="4" name="标题 1"/>
+          <p:cNvSpPr txBox="1">
+            <a:spLocks/>
+          </p:cNvSpPr>
+          <p:nvPr/>
+        </p:nvSpPr>
+        <p:spPr>
+          <a:xfrm>
+            <a:off x="1343025" y="1628054"/>
+            <a:ext cx="10150764" cy="3110201"/>
+          </a:xfrm>
+          <a:prstGeom prst="rect">
+            <a:avLst/>
+          </a:prstGeom>
+          <a:noFill/>
+          <a:ln w="9525">
+            <a:noFill/>
+          </a:ln>
+        </p:spPr>
+        <p:txBody>
+          <a:bodyPr vert="horz" wrap="square" lIns="91440" tIns="45720" rIns="91440" bIns="45720" anchor="ctr"/>
+          <a:lstStyle>
+            <a:lvl1pPr algn="l" rtl="0" eaLnBrk="0" fontAlgn="base" hangingPunct="0">
+              <a:lnSpc>
+                <a:spcPct val="90000"/>
+              </a:lnSpc>
+              <a:spcBef>
+                <a:spcPct val="0"/>
+              </a:spcBef>
+              <a:spcAft>
+                <a:spcPct val="0"/>
+              </a:spcAft>
+              <a:defRPr sz="4400" kern="1200">
+                <a:solidFill>
+                  <a:schemeClr val="bg1"/>
+                </a:solidFill>
+                <a:latin typeface="微软雅黑" panose="020B0503020204020204" pitchFamily="34" charset="-122"/>
+                <a:ea typeface="微软雅黑" panose="020B0503020204020204" pitchFamily="34" charset="-122"/>
+                <a:cs typeface="+mj-cs"/>
+              </a:defRPr>
+            </a:lvl1pPr>
+            <a:lvl2pPr algn="l" rtl="0" eaLnBrk="0" fontAlgn="base" hangingPunct="0">
+              <a:lnSpc>
+                <a:spcPct val="90000"/>
+              </a:lnSpc>
+              <a:spcBef>
+                <a:spcPct val="0"/>
+              </a:spcBef>
+              <a:spcAft>
+                <a:spcPct val="0"/>
+              </a:spcAft>
+              <a:defRPr sz="4400">
+                <a:solidFill>
+                  <a:schemeClr val="tx1"/>
+                </a:solidFill>
+                <a:latin typeface="等线 Light" panose="02010600030101010101" pitchFamily="2" charset="-122"/>
+                <a:ea typeface="等线 Light" panose="02010600030101010101" pitchFamily="2" charset="-122"/>
+              </a:defRPr>
+            </a:lvl2pPr>
+            <a:lvl3pPr algn="l" rtl="0" eaLnBrk="0" fontAlgn="base" hangingPunct="0">
+              <a:lnSpc>
+                <a:spcPct val="90000"/>
+              </a:lnSpc>
+              <a:spcBef>
+                <a:spcPct val="0"/>
+              </a:spcBef>
+              <a:spcAft>
+                <a:spcPct val="0"/>
+              </a:spcAft>
+              <a:defRPr sz="4400">
+                <a:solidFill>
+                  <a:schemeClr val="tx1"/>
+                </a:solidFill>
+                <a:latin typeface="等线 Light" panose="02010600030101010101" pitchFamily="2" charset="-122"/>
+                <a:ea typeface="等线 Light" panose="02010600030101010101" pitchFamily="2" charset="-122"/>
+              </a:defRPr>
+            </a:lvl3pPr>
+            <a:lvl4pPr algn="l" rtl="0" eaLnBrk="0" fontAlgn="base" hangingPunct="0">
+              <a:lnSpc>
+                <a:spcPct val="90000"/>
+              </a:lnSpc>
+              <a:spcBef>
+                <a:spcPct val="0"/>
+              </a:spcBef>
+              <a:spcAft>
+                <a:spcPct val="0"/>
+              </a:spcAft>
+              <a:defRPr sz="4400">
+                <a:solidFill>
+                  <a:schemeClr val="tx1"/>
+                </a:solidFill>
+                <a:latin typeface="等线 Light" panose="02010600030101010101" pitchFamily="2" charset="-122"/>
+                <a:ea typeface="等线 Light" panose="02010600030101010101" pitchFamily="2" charset="-122"/>
+              </a:defRPr>
+            </a:lvl4pPr>
+            <a:lvl5pPr algn="l" rtl="0" eaLnBrk="0" fontAlgn="base" hangingPunct="0">
+              <a:lnSpc>
+                <a:spcPct val="90000"/>
+              </a:lnSpc>
+              <a:spcBef>
+                <a:spcPct val="0"/>
+              </a:spcBef>
+              <a:spcAft>
+                <a:spcPct val="0"/>
+              </a:spcAft>
+              <a:defRPr sz="4400">
+                <a:solidFill>
+                  <a:schemeClr val="tx1"/>
+                </a:solidFill>
+                <a:latin typeface="等线 Light" panose="02010600030101010101" pitchFamily="2" charset="-122"/>
+                <a:ea typeface="等线 Light" panose="02010600030101010101" pitchFamily="2" charset="-122"/>
+              </a:defRPr>
+            </a:lvl5pPr>
+            <a:lvl6pPr marL="457200" algn="l" rtl="0" fontAlgn="base">
+              <a:lnSpc>
+                <a:spcPct val="90000"/>
+              </a:lnSpc>
+              <a:spcBef>
+                <a:spcPct val="0"/>
+              </a:spcBef>
+              <a:spcAft>
+                <a:spcPct val="0"/>
+              </a:spcAft>
+              <a:defRPr sz="4400">
+                <a:solidFill>
+                  <a:schemeClr val="tx1"/>
+                </a:solidFill>
+                <a:latin typeface="等线 Light" panose="02010600030101010101" pitchFamily="2" charset="-122"/>
+                <a:ea typeface="等线 Light" panose="02010600030101010101" pitchFamily="2" charset="-122"/>
+              </a:defRPr>
+            </a:lvl6pPr>
+            <a:lvl7pPr marL="914400" algn="l" rtl="0" fontAlgn="base">
+              <a:lnSpc>
+                <a:spcPct val="90000"/>
+              </a:lnSpc>
+              <a:spcBef>
+                <a:spcPct val="0"/>
+              </a:spcBef>
+              <a:spcAft>
+                <a:spcPct val="0"/>
+              </a:spcAft>
+              <a:defRPr sz="4400">
+                <a:solidFill>
+                  <a:schemeClr val="tx1"/>
+                </a:solidFill>
+                <a:latin typeface="等线 Light" panose="02010600030101010101" pitchFamily="2" charset="-122"/>
+                <a:ea typeface="等线 Light" panose="02010600030101010101" pitchFamily="2" charset="-122"/>
+              </a:defRPr>
+            </a:lvl7pPr>
+            <a:lvl8pPr marL="1371600" algn="l" rtl="0" fontAlgn="base">
+              <a:lnSpc>
+                <a:spcPct val="90000"/>
+              </a:lnSpc>
+              <a:spcBef>
+                <a:spcPct val="0"/>
+              </a:spcBef>
+              <a:spcAft>
+                <a:spcPct val="0"/>
+              </a:spcAft>
+              <a:defRPr sz="4400">
+                <a:solidFill>
+                  <a:schemeClr val="tx1"/>
+                </a:solidFill>
+                <a:latin typeface="等线 Light" panose="02010600030101010101" pitchFamily="2" charset="-122"/>
+                <a:ea typeface="等线 Light" panose="02010600030101010101" pitchFamily="2" charset="-122"/>
+              </a:defRPr>
+            </a:lvl8pPr>
+            <a:lvl9pPr marL="1828800" algn="l" rtl="0" fontAlgn="base">
+              <a:lnSpc>
+                <a:spcPct val="90000"/>
+              </a:lnSpc>
+              <a:spcBef>
+                <a:spcPct val="0"/>
+              </a:spcBef>
+              <a:spcAft>
+                <a:spcPct val="0"/>
+              </a:spcAft>
+              <a:defRPr sz="4400">
+                <a:solidFill>
+                  <a:schemeClr val="tx1"/>
+                </a:solidFill>
+                <a:latin typeface="等线 Light" panose="02010600030101010101" pitchFamily="2" charset="-122"/>
+                <a:ea typeface="等线 Light" panose="02010600030101010101" pitchFamily="2" charset="-122"/>
+              </a:defRPr>
+            </a:lvl9pPr>
+          </a:lstStyle>
+          <a:p>
+            <a:pPr indent="457200" eaLnBrk="1" hangingPunct="1">
+              <a:lnSpc>
+                <a:spcPct val="100000"/>
+              </a:lnSpc>
+              <a:spcBef>
+                <a:spcPts val="0"/>
+              </a:spcBef>
+            </a:pPr>
+            <a:r>
+              <a:rPr lang="zh-CN" altLang="en-US" sz="2400" dirty="0" smtClean="0">
+                <a:solidFill>
+                  <a:schemeClr val="tx1"/>
+                </a:solidFill>
+              </a:rPr>
+              <a:t>在舆情基层上报平台项目中需要集成指纹录入仪器，功能包括：指纹采集以及指纹匹配验证登录。在实现过程中，关于该型号指纹采集仪器集成实现在网络中相对较少，后来通过指纹厂家的官方地址，通过查找相关使用说明找到</a:t>
+            </a:r>
+            <a:r>
+              <a:rPr lang="en-US" altLang="zh-CN" sz="2400" dirty="0" smtClean="0">
+                <a:solidFill>
+                  <a:schemeClr val="tx1"/>
+                </a:solidFill>
+              </a:rPr>
+              <a:t>C/S</a:t>
+            </a:r>
+            <a:r>
+              <a:rPr lang="zh-CN" altLang="en-US" sz="2400" dirty="0" smtClean="0">
+                <a:solidFill>
+                  <a:schemeClr val="tx1"/>
+                </a:solidFill>
+              </a:rPr>
+              <a:t>端的实现方法以及</a:t>
+            </a:r>
+            <a:r>
+              <a:rPr lang="en-US" altLang="zh-CN" sz="2400" dirty="0" smtClean="0">
+                <a:solidFill>
+                  <a:schemeClr val="tx1"/>
+                </a:solidFill>
+              </a:rPr>
+              <a:t>Demo</a:t>
+            </a:r>
+            <a:r>
+              <a:rPr lang="zh-CN" altLang="en-US" sz="2400" dirty="0" smtClean="0">
+                <a:solidFill>
+                  <a:schemeClr val="tx1"/>
+                </a:solidFill>
+              </a:rPr>
+              <a:t>实例，对于</a:t>
+            </a:r>
+            <a:r>
+              <a:rPr lang="en-US" altLang="zh-CN" sz="2400" dirty="0" smtClean="0">
+                <a:solidFill>
+                  <a:schemeClr val="tx1"/>
+                </a:solidFill>
+              </a:rPr>
+              <a:t>B/S</a:t>
+            </a:r>
+            <a:r>
+              <a:rPr lang="zh-CN" altLang="en-US" sz="2400" dirty="0" smtClean="0">
+                <a:solidFill>
+                  <a:schemeClr val="tx1"/>
+                </a:solidFill>
+              </a:rPr>
+              <a:t>网站的实现还是不清楚，最后通过王总帮助下，在指纹采集仪厂家的相关人员帮助下，完成了对指纹登录在</a:t>
+            </a:r>
+            <a:r>
+              <a:rPr lang="en-US" altLang="zh-CN" sz="2400" dirty="0" smtClean="0">
+                <a:solidFill>
+                  <a:schemeClr val="tx1"/>
+                </a:solidFill>
+              </a:rPr>
+              <a:t>B/S</a:t>
+            </a:r>
+            <a:r>
+              <a:rPr lang="zh-CN" altLang="en-US" sz="2400" dirty="0" smtClean="0">
+                <a:solidFill>
+                  <a:schemeClr val="tx1"/>
+                </a:solidFill>
+              </a:rPr>
+              <a:t>架构的实现，其中遇到的问题相对比较少见，例如指纹驱动的不匹配，以及指纹采集器后台的生成指纹程序的环境问题。</a:t>
+            </a:r>
+            <a:endParaRPr lang="zh-CN" altLang="en-US" sz="2400" dirty="0">
+              <a:solidFill>
+                <a:schemeClr val="tx1"/>
+              </a:solidFill>
+            </a:endParaRPr>
           </a:p>
         </p:txBody>
       </p:sp>
@@ -13096,533 +12352,6 @@
                   <a:schemeClr val="tx1"/>
                 </a:solidFill>
               </a:rPr>
-              <a:t>网站集成指纹登陆</a:t>
-            </a:r>
-            <a:endParaRPr lang="zh-CN" altLang="en-US" dirty="0"/>
-          </a:p>
-        </p:txBody>
-      </p:sp>
-      <p:sp>
-        <p:nvSpPr>
-          <p:cNvPr id="4" name="标题 1"/>
-          <p:cNvSpPr txBox="1">
-            <a:spLocks/>
-          </p:cNvSpPr>
-          <p:nvPr/>
-        </p:nvSpPr>
-        <p:spPr>
-          <a:xfrm>
-            <a:off x="1343025" y="1628054"/>
-            <a:ext cx="10150764" cy="3110201"/>
-          </a:xfrm>
-          <a:prstGeom prst="rect">
-            <a:avLst/>
-          </a:prstGeom>
-          <a:noFill/>
-          <a:ln w="9525">
-            <a:noFill/>
-          </a:ln>
-        </p:spPr>
-        <p:txBody>
-          <a:bodyPr vert="horz" wrap="square" lIns="91440" tIns="45720" rIns="91440" bIns="45720" anchor="ctr"/>
-          <a:lstStyle>
-            <a:lvl1pPr algn="l" rtl="0" eaLnBrk="0" fontAlgn="base" hangingPunct="0">
-              <a:lnSpc>
-                <a:spcPct val="90000"/>
-              </a:lnSpc>
-              <a:spcBef>
-                <a:spcPct val="0"/>
-              </a:spcBef>
-              <a:spcAft>
-                <a:spcPct val="0"/>
-              </a:spcAft>
-              <a:defRPr sz="4400" kern="1200">
-                <a:solidFill>
-                  <a:schemeClr val="bg1"/>
-                </a:solidFill>
-                <a:latin typeface="微软雅黑" panose="020B0503020204020204" pitchFamily="34" charset="-122"/>
-                <a:ea typeface="微软雅黑" panose="020B0503020204020204" pitchFamily="34" charset="-122"/>
-                <a:cs typeface="+mj-cs"/>
-              </a:defRPr>
-            </a:lvl1pPr>
-            <a:lvl2pPr algn="l" rtl="0" eaLnBrk="0" fontAlgn="base" hangingPunct="0">
-              <a:lnSpc>
-                <a:spcPct val="90000"/>
-              </a:lnSpc>
-              <a:spcBef>
-                <a:spcPct val="0"/>
-              </a:spcBef>
-              <a:spcAft>
-                <a:spcPct val="0"/>
-              </a:spcAft>
-              <a:defRPr sz="4400">
-                <a:solidFill>
-                  <a:schemeClr val="tx1"/>
-                </a:solidFill>
-                <a:latin typeface="等线 Light" panose="02010600030101010101" pitchFamily="2" charset="-122"/>
-                <a:ea typeface="等线 Light" panose="02010600030101010101" pitchFamily="2" charset="-122"/>
-              </a:defRPr>
-            </a:lvl2pPr>
-            <a:lvl3pPr algn="l" rtl="0" eaLnBrk="0" fontAlgn="base" hangingPunct="0">
-              <a:lnSpc>
-                <a:spcPct val="90000"/>
-              </a:lnSpc>
-              <a:spcBef>
-                <a:spcPct val="0"/>
-              </a:spcBef>
-              <a:spcAft>
-                <a:spcPct val="0"/>
-              </a:spcAft>
-              <a:defRPr sz="4400">
-                <a:solidFill>
-                  <a:schemeClr val="tx1"/>
-                </a:solidFill>
-                <a:latin typeface="等线 Light" panose="02010600030101010101" pitchFamily="2" charset="-122"/>
-                <a:ea typeface="等线 Light" panose="02010600030101010101" pitchFamily="2" charset="-122"/>
-              </a:defRPr>
-            </a:lvl3pPr>
-            <a:lvl4pPr algn="l" rtl="0" eaLnBrk="0" fontAlgn="base" hangingPunct="0">
-              <a:lnSpc>
-                <a:spcPct val="90000"/>
-              </a:lnSpc>
-              <a:spcBef>
-                <a:spcPct val="0"/>
-              </a:spcBef>
-              <a:spcAft>
-                <a:spcPct val="0"/>
-              </a:spcAft>
-              <a:defRPr sz="4400">
-                <a:solidFill>
-                  <a:schemeClr val="tx1"/>
-                </a:solidFill>
-                <a:latin typeface="等线 Light" panose="02010600030101010101" pitchFamily="2" charset="-122"/>
-                <a:ea typeface="等线 Light" panose="02010600030101010101" pitchFamily="2" charset="-122"/>
-              </a:defRPr>
-            </a:lvl4pPr>
-            <a:lvl5pPr algn="l" rtl="0" eaLnBrk="0" fontAlgn="base" hangingPunct="0">
-              <a:lnSpc>
-                <a:spcPct val="90000"/>
-              </a:lnSpc>
-              <a:spcBef>
-                <a:spcPct val="0"/>
-              </a:spcBef>
-              <a:spcAft>
-                <a:spcPct val="0"/>
-              </a:spcAft>
-              <a:defRPr sz="4400">
-                <a:solidFill>
-                  <a:schemeClr val="tx1"/>
-                </a:solidFill>
-                <a:latin typeface="等线 Light" panose="02010600030101010101" pitchFamily="2" charset="-122"/>
-                <a:ea typeface="等线 Light" panose="02010600030101010101" pitchFamily="2" charset="-122"/>
-              </a:defRPr>
-            </a:lvl5pPr>
-            <a:lvl6pPr marL="457200" algn="l" rtl="0" fontAlgn="base">
-              <a:lnSpc>
-                <a:spcPct val="90000"/>
-              </a:lnSpc>
-              <a:spcBef>
-                <a:spcPct val="0"/>
-              </a:spcBef>
-              <a:spcAft>
-                <a:spcPct val="0"/>
-              </a:spcAft>
-              <a:defRPr sz="4400">
-                <a:solidFill>
-                  <a:schemeClr val="tx1"/>
-                </a:solidFill>
-                <a:latin typeface="等线 Light" panose="02010600030101010101" pitchFamily="2" charset="-122"/>
-                <a:ea typeface="等线 Light" panose="02010600030101010101" pitchFamily="2" charset="-122"/>
-              </a:defRPr>
-            </a:lvl6pPr>
-            <a:lvl7pPr marL="914400" algn="l" rtl="0" fontAlgn="base">
-              <a:lnSpc>
-                <a:spcPct val="90000"/>
-              </a:lnSpc>
-              <a:spcBef>
-                <a:spcPct val="0"/>
-              </a:spcBef>
-              <a:spcAft>
-                <a:spcPct val="0"/>
-              </a:spcAft>
-              <a:defRPr sz="4400">
-                <a:solidFill>
-                  <a:schemeClr val="tx1"/>
-                </a:solidFill>
-                <a:latin typeface="等线 Light" panose="02010600030101010101" pitchFamily="2" charset="-122"/>
-                <a:ea typeface="等线 Light" panose="02010600030101010101" pitchFamily="2" charset="-122"/>
-              </a:defRPr>
-            </a:lvl7pPr>
-            <a:lvl8pPr marL="1371600" algn="l" rtl="0" fontAlgn="base">
-              <a:lnSpc>
-                <a:spcPct val="90000"/>
-              </a:lnSpc>
-              <a:spcBef>
-                <a:spcPct val="0"/>
-              </a:spcBef>
-              <a:spcAft>
-                <a:spcPct val="0"/>
-              </a:spcAft>
-              <a:defRPr sz="4400">
-                <a:solidFill>
-                  <a:schemeClr val="tx1"/>
-                </a:solidFill>
-                <a:latin typeface="等线 Light" panose="02010600030101010101" pitchFamily="2" charset="-122"/>
-                <a:ea typeface="等线 Light" panose="02010600030101010101" pitchFamily="2" charset="-122"/>
-              </a:defRPr>
-            </a:lvl8pPr>
-            <a:lvl9pPr marL="1828800" algn="l" rtl="0" fontAlgn="base">
-              <a:lnSpc>
-                <a:spcPct val="90000"/>
-              </a:lnSpc>
-              <a:spcBef>
-                <a:spcPct val="0"/>
-              </a:spcBef>
-              <a:spcAft>
-                <a:spcPct val="0"/>
-              </a:spcAft>
-              <a:defRPr sz="4400">
-                <a:solidFill>
-                  <a:schemeClr val="tx1"/>
-                </a:solidFill>
-                <a:latin typeface="等线 Light" panose="02010600030101010101" pitchFamily="2" charset="-122"/>
-                <a:ea typeface="等线 Light" panose="02010600030101010101" pitchFamily="2" charset="-122"/>
-              </a:defRPr>
-            </a:lvl9pPr>
-          </a:lstStyle>
-          <a:p>
-            <a:pPr indent="457200" eaLnBrk="1" hangingPunct="1">
-              <a:lnSpc>
-                <a:spcPct val="100000"/>
-              </a:lnSpc>
-              <a:spcBef>
-                <a:spcPts val="0"/>
-              </a:spcBef>
-            </a:pPr>
-            <a:r>
-              <a:rPr lang="zh-CN" altLang="en-US" sz="2400" dirty="0" smtClean="0">
-                <a:solidFill>
-                  <a:schemeClr val="tx1"/>
-                </a:solidFill>
-              </a:rPr>
-              <a:t>在舆情基层上报平台项目中需要集成指纹录入仪器，功能包括：指纹采集以及指纹匹配验证登录。在实现过程中，关于该型号指纹采集仪器集成实现在网络中相对较少，后来通过指纹厂家的官方地址，通过查找相关使用说明找到</a:t>
-            </a:r>
-            <a:r>
-              <a:rPr lang="en-US" altLang="zh-CN" sz="2400" dirty="0" smtClean="0">
-                <a:solidFill>
-                  <a:schemeClr val="tx1"/>
-                </a:solidFill>
-              </a:rPr>
-              <a:t>C</a:t>
-            </a:r>
-            <a:r>
-              <a:rPr lang="en-US" altLang="zh-CN" sz="2400" dirty="0" smtClean="0">
-                <a:solidFill>
-                  <a:schemeClr val="tx1"/>
-                </a:solidFill>
-              </a:rPr>
-              <a:t>/</a:t>
-            </a:r>
-            <a:r>
-              <a:rPr lang="en-US" altLang="zh-CN" sz="2400" dirty="0" smtClean="0">
-                <a:solidFill>
-                  <a:schemeClr val="tx1"/>
-                </a:solidFill>
-              </a:rPr>
-              <a:t>S</a:t>
-            </a:r>
-            <a:r>
-              <a:rPr lang="zh-CN" altLang="en-US" sz="2400" dirty="0" smtClean="0">
-                <a:solidFill>
-                  <a:schemeClr val="tx1"/>
-                </a:solidFill>
-              </a:rPr>
-              <a:t>端的实现方法以及</a:t>
-            </a:r>
-            <a:r>
-              <a:rPr lang="en-US" altLang="zh-CN" sz="2400" dirty="0" smtClean="0">
-                <a:solidFill>
-                  <a:schemeClr val="tx1"/>
-                </a:solidFill>
-              </a:rPr>
-              <a:t>Demo</a:t>
-            </a:r>
-            <a:r>
-              <a:rPr lang="zh-CN" altLang="en-US" sz="2400" dirty="0" smtClean="0">
-                <a:solidFill>
-                  <a:schemeClr val="tx1"/>
-                </a:solidFill>
-              </a:rPr>
-              <a:t>实例，对于</a:t>
-            </a:r>
-            <a:r>
-              <a:rPr lang="en-US" altLang="zh-CN" sz="2400" dirty="0" smtClean="0">
-                <a:solidFill>
-                  <a:schemeClr val="tx1"/>
-                </a:solidFill>
-              </a:rPr>
-              <a:t>B</a:t>
-            </a:r>
-            <a:r>
-              <a:rPr lang="en-US" altLang="zh-CN" sz="2400" dirty="0" smtClean="0">
-                <a:solidFill>
-                  <a:schemeClr val="tx1"/>
-                </a:solidFill>
-              </a:rPr>
-              <a:t>/S</a:t>
-            </a:r>
-            <a:r>
-              <a:rPr lang="zh-CN" altLang="en-US" sz="2400" dirty="0" smtClean="0">
-                <a:solidFill>
-                  <a:schemeClr val="tx1"/>
-                </a:solidFill>
-              </a:rPr>
-              <a:t>网站的实现还是不清楚，最后通过王总帮助下，在指纹采集仪厂家的相关人员帮助下，完成了对指纹登录在</a:t>
-            </a:r>
-            <a:r>
-              <a:rPr lang="en-US" altLang="zh-CN" sz="2400" dirty="0" smtClean="0">
-                <a:solidFill>
-                  <a:schemeClr val="tx1"/>
-                </a:solidFill>
-              </a:rPr>
-              <a:t>B/S</a:t>
-            </a:r>
-            <a:r>
-              <a:rPr lang="zh-CN" altLang="en-US" sz="2400" dirty="0" smtClean="0">
-                <a:solidFill>
-                  <a:schemeClr val="tx1"/>
-                </a:solidFill>
-              </a:rPr>
-              <a:t>架构的实现，其中遇到的问题相对比较少见，例如指纹驱动的不匹配，以及指纹采集器后台的生成指纹程序的环境问题。</a:t>
-            </a:r>
-            <a:endParaRPr lang="zh-CN" altLang="en-US" sz="2400" dirty="0">
-              <a:solidFill>
-                <a:schemeClr val="tx1"/>
-              </a:solidFill>
-            </a:endParaRPr>
-          </a:p>
-        </p:txBody>
-      </p:sp>
-    </p:spTree>
-  </p:cSld>
-  <p:clrMapOvr>
-    <a:masterClrMapping/>
-  </p:clrMapOvr>
-</p:sld>
-</file>
-
-<file path=ppt/slides/slide17.xml><?xml version="1.0" encoding="utf-8"?>
-<p:sld xmlns:a="http://schemas.openxmlformats.org/drawingml/2006/main" xmlns:r="http://schemas.openxmlformats.org/officeDocument/2006/relationships" xmlns:p="http://schemas.openxmlformats.org/presentationml/2006/main">
-  <p:cSld>
-    <p:spTree>
-      <p:nvGrpSpPr>
-        <p:cNvPr id="1" name=""/>
-        <p:cNvGrpSpPr/>
-        <p:nvPr/>
-      </p:nvGrpSpPr>
-      <p:grpSpPr>
-        <a:xfrm>
-          <a:off x="0" y="0"/>
-          <a:ext cx="0" cy="0"/>
-          <a:chOff x="0" y="0"/>
-          <a:chExt cx="0" cy="0"/>
-        </a:xfrm>
-      </p:grpSpPr>
-      <p:sp>
-        <p:nvSpPr>
-          <p:cNvPr id="3" name="标题 1"/>
-          <p:cNvSpPr txBox="1">
-            <a:spLocks/>
-          </p:cNvSpPr>
-          <p:nvPr/>
-        </p:nvSpPr>
-        <p:spPr>
-          <a:xfrm>
-            <a:off x="1329377" y="597993"/>
-            <a:ext cx="10515600" cy="904875"/>
-          </a:xfrm>
-          <a:prstGeom prst="rect">
-            <a:avLst/>
-          </a:prstGeom>
-          <a:noFill/>
-          <a:ln w="9525">
-            <a:noFill/>
-          </a:ln>
-        </p:spPr>
-        <p:txBody>
-          <a:bodyPr vert="horz" wrap="square" lIns="91440" tIns="45720" rIns="91440" bIns="45720" anchor="ctr"/>
-          <a:lstStyle>
-            <a:lvl1pPr algn="l" rtl="0" eaLnBrk="0" fontAlgn="base" hangingPunct="0">
-              <a:lnSpc>
-                <a:spcPct val="90000"/>
-              </a:lnSpc>
-              <a:spcBef>
-                <a:spcPct val="0"/>
-              </a:spcBef>
-              <a:spcAft>
-                <a:spcPct val="0"/>
-              </a:spcAft>
-              <a:defRPr sz="4400" kern="1200">
-                <a:solidFill>
-                  <a:schemeClr val="bg1"/>
-                </a:solidFill>
-                <a:latin typeface="微软雅黑" panose="020B0503020204020204" pitchFamily="34" charset="-122"/>
-                <a:ea typeface="微软雅黑" panose="020B0503020204020204" pitchFamily="34" charset="-122"/>
-                <a:cs typeface="+mj-cs"/>
-              </a:defRPr>
-            </a:lvl1pPr>
-            <a:lvl2pPr algn="l" rtl="0" eaLnBrk="0" fontAlgn="base" hangingPunct="0">
-              <a:lnSpc>
-                <a:spcPct val="90000"/>
-              </a:lnSpc>
-              <a:spcBef>
-                <a:spcPct val="0"/>
-              </a:spcBef>
-              <a:spcAft>
-                <a:spcPct val="0"/>
-              </a:spcAft>
-              <a:defRPr sz="4400">
-                <a:solidFill>
-                  <a:schemeClr val="tx1"/>
-                </a:solidFill>
-                <a:latin typeface="等线 Light" panose="02010600030101010101" pitchFamily="2" charset="-122"/>
-                <a:ea typeface="等线 Light" panose="02010600030101010101" pitchFamily="2" charset="-122"/>
-              </a:defRPr>
-            </a:lvl2pPr>
-            <a:lvl3pPr algn="l" rtl="0" eaLnBrk="0" fontAlgn="base" hangingPunct="0">
-              <a:lnSpc>
-                <a:spcPct val="90000"/>
-              </a:lnSpc>
-              <a:spcBef>
-                <a:spcPct val="0"/>
-              </a:spcBef>
-              <a:spcAft>
-                <a:spcPct val="0"/>
-              </a:spcAft>
-              <a:defRPr sz="4400">
-                <a:solidFill>
-                  <a:schemeClr val="tx1"/>
-                </a:solidFill>
-                <a:latin typeface="等线 Light" panose="02010600030101010101" pitchFamily="2" charset="-122"/>
-                <a:ea typeface="等线 Light" panose="02010600030101010101" pitchFamily="2" charset="-122"/>
-              </a:defRPr>
-            </a:lvl3pPr>
-            <a:lvl4pPr algn="l" rtl="0" eaLnBrk="0" fontAlgn="base" hangingPunct="0">
-              <a:lnSpc>
-                <a:spcPct val="90000"/>
-              </a:lnSpc>
-              <a:spcBef>
-                <a:spcPct val="0"/>
-              </a:spcBef>
-              <a:spcAft>
-                <a:spcPct val="0"/>
-              </a:spcAft>
-              <a:defRPr sz="4400">
-                <a:solidFill>
-                  <a:schemeClr val="tx1"/>
-                </a:solidFill>
-                <a:latin typeface="等线 Light" panose="02010600030101010101" pitchFamily="2" charset="-122"/>
-                <a:ea typeface="等线 Light" panose="02010600030101010101" pitchFamily="2" charset="-122"/>
-              </a:defRPr>
-            </a:lvl4pPr>
-            <a:lvl5pPr algn="l" rtl="0" eaLnBrk="0" fontAlgn="base" hangingPunct="0">
-              <a:lnSpc>
-                <a:spcPct val="90000"/>
-              </a:lnSpc>
-              <a:spcBef>
-                <a:spcPct val="0"/>
-              </a:spcBef>
-              <a:spcAft>
-                <a:spcPct val="0"/>
-              </a:spcAft>
-              <a:defRPr sz="4400">
-                <a:solidFill>
-                  <a:schemeClr val="tx1"/>
-                </a:solidFill>
-                <a:latin typeface="等线 Light" panose="02010600030101010101" pitchFamily="2" charset="-122"/>
-                <a:ea typeface="等线 Light" panose="02010600030101010101" pitchFamily="2" charset="-122"/>
-              </a:defRPr>
-            </a:lvl5pPr>
-            <a:lvl6pPr marL="457200" algn="l" rtl="0" fontAlgn="base">
-              <a:lnSpc>
-                <a:spcPct val="90000"/>
-              </a:lnSpc>
-              <a:spcBef>
-                <a:spcPct val="0"/>
-              </a:spcBef>
-              <a:spcAft>
-                <a:spcPct val="0"/>
-              </a:spcAft>
-              <a:defRPr sz="4400">
-                <a:solidFill>
-                  <a:schemeClr val="tx1"/>
-                </a:solidFill>
-                <a:latin typeface="等线 Light" panose="02010600030101010101" pitchFamily="2" charset="-122"/>
-                <a:ea typeface="等线 Light" panose="02010600030101010101" pitchFamily="2" charset="-122"/>
-              </a:defRPr>
-            </a:lvl6pPr>
-            <a:lvl7pPr marL="914400" algn="l" rtl="0" fontAlgn="base">
-              <a:lnSpc>
-                <a:spcPct val="90000"/>
-              </a:lnSpc>
-              <a:spcBef>
-                <a:spcPct val="0"/>
-              </a:spcBef>
-              <a:spcAft>
-                <a:spcPct val="0"/>
-              </a:spcAft>
-              <a:defRPr sz="4400">
-                <a:solidFill>
-                  <a:schemeClr val="tx1"/>
-                </a:solidFill>
-                <a:latin typeface="等线 Light" panose="02010600030101010101" pitchFamily="2" charset="-122"/>
-                <a:ea typeface="等线 Light" panose="02010600030101010101" pitchFamily="2" charset="-122"/>
-              </a:defRPr>
-            </a:lvl7pPr>
-            <a:lvl8pPr marL="1371600" algn="l" rtl="0" fontAlgn="base">
-              <a:lnSpc>
-                <a:spcPct val="90000"/>
-              </a:lnSpc>
-              <a:spcBef>
-                <a:spcPct val="0"/>
-              </a:spcBef>
-              <a:spcAft>
-                <a:spcPct val="0"/>
-              </a:spcAft>
-              <a:defRPr sz="4400">
-                <a:solidFill>
-                  <a:schemeClr val="tx1"/>
-                </a:solidFill>
-                <a:latin typeface="等线 Light" panose="02010600030101010101" pitchFamily="2" charset="-122"/>
-                <a:ea typeface="等线 Light" panose="02010600030101010101" pitchFamily="2" charset="-122"/>
-              </a:defRPr>
-            </a:lvl8pPr>
-            <a:lvl9pPr marL="1828800" algn="l" rtl="0" fontAlgn="base">
-              <a:lnSpc>
-                <a:spcPct val="90000"/>
-              </a:lnSpc>
-              <a:spcBef>
-                <a:spcPct val="0"/>
-              </a:spcBef>
-              <a:spcAft>
-                <a:spcPct val="0"/>
-              </a:spcAft>
-              <a:defRPr sz="4400">
-                <a:solidFill>
-                  <a:schemeClr val="tx1"/>
-                </a:solidFill>
-                <a:latin typeface="等线 Light" panose="02010600030101010101" pitchFamily="2" charset="-122"/>
-                <a:ea typeface="等线 Light" panose="02010600030101010101" pitchFamily="2" charset="-122"/>
-              </a:defRPr>
-            </a:lvl9pPr>
-          </a:lstStyle>
-          <a:p>
-            <a:r>
-              <a:rPr lang="zh-CN" altLang="en-US" dirty="0" smtClean="0">
-                <a:solidFill>
-                  <a:schemeClr val="tx1"/>
-                </a:solidFill>
-              </a:rPr>
               <a:t>关于</a:t>
             </a:r>
             <a:r>
@@ -13872,15 +12601,7 @@
                   <a:schemeClr val="tx1"/>
                 </a:solidFill>
               </a:rPr>
-              <a:t>拥有非常迅速的性能，</a:t>
-            </a:r>
-            <a:r>
-              <a:rPr lang="zh-CN" altLang="en-US" sz="2400" dirty="0" smtClean="0">
-                <a:solidFill>
-                  <a:schemeClr val="tx1"/>
-                </a:solidFill>
-              </a:rPr>
-              <a:t>高扩展性的优势。但由于以前没有接触过</a:t>
+              <a:t>拥有非常迅速的性能，高扩展性的优势。但由于以前没有接触过</a:t>
             </a:r>
             <a:r>
               <a:rPr lang="en-US" altLang="zh-CN" sz="2400" dirty="0" err="1" smtClean="0">
@@ -13912,15 +12633,7 @@
                   <a:schemeClr val="tx1"/>
                 </a:solidFill>
               </a:rPr>
-              <a:t>为</a:t>
-            </a:r>
-            <a:r>
-              <a:rPr lang="zh-CN" altLang="en-US" sz="2400" dirty="0" smtClean="0">
-                <a:solidFill>
-                  <a:schemeClr val="tx1"/>
-                </a:solidFill>
-              </a:rPr>
-              <a:t>非关系型</a:t>
+              <a:t>为非关系型</a:t>
             </a:r>
             <a:r>
               <a:rPr lang="zh-CN" altLang="en-US" sz="2400" dirty="0">
@@ -14002,11 +12715,6 @@
               </a:rPr>
               <a:t>方式关联了</a:t>
             </a:r>
-            <a:endParaRPr lang="zh-CN" altLang="en-US" sz="2400" dirty="0">
-              <a:solidFill>
-                <a:schemeClr val="tx1"/>
-              </a:solidFill>
-            </a:endParaRPr>
           </a:p>
         </p:txBody>
       </p:sp>
@@ -14018,7 +12726,7 @@
 </p:sld>
 </file>
 
-<file path=ppt/slides/slide18.xml><?xml version="1.0" encoding="utf-8"?>
+<file path=ppt/slides/slide17.xml><?xml version="1.0" encoding="utf-8"?>
 <p:sld xmlns:a="http://schemas.openxmlformats.org/drawingml/2006/main" xmlns:r="http://schemas.openxmlformats.org/officeDocument/2006/relationships" xmlns:p="http://schemas.openxmlformats.org/presentationml/2006/main">
   <p:cSld>
     <p:spTree>
@@ -14198,7 +12906,7 @@
 </p:sld>
 </file>
 
-<file path=ppt/slides/slide19.xml><?xml version="1.0" encoding="utf-8"?>
+<file path=ppt/slides/slide18.xml><?xml version="1.0" encoding="utf-8"?>
 <p:sld xmlns:a="http://schemas.openxmlformats.org/drawingml/2006/main" xmlns:r="http://schemas.openxmlformats.org/officeDocument/2006/relationships" xmlns:p="http://schemas.openxmlformats.org/presentationml/2006/main">
   <p:cSld>
     <p:spTree>
@@ -14436,185 +13144,7 @@
 </p:sld>
 </file>
 
-<file path=ppt/slides/slide2.xml><?xml version="1.0" encoding="utf-8"?>
-<p:sld xmlns:a="http://schemas.openxmlformats.org/drawingml/2006/main" xmlns:r="http://schemas.openxmlformats.org/officeDocument/2006/relationships" xmlns:p="http://schemas.openxmlformats.org/presentationml/2006/main">
-  <p:cSld>
-    <p:spTree>
-      <p:nvGrpSpPr>
-        <p:cNvPr id="1" name=""/>
-        <p:cNvGrpSpPr/>
-        <p:nvPr/>
-      </p:nvGrpSpPr>
-      <p:grpSpPr>
-        <a:xfrm>
-          <a:off x="0" y="0"/>
-          <a:ext cx="0" cy="0"/>
-          <a:chOff x="0" y="0"/>
-          <a:chExt cx="0" cy="0"/>
-        </a:xfrm>
-      </p:grpSpPr>
-      <p:sp>
-        <p:nvSpPr>
-          <p:cNvPr id="11266" name="文本框 1"/>
-          <p:cNvSpPr txBox="1"/>
-          <p:nvPr/>
-        </p:nvSpPr>
-        <p:spPr>
-          <a:xfrm>
-            <a:off x="612775" y="2994025"/>
-            <a:ext cx="5464175" cy="768350"/>
-          </a:xfrm>
-          <a:prstGeom prst="rect">
-            <a:avLst/>
-          </a:prstGeom>
-          <a:noFill/>
-          <a:ln w="9525">
-            <a:noFill/>
-          </a:ln>
-        </p:spPr>
-        <p:txBody>
-          <a:bodyPr>
-            <a:spAutoFit/>
-          </a:bodyPr>
-          <a:lstStyle>
-            <a:lvl1pPr marL="228600" indent="-228600" algn="l" rtl="0" eaLnBrk="0" fontAlgn="base" hangingPunct="0">
-              <a:lnSpc>
-                <a:spcPct val="90000"/>
-              </a:lnSpc>
-              <a:spcBef>
-                <a:spcPts val="1000"/>
-              </a:spcBef>
-              <a:spcAft>
-                <a:spcPct val="0"/>
-              </a:spcAft>
-              <a:buFont typeface="Arial" panose="020B0604020202020204" pitchFamily="34" charset="0"/>
-              <a:buChar char="•"/>
-              <a:defRPr sz="2800" kern="1200">
-                <a:solidFill>
-                  <a:schemeClr val="tx1"/>
-                </a:solidFill>
-                <a:latin typeface="+mn-lt"/>
-                <a:ea typeface="+mn-ea"/>
-                <a:cs typeface="+mn-cs"/>
-              </a:defRPr>
-            </a:lvl1pPr>
-            <a:lvl2pPr marL="685800" indent="-228600" algn="l" rtl="0" eaLnBrk="0" fontAlgn="base" hangingPunct="0">
-              <a:lnSpc>
-                <a:spcPct val="90000"/>
-              </a:lnSpc>
-              <a:spcBef>
-                <a:spcPts val="500"/>
-              </a:spcBef>
-              <a:spcAft>
-                <a:spcPct val="0"/>
-              </a:spcAft>
-              <a:buFont typeface="Arial" panose="020B0604020202020204" pitchFamily="34" charset="0"/>
-              <a:buChar char="•"/>
-              <a:defRPr sz="2400" kern="1200">
-                <a:solidFill>
-                  <a:schemeClr val="tx1"/>
-                </a:solidFill>
-                <a:latin typeface="+mn-lt"/>
-                <a:ea typeface="+mn-ea"/>
-                <a:cs typeface="+mn-cs"/>
-              </a:defRPr>
-            </a:lvl2pPr>
-            <a:lvl3pPr marL="1143000" indent="-228600" algn="l" rtl="0" eaLnBrk="0" fontAlgn="base" hangingPunct="0">
-              <a:lnSpc>
-                <a:spcPct val="90000"/>
-              </a:lnSpc>
-              <a:spcBef>
-                <a:spcPts val="500"/>
-              </a:spcBef>
-              <a:spcAft>
-                <a:spcPct val="0"/>
-              </a:spcAft>
-              <a:buFont typeface="Arial" panose="020B0604020202020204" pitchFamily="34" charset="0"/>
-              <a:buChar char="•"/>
-              <a:defRPr sz="2000" kern="1200">
-                <a:solidFill>
-                  <a:schemeClr val="tx1"/>
-                </a:solidFill>
-                <a:latin typeface="+mn-lt"/>
-                <a:ea typeface="+mn-ea"/>
-                <a:cs typeface="+mn-cs"/>
-              </a:defRPr>
-            </a:lvl3pPr>
-            <a:lvl4pPr marL="1600200" indent="-228600" algn="l" rtl="0" eaLnBrk="0" fontAlgn="base" hangingPunct="0">
-              <a:lnSpc>
-                <a:spcPct val="90000"/>
-              </a:lnSpc>
-              <a:spcBef>
-                <a:spcPts val="500"/>
-              </a:spcBef>
-              <a:spcAft>
-                <a:spcPct val="0"/>
-              </a:spcAft>
-              <a:buFont typeface="Arial" panose="020B0604020202020204" pitchFamily="34" charset="0"/>
-              <a:buChar char="•"/>
-              <a:defRPr kern="1200">
-                <a:solidFill>
-                  <a:schemeClr val="tx1"/>
-                </a:solidFill>
-                <a:latin typeface="+mn-lt"/>
-                <a:ea typeface="+mn-ea"/>
-                <a:cs typeface="+mn-cs"/>
-              </a:defRPr>
-            </a:lvl4pPr>
-            <a:lvl5pPr marL="2057400" indent="-228600" algn="l" rtl="0" eaLnBrk="0" fontAlgn="base" hangingPunct="0">
-              <a:lnSpc>
-                <a:spcPct val="90000"/>
-              </a:lnSpc>
-              <a:spcBef>
-                <a:spcPts val="500"/>
-              </a:spcBef>
-              <a:spcAft>
-                <a:spcPct val="0"/>
-              </a:spcAft>
-              <a:buFont typeface="Arial" panose="020B0604020202020204" pitchFamily="34" charset="0"/>
-              <a:buChar char="•"/>
-              <a:defRPr kern="1200">
-                <a:solidFill>
-                  <a:schemeClr val="tx1"/>
-                </a:solidFill>
-                <a:latin typeface="+mn-lt"/>
-                <a:ea typeface="+mn-ea"/>
-                <a:cs typeface="+mn-cs"/>
-              </a:defRPr>
-            </a:lvl5pPr>
-          </a:lstStyle>
-          <a:p>
-            <a:pPr marL="0" lvl="0" indent="0" algn="dist">
-              <a:lnSpc>
-                <a:spcPct val="100000"/>
-              </a:lnSpc>
-              <a:spcBef>
-                <a:spcPct val="0"/>
-              </a:spcBef>
-              <a:buNone/>
-            </a:pPr>
-            <a:r>
-              <a:rPr lang="zh-CN" altLang="en-US" sz="4400" dirty="0">
-                <a:solidFill>
-                  <a:schemeClr val="bg1"/>
-                </a:solidFill>
-                <a:latin typeface="微软雅黑" panose="020B0503020204020204" pitchFamily="34" charset="-122"/>
-                <a:ea typeface="微软雅黑" panose="020B0503020204020204" pitchFamily="34" charset="-122"/>
-              </a:rPr>
-              <a:t>调薪述职报告</a:t>
-            </a:r>
-          </a:p>
-        </p:txBody>
-      </p:sp>
-    </p:spTree>
-  </p:cSld>
-  <p:clrMapOvr>
-    <a:masterClrMapping/>
-  </p:clrMapOvr>
-</p:sld>
-</file>
-
-<file path=ppt/slides/slide20.xml><?xml version="1.0" encoding="utf-8"?>
+<file path=ppt/slides/slide19.xml><?xml version="1.0" encoding="utf-8"?>
 <p:sld xmlns:a="http://schemas.openxmlformats.org/drawingml/2006/main" xmlns:r="http://schemas.openxmlformats.org/officeDocument/2006/relationships" xmlns:p="http://schemas.openxmlformats.org/presentationml/2006/main">
   <p:cSld>
     <p:spTree>
@@ -14794,389 +13324,7 @@
 </p:sld>
 </file>
 
-<file path=ppt/slides/slide21.xml><?xml version="1.0" encoding="utf-8"?>
-<p:sld xmlns:a="http://schemas.openxmlformats.org/drawingml/2006/main" xmlns:r="http://schemas.openxmlformats.org/officeDocument/2006/relationships" xmlns:p="http://schemas.openxmlformats.org/presentationml/2006/main">
-  <p:cSld>
-    <p:spTree>
-      <p:nvGrpSpPr>
-        <p:cNvPr id="1" name=""/>
-        <p:cNvGrpSpPr/>
-        <p:nvPr/>
-      </p:nvGrpSpPr>
-      <p:grpSpPr>
-        <a:xfrm>
-          <a:off x="0" y="0"/>
-          <a:ext cx="0" cy="0"/>
-          <a:chOff x="0" y="0"/>
-          <a:chExt cx="0" cy="0"/>
-        </a:xfrm>
-      </p:grpSpPr>
-      <p:sp>
-        <p:nvSpPr>
-          <p:cNvPr id="3" name="标题 1"/>
-          <p:cNvSpPr txBox="1">
-            <a:spLocks/>
-          </p:cNvSpPr>
-          <p:nvPr/>
-        </p:nvSpPr>
-        <p:spPr>
-          <a:xfrm>
-            <a:off x="1138309" y="1041200"/>
-            <a:ext cx="10150764" cy="3110201"/>
-          </a:xfrm>
-          <a:prstGeom prst="rect">
-            <a:avLst/>
-          </a:prstGeom>
-          <a:noFill/>
-          <a:ln w="9525">
-            <a:noFill/>
-          </a:ln>
-        </p:spPr>
-        <p:txBody>
-          <a:bodyPr vert="horz" wrap="square" lIns="91440" tIns="45720" rIns="91440" bIns="45720" anchor="ctr"/>
-          <a:lstStyle>
-            <a:lvl1pPr algn="l" rtl="0" eaLnBrk="0" fontAlgn="base" hangingPunct="0">
-              <a:lnSpc>
-                <a:spcPct val="90000"/>
-              </a:lnSpc>
-              <a:spcBef>
-                <a:spcPct val="0"/>
-              </a:spcBef>
-              <a:spcAft>
-                <a:spcPct val="0"/>
-              </a:spcAft>
-              <a:defRPr sz="4400" kern="1200">
-                <a:solidFill>
-                  <a:schemeClr val="bg1"/>
-                </a:solidFill>
-                <a:latin typeface="微软雅黑" panose="020B0503020204020204" pitchFamily="34" charset="-122"/>
-                <a:ea typeface="微软雅黑" panose="020B0503020204020204" pitchFamily="34" charset="-122"/>
-                <a:cs typeface="+mj-cs"/>
-              </a:defRPr>
-            </a:lvl1pPr>
-            <a:lvl2pPr algn="l" rtl="0" eaLnBrk="0" fontAlgn="base" hangingPunct="0">
-              <a:lnSpc>
-                <a:spcPct val="90000"/>
-              </a:lnSpc>
-              <a:spcBef>
-                <a:spcPct val="0"/>
-              </a:spcBef>
-              <a:spcAft>
-                <a:spcPct val="0"/>
-              </a:spcAft>
-              <a:defRPr sz="4400">
-                <a:solidFill>
-                  <a:schemeClr val="tx1"/>
-                </a:solidFill>
-                <a:latin typeface="等线 Light" panose="02010600030101010101" pitchFamily="2" charset="-122"/>
-                <a:ea typeface="等线 Light" panose="02010600030101010101" pitchFamily="2" charset="-122"/>
-              </a:defRPr>
-            </a:lvl2pPr>
-            <a:lvl3pPr algn="l" rtl="0" eaLnBrk="0" fontAlgn="base" hangingPunct="0">
-              <a:lnSpc>
-                <a:spcPct val="90000"/>
-              </a:lnSpc>
-              <a:spcBef>
-                <a:spcPct val="0"/>
-              </a:spcBef>
-              <a:spcAft>
-                <a:spcPct val="0"/>
-              </a:spcAft>
-              <a:defRPr sz="4400">
-                <a:solidFill>
-                  <a:schemeClr val="tx1"/>
-                </a:solidFill>
-                <a:latin typeface="等线 Light" panose="02010600030101010101" pitchFamily="2" charset="-122"/>
-                <a:ea typeface="等线 Light" panose="02010600030101010101" pitchFamily="2" charset="-122"/>
-              </a:defRPr>
-            </a:lvl3pPr>
-            <a:lvl4pPr algn="l" rtl="0" eaLnBrk="0" fontAlgn="base" hangingPunct="0">
-              <a:lnSpc>
-                <a:spcPct val="90000"/>
-              </a:lnSpc>
-              <a:spcBef>
-                <a:spcPct val="0"/>
-              </a:spcBef>
-              <a:spcAft>
-                <a:spcPct val="0"/>
-              </a:spcAft>
-              <a:defRPr sz="4400">
-                <a:solidFill>
-                  <a:schemeClr val="tx1"/>
-                </a:solidFill>
-                <a:latin typeface="等线 Light" panose="02010600030101010101" pitchFamily="2" charset="-122"/>
-                <a:ea typeface="等线 Light" panose="02010600030101010101" pitchFamily="2" charset="-122"/>
-              </a:defRPr>
-            </a:lvl4pPr>
-            <a:lvl5pPr algn="l" rtl="0" eaLnBrk="0" fontAlgn="base" hangingPunct="0">
-              <a:lnSpc>
-                <a:spcPct val="90000"/>
-              </a:lnSpc>
-              <a:spcBef>
-                <a:spcPct val="0"/>
-              </a:spcBef>
-              <a:spcAft>
-                <a:spcPct val="0"/>
-              </a:spcAft>
-              <a:defRPr sz="4400">
-                <a:solidFill>
-                  <a:schemeClr val="tx1"/>
-                </a:solidFill>
-                <a:latin typeface="等线 Light" panose="02010600030101010101" pitchFamily="2" charset="-122"/>
-                <a:ea typeface="等线 Light" panose="02010600030101010101" pitchFamily="2" charset="-122"/>
-              </a:defRPr>
-            </a:lvl5pPr>
-            <a:lvl6pPr marL="457200" algn="l" rtl="0" fontAlgn="base">
-              <a:lnSpc>
-                <a:spcPct val="90000"/>
-              </a:lnSpc>
-              <a:spcBef>
-                <a:spcPct val="0"/>
-              </a:spcBef>
-              <a:spcAft>
-                <a:spcPct val="0"/>
-              </a:spcAft>
-              <a:defRPr sz="4400">
-                <a:solidFill>
-                  <a:schemeClr val="tx1"/>
-                </a:solidFill>
-                <a:latin typeface="等线 Light" panose="02010600030101010101" pitchFamily="2" charset="-122"/>
-                <a:ea typeface="等线 Light" panose="02010600030101010101" pitchFamily="2" charset="-122"/>
-              </a:defRPr>
-            </a:lvl6pPr>
-            <a:lvl7pPr marL="914400" algn="l" rtl="0" fontAlgn="base">
-              <a:lnSpc>
-                <a:spcPct val="90000"/>
-              </a:lnSpc>
-              <a:spcBef>
-                <a:spcPct val="0"/>
-              </a:spcBef>
-              <a:spcAft>
-                <a:spcPct val="0"/>
-              </a:spcAft>
-              <a:defRPr sz="4400">
-                <a:solidFill>
-                  <a:schemeClr val="tx1"/>
-                </a:solidFill>
-                <a:latin typeface="等线 Light" panose="02010600030101010101" pitchFamily="2" charset="-122"/>
-                <a:ea typeface="等线 Light" panose="02010600030101010101" pitchFamily="2" charset="-122"/>
-              </a:defRPr>
-            </a:lvl7pPr>
-            <a:lvl8pPr marL="1371600" algn="l" rtl="0" fontAlgn="base">
-              <a:lnSpc>
-                <a:spcPct val="90000"/>
-              </a:lnSpc>
-              <a:spcBef>
-                <a:spcPct val="0"/>
-              </a:spcBef>
-              <a:spcAft>
-                <a:spcPct val="0"/>
-              </a:spcAft>
-              <a:defRPr sz="4400">
-                <a:solidFill>
-                  <a:schemeClr val="tx1"/>
-                </a:solidFill>
-                <a:latin typeface="等线 Light" panose="02010600030101010101" pitchFamily="2" charset="-122"/>
-                <a:ea typeface="等线 Light" panose="02010600030101010101" pitchFamily="2" charset="-122"/>
-              </a:defRPr>
-            </a:lvl8pPr>
-            <a:lvl9pPr marL="1828800" algn="l" rtl="0" fontAlgn="base">
-              <a:lnSpc>
-                <a:spcPct val="90000"/>
-              </a:lnSpc>
-              <a:spcBef>
-                <a:spcPct val="0"/>
-              </a:spcBef>
-              <a:spcAft>
-                <a:spcPct val="0"/>
-              </a:spcAft>
-              <a:defRPr sz="4400">
-                <a:solidFill>
-                  <a:schemeClr val="tx1"/>
-                </a:solidFill>
-                <a:latin typeface="等线 Light" panose="02010600030101010101" pitchFamily="2" charset="-122"/>
-                <a:ea typeface="等线 Light" panose="02010600030101010101" pitchFamily="2" charset="-122"/>
-              </a:defRPr>
-            </a:lvl9pPr>
-          </a:lstStyle>
-          <a:p>
-            <a:pPr indent="457200" eaLnBrk="1" hangingPunct="1">
-              <a:lnSpc>
-                <a:spcPct val="100000"/>
-              </a:lnSpc>
-              <a:spcBef>
-                <a:spcPts val="0"/>
-              </a:spcBef>
-            </a:pPr>
-            <a:r>
-              <a:rPr lang="zh-CN" altLang="en-US" sz="2400">
-                <a:solidFill>
-                  <a:schemeClr val="tx1"/>
-                </a:solidFill>
-              </a:rPr>
-              <a:t>提升</a:t>
-            </a:r>
-            <a:r>
-              <a:rPr lang="zh-CN" altLang="en-US" sz="2400">
-                <a:solidFill>
-                  <a:schemeClr val="tx1"/>
-                </a:solidFill>
-              </a:rPr>
-              <a:t>工作效率，学习新</a:t>
-            </a:r>
-            <a:r>
-              <a:rPr lang="zh-CN" altLang="en-US" sz="2400">
-                <a:solidFill>
-                  <a:schemeClr val="tx1"/>
-                </a:solidFill>
-              </a:rPr>
-              <a:t>的</a:t>
-            </a:r>
-            <a:r>
-              <a:rPr lang="zh-CN" altLang="en-US" sz="2400">
-                <a:solidFill>
-                  <a:schemeClr val="tx1"/>
-                </a:solidFill>
-              </a:rPr>
-              <a:t>技能，积累经验</a:t>
-            </a:r>
-            <a:r>
-              <a:rPr lang="zh-CN" altLang="en-US" sz="2400">
-                <a:solidFill>
-                  <a:schemeClr val="tx1"/>
-                </a:solidFill>
-              </a:rPr>
-              <a:t>和</a:t>
-            </a:r>
-            <a:r>
-              <a:rPr lang="zh-CN" altLang="en-US" sz="2400">
-                <a:solidFill>
-                  <a:schemeClr val="tx1"/>
-                </a:solidFill>
-              </a:rPr>
-              <a:t>知识，对自己所完成的内容进行负责，使其达到最好的状态和</a:t>
-            </a:r>
-            <a:r>
-              <a:rPr lang="zh-CN" altLang="en-US" sz="2400">
-                <a:solidFill>
-                  <a:schemeClr val="tx1"/>
-                </a:solidFill>
-              </a:rPr>
-              <a:t>输出</a:t>
-            </a:r>
-            <a:r>
-              <a:rPr lang="zh-CN" altLang="en-US" sz="2400" smtClean="0">
-                <a:solidFill>
-                  <a:schemeClr val="tx1"/>
-                </a:solidFill>
-              </a:rPr>
-              <a:t>标准。</a:t>
-            </a:r>
-            <a:endParaRPr lang="en-US" altLang="zh-CN" sz="2400" smtClean="0">
-              <a:solidFill>
-                <a:schemeClr val="tx1"/>
-              </a:solidFill>
-            </a:endParaRPr>
-          </a:p>
-          <a:p>
-            <a:pPr indent="457200" eaLnBrk="1" hangingPunct="1">
-              <a:lnSpc>
-                <a:spcPct val="100000"/>
-              </a:lnSpc>
-              <a:spcBef>
-                <a:spcPts val="0"/>
-              </a:spcBef>
-            </a:pPr>
-            <a:r>
-              <a:rPr lang="zh-CN" altLang="en-US" sz="2400" smtClean="0">
-                <a:solidFill>
-                  <a:schemeClr val="tx1"/>
-                </a:solidFill>
-              </a:rPr>
-              <a:t>在</a:t>
-            </a:r>
-            <a:r>
-              <a:rPr lang="zh-CN" altLang="en-US" sz="2400" dirty="0" smtClean="0">
-                <a:solidFill>
-                  <a:schemeClr val="tx1"/>
-                </a:solidFill>
-              </a:rPr>
-              <a:t>以后的工作中，除了写代码之外，还要研究各种技术实现细节，</a:t>
-            </a:r>
-            <a:r>
-              <a:rPr lang="zh-CN" altLang="en-US" sz="2400" smtClean="0">
-                <a:solidFill>
-                  <a:schemeClr val="tx1"/>
-                </a:solidFill>
-              </a:rPr>
-              <a:t>多看书，</a:t>
-            </a:r>
-            <a:r>
-              <a:rPr lang="zh-CN" altLang="en-US" sz="2400" dirty="0" smtClean="0">
-                <a:solidFill>
-                  <a:schemeClr val="tx1"/>
-                </a:solidFill>
-              </a:rPr>
-              <a:t>多在</a:t>
-            </a:r>
-            <a:r>
-              <a:rPr lang="en-US" altLang="zh-CN" sz="2400" dirty="0" err="1" smtClean="0">
-                <a:solidFill>
-                  <a:schemeClr val="tx1"/>
-                </a:solidFill>
-              </a:rPr>
-              <a:t>github</a:t>
-            </a:r>
-            <a:r>
-              <a:rPr lang="zh-CN" altLang="en-US" sz="2400" smtClean="0">
-                <a:solidFill>
-                  <a:schemeClr val="tx1"/>
-                </a:solidFill>
-              </a:rPr>
-              <a:t>中分享分享技术。逐步走向系统分析师或者系统架构师。</a:t>
-            </a:r>
-            <a:endParaRPr lang="zh-CN" altLang="en-US" sz="2400" dirty="0">
-              <a:solidFill>
-                <a:schemeClr val="tx1"/>
-              </a:solidFill>
-            </a:endParaRPr>
-          </a:p>
-        </p:txBody>
-      </p:sp>
-    </p:spTree>
-  </p:cSld>
-  <p:clrMapOvr>
-    <a:masterClrMapping/>
-  </p:clrMapOvr>
-</p:sld>
-</file>
-
-<file path=ppt/slides/slide22.xml><?xml version="1.0" encoding="utf-8"?>
-<p:sld xmlns:a="http://schemas.openxmlformats.org/drawingml/2006/main" xmlns:r="http://schemas.openxmlformats.org/officeDocument/2006/relationships" xmlns:p="http://schemas.openxmlformats.org/presentationml/2006/main">
-  <p:cSld>
-    <p:spTree>
-      <p:nvGrpSpPr>
-        <p:cNvPr id="1" name=""/>
-        <p:cNvGrpSpPr/>
-        <p:nvPr/>
-      </p:nvGrpSpPr>
-      <p:grpSpPr>
-        <a:xfrm>
-          <a:off x="0" y="0"/>
-          <a:ext cx="0" cy="0"/>
-          <a:chOff x="0" y="0"/>
-          <a:chExt cx="0" cy="0"/>
-        </a:xfrm>
-      </p:grpSpPr>
-    </p:spTree>
-  </p:cSld>
-  <p:clrMapOvr>
-    <a:masterClrMapping/>
-  </p:clrMapOvr>
-</p:sld>
-</file>
-
-<file path=ppt/slides/slide3.xml><?xml version="1.0" encoding="utf-8"?>
+<file path=ppt/slides/slide2.xml><?xml version="1.0" encoding="utf-8"?>
 <p:sld xmlns:a="http://schemas.openxmlformats.org/drawingml/2006/main" xmlns:r="http://schemas.openxmlformats.org/officeDocument/2006/relationships" xmlns:p="http://schemas.openxmlformats.org/presentationml/2006/main">
   <p:cSld>
     <p:spTree>
@@ -16795,7 +14943,341 @@
 </p:sld>
 </file>
 
-<file path=ppt/slides/slide4.xml><?xml version="1.0" encoding="utf-8"?>
+<file path=ppt/slides/slide20.xml><?xml version="1.0" encoding="utf-8"?>
+<p:sld xmlns:a="http://schemas.openxmlformats.org/drawingml/2006/main" xmlns:r="http://schemas.openxmlformats.org/officeDocument/2006/relationships" xmlns:p="http://schemas.openxmlformats.org/presentationml/2006/main">
+  <p:cSld>
+    <p:spTree>
+      <p:nvGrpSpPr>
+        <p:cNvPr id="1" name=""/>
+        <p:cNvGrpSpPr/>
+        <p:nvPr/>
+      </p:nvGrpSpPr>
+      <p:grpSpPr>
+        <a:xfrm>
+          <a:off x="0" y="0"/>
+          <a:ext cx="0" cy="0"/>
+          <a:chOff x="0" y="0"/>
+          <a:chExt cx="0" cy="0"/>
+        </a:xfrm>
+      </p:grpSpPr>
+      <p:sp>
+        <p:nvSpPr>
+          <p:cNvPr id="3" name="标题 1"/>
+          <p:cNvSpPr txBox="1">
+            <a:spLocks/>
+          </p:cNvSpPr>
+          <p:nvPr/>
+        </p:nvSpPr>
+        <p:spPr>
+          <a:xfrm>
+            <a:off x="1138309" y="1041200"/>
+            <a:ext cx="10150764" cy="3110201"/>
+          </a:xfrm>
+          <a:prstGeom prst="rect">
+            <a:avLst/>
+          </a:prstGeom>
+          <a:noFill/>
+          <a:ln w="9525">
+            <a:noFill/>
+          </a:ln>
+        </p:spPr>
+        <p:txBody>
+          <a:bodyPr vert="horz" wrap="square" lIns="91440" tIns="45720" rIns="91440" bIns="45720" anchor="ctr"/>
+          <a:lstStyle>
+            <a:lvl1pPr algn="l" rtl="0" eaLnBrk="0" fontAlgn="base" hangingPunct="0">
+              <a:lnSpc>
+                <a:spcPct val="90000"/>
+              </a:lnSpc>
+              <a:spcBef>
+                <a:spcPct val="0"/>
+              </a:spcBef>
+              <a:spcAft>
+                <a:spcPct val="0"/>
+              </a:spcAft>
+              <a:defRPr sz="4400" kern="1200">
+                <a:solidFill>
+                  <a:schemeClr val="bg1"/>
+                </a:solidFill>
+                <a:latin typeface="微软雅黑" panose="020B0503020204020204" pitchFamily="34" charset="-122"/>
+                <a:ea typeface="微软雅黑" panose="020B0503020204020204" pitchFamily="34" charset="-122"/>
+                <a:cs typeface="+mj-cs"/>
+              </a:defRPr>
+            </a:lvl1pPr>
+            <a:lvl2pPr algn="l" rtl="0" eaLnBrk="0" fontAlgn="base" hangingPunct="0">
+              <a:lnSpc>
+                <a:spcPct val="90000"/>
+              </a:lnSpc>
+              <a:spcBef>
+                <a:spcPct val="0"/>
+              </a:spcBef>
+              <a:spcAft>
+                <a:spcPct val="0"/>
+              </a:spcAft>
+              <a:defRPr sz="4400">
+                <a:solidFill>
+                  <a:schemeClr val="tx1"/>
+                </a:solidFill>
+                <a:latin typeface="等线 Light" panose="02010600030101010101" pitchFamily="2" charset="-122"/>
+                <a:ea typeface="等线 Light" panose="02010600030101010101" pitchFamily="2" charset="-122"/>
+              </a:defRPr>
+            </a:lvl2pPr>
+            <a:lvl3pPr algn="l" rtl="0" eaLnBrk="0" fontAlgn="base" hangingPunct="0">
+              <a:lnSpc>
+                <a:spcPct val="90000"/>
+              </a:lnSpc>
+              <a:spcBef>
+                <a:spcPct val="0"/>
+              </a:spcBef>
+              <a:spcAft>
+                <a:spcPct val="0"/>
+              </a:spcAft>
+              <a:defRPr sz="4400">
+                <a:solidFill>
+                  <a:schemeClr val="tx1"/>
+                </a:solidFill>
+                <a:latin typeface="等线 Light" panose="02010600030101010101" pitchFamily="2" charset="-122"/>
+                <a:ea typeface="等线 Light" panose="02010600030101010101" pitchFamily="2" charset="-122"/>
+              </a:defRPr>
+            </a:lvl3pPr>
+            <a:lvl4pPr algn="l" rtl="0" eaLnBrk="0" fontAlgn="base" hangingPunct="0">
+              <a:lnSpc>
+                <a:spcPct val="90000"/>
+              </a:lnSpc>
+              <a:spcBef>
+                <a:spcPct val="0"/>
+              </a:spcBef>
+              <a:spcAft>
+                <a:spcPct val="0"/>
+              </a:spcAft>
+              <a:defRPr sz="4400">
+                <a:solidFill>
+                  <a:schemeClr val="tx1"/>
+                </a:solidFill>
+                <a:latin typeface="等线 Light" panose="02010600030101010101" pitchFamily="2" charset="-122"/>
+                <a:ea typeface="等线 Light" panose="02010600030101010101" pitchFamily="2" charset="-122"/>
+              </a:defRPr>
+            </a:lvl4pPr>
+            <a:lvl5pPr algn="l" rtl="0" eaLnBrk="0" fontAlgn="base" hangingPunct="0">
+              <a:lnSpc>
+                <a:spcPct val="90000"/>
+              </a:lnSpc>
+              <a:spcBef>
+                <a:spcPct val="0"/>
+              </a:spcBef>
+              <a:spcAft>
+                <a:spcPct val="0"/>
+              </a:spcAft>
+              <a:defRPr sz="4400">
+                <a:solidFill>
+                  <a:schemeClr val="tx1"/>
+                </a:solidFill>
+                <a:latin typeface="等线 Light" panose="02010600030101010101" pitchFamily="2" charset="-122"/>
+                <a:ea typeface="等线 Light" panose="02010600030101010101" pitchFamily="2" charset="-122"/>
+              </a:defRPr>
+            </a:lvl5pPr>
+            <a:lvl6pPr marL="457200" algn="l" rtl="0" fontAlgn="base">
+              <a:lnSpc>
+                <a:spcPct val="90000"/>
+              </a:lnSpc>
+              <a:spcBef>
+                <a:spcPct val="0"/>
+              </a:spcBef>
+              <a:spcAft>
+                <a:spcPct val="0"/>
+              </a:spcAft>
+              <a:defRPr sz="4400">
+                <a:solidFill>
+                  <a:schemeClr val="tx1"/>
+                </a:solidFill>
+                <a:latin typeface="等线 Light" panose="02010600030101010101" pitchFamily="2" charset="-122"/>
+                <a:ea typeface="等线 Light" panose="02010600030101010101" pitchFamily="2" charset="-122"/>
+              </a:defRPr>
+            </a:lvl6pPr>
+            <a:lvl7pPr marL="914400" algn="l" rtl="0" fontAlgn="base">
+              <a:lnSpc>
+                <a:spcPct val="90000"/>
+              </a:lnSpc>
+              <a:spcBef>
+                <a:spcPct val="0"/>
+              </a:spcBef>
+              <a:spcAft>
+                <a:spcPct val="0"/>
+              </a:spcAft>
+              <a:defRPr sz="4400">
+                <a:solidFill>
+                  <a:schemeClr val="tx1"/>
+                </a:solidFill>
+                <a:latin typeface="等线 Light" panose="02010600030101010101" pitchFamily="2" charset="-122"/>
+                <a:ea typeface="等线 Light" panose="02010600030101010101" pitchFamily="2" charset="-122"/>
+              </a:defRPr>
+            </a:lvl7pPr>
+            <a:lvl8pPr marL="1371600" algn="l" rtl="0" fontAlgn="base">
+              <a:lnSpc>
+                <a:spcPct val="90000"/>
+              </a:lnSpc>
+              <a:spcBef>
+                <a:spcPct val="0"/>
+              </a:spcBef>
+              <a:spcAft>
+                <a:spcPct val="0"/>
+              </a:spcAft>
+              <a:defRPr sz="4400">
+                <a:solidFill>
+                  <a:schemeClr val="tx1"/>
+                </a:solidFill>
+                <a:latin typeface="等线 Light" panose="02010600030101010101" pitchFamily="2" charset="-122"/>
+                <a:ea typeface="等线 Light" panose="02010600030101010101" pitchFamily="2" charset="-122"/>
+              </a:defRPr>
+            </a:lvl8pPr>
+            <a:lvl9pPr marL="1828800" algn="l" rtl="0" fontAlgn="base">
+              <a:lnSpc>
+                <a:spcPct val="90000"/>
+              </a:lnSpc>
+              <a:spcBef>
+                <a:spcPct val="0"/>
+              </a:spcBef>
+              <a:spcAft>
+                <a:spcPct val="0"/>
+              </a:spcAft>
+              <a:defRPr sz="4400">
+                <a:solidFill>
+                  <a:schemeClr val="tx1"/>
+                </a:solidFill>
+                <a:latin typeface="等线 Light" panose="02010600030101010101" pitchFamily="2" charset="-122"/>
+                <a:ea typeface="等线 Light" panose="02010600030101010101" pitchFamily="2" charset="-122"/>
+              </a:defRPr>
+            </a:lvl9pPr>
+          </a:lstStyle>
+          <a:p>
+            <a:pPr indent="457200" eaLnBrk="1" hangingPunct="1">
+              <a:lnSpc>
+                <a:spcPct val="100000"/>
+              </a:lnSpc>
+              <a:spcBef>
+                <a:spcPts val="0"/>
+              </a:spcBef>
+            </a:pPr>
+            <a:r>
+              <a:rPr lang="zh-CN" altLang="en-US" sz="2400">
+                <a:solidFill>
+                  <a:schemeClr val="tx1"/>
+                </a:solidFill>
+              </a:rPr>
+              <a:t>提升工作效率，学习新的技能，积累经验和知识，对自己所完成的内容进行负责，使其达到最好的状态和输出</a:t>
+            </a:r>
+            <a:r>
+              <a:rPr lang="zh-CN" altLang="en-US" sz="2400" smtClean="0">
+                <a:solidFill>
+                  <a:schemeClr val="tx1"/>
+                </a:solidFill>
+              </a:rPr>
+              <a:t>标准。</a:t>
+            </a:r>
+            <a:endParaRPr lang="en-US" altLang="zh-CN" sz="2400" smtClean="0">
+              <a:solidFill>
+                <a:schemeClr val="tx1"/>
+              </a:solidFill>
+            </a:endParaRPr>
+          </a:p>
+          <a:p>
+            <a:pPr indent="457200" eaLnBrk="1" hangingPunct="1">
+              <a:lnSpc>
+                <a:spcPct val="100000"/>
+              </a:lnSpc>
+              <a:spcBef>
+                <a:spcPts val="0"/>
+              </a:spcBef>
+            </a:pPr>
+            <a:r>
+              <a:rPr lang="zh-CN" altLang="en-US" sz="2400" smtClean="0">
+                <a:solidFill>
+                  <a:schemeClr val="tx1"/>
+                </a:solidFill>
+              </a:rPr>
+              <a:t>在</a:t>
+            </a:r>
+            <a:r>
+              <a:rPr lang="zh-CN" altLang="en-US" sz="2400" dirty="0" smtClean="0">
+                <a:solidFill>
+                  <a:schemeClr val="tx1"/>
+                </a:solidFill>
+              </a:rPr>
+              <a:t>以后的工作中，除了写代码之外，还要研究各种技术实现细节，</a:t>
+            </a:r>
+            <a:r>
+              <a:rPr lang="zh-CN" altLang="en-US" sz="2400" smtClean="0">
+                <a:solidFill>
+                  <a:schemeClr val="tx1"/>
+                </a:solidFill>
+              </a:rPr>
+              <a:t>多看书，</a:t>
+            </a:r>
+            <a:r>
+              <a:rPr lang="zh-CN" altLang="en-US" sz="2400" dirty="0" smtClean="0">
+                <a:solidFill>
+                  <a:schemeClr val="tx1"/>
+                </a:solidFill>
+              </a:rPr>
+              <a:t>多在</a:t>
+            </a:r>
+            <a:r>
+              <a:rPr lang="en-US" altLang="zh-CN" sz="2400" dirty="0" err="1" smtClean="0">
+                <a:solidFill>
+                  <a:schemeClr val="tx1"/>
+                </a:solidFill>
+              </a:rPr>
+              <a:t>github</a:t>
+            </a:r>
+            <a:r>
+              <a:rPr lang="zh-CN" altLang="en-US" sz="2400" smtClean="0">
+                <a:solidFill>
+                  <a:schemeClr val="tx1"/>
+                </a:solidFill>
+              </a:rPr>
+              <a:t>中分享分享技术。逐步走向系统分析师或者系统架构师。</a:t>
+            </a:r>
+            <a:endParaRPr lang="zh-CN" altLang="en-US" sz="2400" dirty="0">
+              <a:solidFill>
+                <a:schemeClr val="tx1"/>
+              </a:solidFill>
+            </a:endParaRPr>
+          </a:p>
+        </p:txBody>
+      </p:sp>
+    </p:spTree>
+  </p:cSld>
+  <p:clrMapOvr>
+    <a:masterClrMapping/>
+  </p:clrMapOvr>
+</p:sld>
+</file>
+
+<file path=ppt/slides/slide21.xml><?xml version="1.0" encoding="utf-8"?>
+<p:sld xmlns:a="http://schemas.openxmlformats.org/drawingml/2006/main" xmlns:r="http://schemas.openxmlformats.org/officeDocument/2006/relationships" xmlns:p="http://schemas.openxmlformats.org/presentationml/2006/main">
+  <p:cSld>
+    <p:spTree>
+      <p:nvGrpSpPr>
+        <p:cNvPr id="1" name=""/>
+        <p:cNvGrpSpPr/>
+        <p:nvPr/>
+      </p:nvGrpSpPr>
+      <p:grpSpPr>
+        <a:xfrm>
+          <a:off x="0" y="0"/>
+          <a:ext cx="0" cy="0"/>
+          <a:chOff x="0" y="0"/>
+          <a:chExt cx="0" cy="0"/>
+        </a:xfrm>
+      </p:grpSpPr>
+    </p:spTree>
+  </p:cSld>
+  <p:clrMapOvr>
+    <a:masterClrMapping/>
+  </p:clrMapOvr>
+</p:sld>
+</file>
+
+<file path=ppt/slides/slide3.xml><?xml version="1.0" encoding="utf-8"?>
 <p:sld xmlns:a="http://schemas.openxmlformats.org/drawingml/2006/main" xmlns:r="http://schemas.openxmlformats.org/officeDocument/2006/relationships" xmlns:p="http://schemas.openxmlformats.org/presentationml/2006/main">
   <p:cSld>
     <p:spTree>
@@ -16983,7 +15465,7 @@
 </p:sld>
 </file>
 
-<file path=ppt/slides/slide5.xml><?xml version="1.0" encoding="utf-8"?>
+<file path=ppt/slides/slide4.xml><?xml version="1.0" encoding="utf-8"?>
 <p:sld xmlns:a="http://schemas.openxmlformats.org/drawingml/2006/main" xmlns:r="http://schemas.openxmlformats.org/officeDocument/2006/relationships" xmlns:p="http://schemas.openxmlformats.org/presentationml/2006/main">
   <p:cSld>
     <p:spTree>
@@ -17416,7 +15898,7 @@
 </p:sld>
 </file>
 
-<file path=ppt/slides/slide6.xml><?xml version="1.0" encoding="utf-8"?>
+<file path=ppt/slides/slide5.xml><?xml version="1.0" encoding="utf-8"?>
 <p:sld xmlns:a="http://schemas.openxmlformats.org/drawingml/2006/main" xmlns:r="http://schemas.openxmlformats.org/officeDocument/2006/relationships" xmlns:p="http://schemas.openxmlformats.org/presentationml/2006/main">
   <p:cSld>
     <p:spTree>
@@ -17685,7 +16167,7 @@
 </p:sld>
 </file>
 
-<file path=ppt/slides/slide7.xml><?xml version="1.0" encoding="utf-8"?>
+<file path=ppt/slides/slide6.xml><?xml version="1.0" encoding="utf-8"?>
 <p:sld xmlns:a="http://schemas.openxmlformats.org/drawingml/2006/main" xmlns:r="http://schemas.openxmlformats.org/officeDocument/2006/relationships" xmlns:p="http://schemas.openxmlformats.org/presentationml/2006/main">
   <p:cSld>
     <p:spTree>
@@ -17865,7 +16347,7 @@
 </p:sld>
 </file>
 
-<file path=ppt/slides/slide8.xml><?xml version="1.0" encoding="utf-8"?>
+<file path=ppt/slides/slide7.xml><?xml version="1.0" encoding="utf-8"?>
 <p:sld xmlns:a="http://schemas.openxmlformats.org/drawingml/2006/main" xmlns:r="http://schemas.openxmlformats.org/officeDocument/2006/relationships" xmlns:p="http://schemas.openxmlformats.org/presentationml/2006/main">
   <p:cSld>
     <p:spTree>
@@ -18179,7 +16661,7 @@
 </p:sld>
 </file>
 
-<file path=ppt/slides/slide9.xml><?xml version="1.0" encoding="utf-8"?>
+<file path=ppt/slides/slide8.xml><?xml version="1.0" encoding="utf-8"?>
 <p:sld xmlns:a="http://schemas.openxmlformats.org/drawingml/2006/main" xmlns:r="http://schemas.openxmlformats.org/officeDocument/2006/relationships" xmlns:p="http://schemas.openxmlformats.org/presentationml/2006/main">
   <p:cSld>
     <p:spTree>
@@ -18348,6 +16830,508 @@
               </a:rPr>
               <a:t>个人工作业绩量化</a:t>
             </a:r>
+          </a:p>
+        </p:txBody>
+      </p:sp>
+    </p:spTree>
+  </p:cSld>
+  <p:clrMapOvr>
+    <a:masterClrMapping/>
+  </p:clrMapOvr>
+</p:sld>
+</file>
+
+<file path=ppt/slides/slide9.xml><?xml version="1.0" encoding="utf-8"?>
+<p:sld xmlns:a="http://schemas.openxmlformats.org/drawingml/2006/main" xmlns:r="http://schemas.openxmlformats.org/officeDocument/2006/relationships" xmlns:p="http://schemas.openxmlformats.org/presentationml/2006/main">
+  <p:cSld>
+    <p:spTree>
+      <p:nvGrpSpPr>
+        <p:cNvPr id="1" name=""/>
+        <p:cNvGrpSpPr/>
+        <p:nvPr/>
+      </p:nvGrpSpPr>
+      <p:grpSpPr>
+        <a:xfrm>
+          <a:off x="0" y="0"/>
+          <a:ext cx="0" cy="0"/>
+          <a:chOff x="0" y="0"/>
+          <a:chExt cx="0" cy="0"/>
+        </a:xfrm>
+      </p:grpSpPr>
+      <p:sp>
+        <p:nvSpPr>
+          <p:cNvPr id="3" name="标题 1"/>
+          <p:cNvSpPr txBox="1">
+            <a:spLocks/>
+          </p:cNvSpPr>
+          <p:nvPr/>
+        </p:nvSpPr>
+        <p:spPr>
+          <a:xfrm>
+            <a:off x="1366116" y="584345"/>
+            <a:ext cx="10515600" cy="904875"/>
+          </a:xfrm>
+          <a:prstGeom prst="rect">
+            <a:avLst/>
+          </a:prstGeom>
+          <a:noFill/>
+          <a:ln w="9525">
+            <a:noFill/>
+          </a:ln>
+        </p:spPr>
+        <p:txBody>
+          <a:bodyPr vert="horz" wrap="square" lIns="91440" tIns="45720" rIns="91440" bIns="45720" anchor="ctr"/>
+          <a:lstStyle>
+            <a:lvl1pPr algn="l" rtl="0" eaLnBrk="0" fontAlgn="base" hangingPunct="0">
+              <a:lnSpc>
+                <a:spcPct val="90000"/>
+              </a:lnSpc>
+              <a:spcBef>
+                <a:spcPct val="0"/>
+              </a:spcBef>
+              <a:spcAft>
+                <a:spcPct val="0"/>
+              </a:spcAft>
+              <a:defRPr sz="4400" kern="1200">
+                <a:solidFill>
+                  <a:schemeClr val="bg1"/>
+                </a:solidFill>
+                <a:latin typeface="微软雅黑" panose="020B0503020204020204" pitchFamily="34" charset="-122"/>
+                <a:ea typeface="微软雅黑" panose="020B0503020204020204" pitchFamily="34" charset="-122"/>
+                <a:cs typeface="+mj-cs"/>
+              </a:defRPr>
+            </a:lvl1pPr>
+            <a:lvl2pPr algn="l" rtl="0" eaLnBrk="0" fontAlgn="base" hangingPunct="0">
+              <a:lnSpc>
+                <a:spcPct val="90000"/>
+              </a:lnSpc>
+              <a:spcBef>
+                <a:spcPct val="0"/>
+              </a:spcBef>
+              <a:spcAft>
+                <a:spcPct val="0"/>
+              </a:spcAft>
+              <a:defRPr sz="4400">
+                <a:solidFill>
+                  <a:schemeClr val="tx1"/>
+                </a:solidFill>
+                <a:latin typeface="等线 Light" panose="02010600030101010101" pitchFamily="2" charset="-122"/>
+                <a:ea typeface="等线 Light" panose="02010600030101010101" pitchFamily="2" charset="-122"/>
+              </a:defRPr>
+            </a:lvl2pPr>
+            <a:lvl3pPr algn="l" rtl="0" eaLnBrk="0" fontAlgn="base" hangingPunct="0">
+              <a:lnSpc>
+                <a:spcPct val="90000"/>
+              </a:lnSpc>
+              <a:spcBef>
+                <a:spcPct val="0"/>
+              </a:spcBef>
+              <a:spcAft>
+                <a:spcPct val="0"/>
+              </a:spcAft>
+              <a:defRPr sz="4400">
+                <a:solidFill>
+                  <a:schemeClr val="tx1"/>
+                </a:solidFill>
+                <a:latin typeface="等线 Light" panose="02010600030101010101" pitchFamily="2" charset="-122"/>
+                <a:ea typeface="等线 Light" panose="02010600030101010101" pitchFamily="2" charset="-122"/>
+              </a:defRPr>
+            </a:lvl3pPr>
+            <a:lvl4pPr algn="l" rtl="0" eaLnBrk="0" fontAlgn="base" hangingPunct="0">
+              <a:lnSpc>
+                <a:spcPct val="90000"/>
+              </a:lnSpc>
+              <a:spcBef>
+                <a:spcPct val="0"/>
+              </a:spcBef>
+              <a:spcAft>
+                <a:spcPct val="0"/>
+              </a:spcAft>
+              <a:defRPr sz="4400">
+                <a:solidFill>
+                  <a:schemeClr val="tx1"/>
+                </a:solidFill>
+                <a:latin typeface="等线 Light" panose="02010600030101010101" pitchFamily="2" charset="-122"/>
+                <a:ea typeface="等线 Light" panose="02010600030101010101" pitchFamily="2" charset="-122"/>
+              </a:defRPr>
+            </a:lvl4pPr>
+            <a:lvl5pPr algn="l" rtl="0" eaLnBrk="0" fontAlgn="base" hangingPunct="0">
+              <a:lnSpc>
+                <a:spcPct val="90000"/>
+              </a:lnSpc>
+              <a:spcBef>
+                <a:spcPct val="0"/>
+              </a:spcBef>
+              <a:spcAft>
+                <a:spcPct val="0"/>
+              </a:spcAft>
+              <a:defRPr sz="4400">
+                <a:solidFill>
+                  <a:schemeClr val="tx1"/>
+                </a:solidFill>
+                <a:latin typeface="等线 Light" panose="02010600030101010101" pitchFamily="2" charset="-122"/>
+                <a:ea typeface="等线 Light" panose="02010600030101010101" pitchFamily="2" charset="-122"/>
+              </a:defRPr>
+            </a:lvl5pPr>
+            <a:lvl6pPr marL="457200" algn="l" rtl="0" fontAlgn="base">
+              <a:lnSpc>
+                <a:spcPct val="90000"/>
+              </a:lnSpc>
+              <a:spcBef>
+                <a:spcPct val="0"/>
+              </a:spcBef>
+              <a:spcAft>
+                <a:spcPct val="0"/>
+              </a:spcAft>
+              <a:defRPr sz="4400">
+                <a:solidFill>
+                  <a:schemeClr val="tx1"/>
+                </a:solidFill>
+                <a:latin typeface="等线 Light" panose="02010600030101010101" pitchFamily="2" charset="-122"/>
+                <a:ea typeface="等线 Light" panose="02010600030101010101" pitchFamily="2" charset="-122"/>
+              </a:defRPr>
+            </a:lvl6pPr>
+            <a:lvl7pPr marL="914400" algn="l" rtl="0" fontAlgn="base">
+              <a:lnSpc>
+                <a:spcPct val="90000"/>
+              </a:lnSpc>
+              <a:spcBef>
+                <a:spcPct val="0"/>
+              </a:spcBef>
+              <a:spcAft>
+                <a:spcPct val="0"/>
+              </a:spcAft>
+              <a:defRPr sz="4400">
+                <a:solidFill>
+                  <a:schemeClr val="tx1"/>
+                </a:solidFill>
+                <a:latin typeface="等线 Light" panose="02010600030101010101" pitchFamily="2" charset="-122"/>
+                <a:ea typeface="等线 Light" panose="02010600030101010101" pitchFamily="2" charset="-122"/>
+              </a:defRPr>
+            </a:lvl7pPr>
+            <a:lvl8pPr marL="1371600" algn="l" rtl="0" fontAlgn="base">
+              <a:lnSpc>
+                <a:spcPct val="90000"/>
+              </a:lnSpc>
+              <a:spcBef>
+                <a:spcPct val="0"/>
+              </a:spcBef>
+              <a:spcAft>
+                <a:spcPct val="0"/>
+              </a:spcAft>
+              <a:defRPr sz="4400">
+                <a:solidFill>
+                  <a:schemeClr val="tx1"/>
+                </a:solidFill>
+                <a:latin typeface="等线 Light" panose="02010600030101010101" pitchFamily="2" charset="-122"/>
+                <a:ea typeface="等线 Light" panose="02010600030101010101" pitchFamily="2" charset="-122"/>
+              </a:defRPr>
+            </a:lvl8pPr>
+            <a:lvl9pPr marL="1828800" algn="l" rtl="0" fontAlgn="base">
+              <a:lnSpc>
+                <a:spcPct val="90000"/>
+              </a:lnSpc>
+              <a:spcBef>
+                <a:spcPct val="0"/>
+              </a:spcBef>
+              <a:spcAft>
+                <a:spcPct val="0"/>
+              </a:spcAft>
+              <a:defRPr sz="4400">
+                <a:solidFill>
+                  <a:schemeClr val="tx1"/>
+                </a:solidFill>
+                <a:latin typeface="等线 Light" panose="02010600030101010101" pitchFamily="2" charset="-122"/>
+                <a:ea typeface="等线 Light" panose="02010600030101010101" pitchFamily="2" charset="-122"/>
+              </a:defRPr>
+            </a:lvl9pPr>
+          </a:lstStyle>
+          <a:p>
+            <a:r>
+              <a:rPr lang="en-US" altLang="zh-CN" dirty="0" smtClean="0">
+                <a:solidFill>
+                  <a:schemeClr val="tx1"/>
+                </a:solidFill>
+              </a:rPr>
+              <a:t>1</a:t>
+            </a:r>
+            <a:r>
+              <a:rPr lang="zh-CN" altLang="en-US" dirty="0">
+                <a:solidFill>
+                  <a:schemeClr val="tx1"/>
+                </a:solidFill>
+              </a:rPr>
+              <a:t>、</a:t>
+            </a:r>
+            <a:r>
+              <a:rPr lang="zh-CN" altLang="en-US" dirty="0" smtClean="0">
+                <a:solidFill>
+                  <a:schemeClr val="tx1"/>
+                </a:solidFill>
+              </a:rPr>
+              <a:t>京东金融舆情</a:t>
+            </a:r>
+            <a:r>
+              <a:rPr lang="zh-CN" altLang="en-US" dirty="0">
+                <a:solidFill>
+                  <a:schemeClr val="tx1"/>
+                </a:solidFill>
+              </a:rPr>
+              <a:t>监控系统</a:t>
+            </a:r>
+            <a:endParaRPr lang="zh-CN" altLang="en-US" dirty="0"/>
+          </a:p>
+        </p:txBody>
+      </p:sp>
+      <p:sp>
+        <p:nvSpPr>
+          <p:cNvPr id="4" name="标题 1"/>
+          <p:cNvSpPr txBox="1">
+            <a:spLocks/>
+          </p:cNvSpPr>
+          <p:nvPr/>
+        </p:nvSpPr>
+        <p:spPr>
+          <a:xfrm>
+            <a:off x="1343025" y="1628054"/>
+            <a:ext cx="10150764" cy="3110201"/>
+          </a:xfrm>
+          <a:prstGeom prst="rect">
+            <a:avLst/>
+          </a:prstGeom>
+          <a:noFill/>
+          <a:ln w="9525">
+            <a:noFill/>
+          </a:ln>
+        </p:spPr>
+        <p:txBody>
+          <a:bodyPr vert="horz" wrap="square" lIns="91440" tIns="45720" rIns="91440" bIns="45720" anchor="ctr"/>
+          <a:lstStyle>
+            <a:lvl1pPr algn="l" rtl="0" eaLnBrk="0" fontAlgn="base" hangingPunct="0">
+              <a:lnSpc>
+                <a:spcPct val="90000"/>
+              </a:lnSpc>
+              <a:spcBef>
+                <a:spcPct val="0"/>
+              </a:spcBef>
+              <a:spcAft>
+                <a:spcPct val="0"/>
+              </a:spcAft>
+              <a:defRPr sz="4400" kern="1200">
+                <a:solidFill>
+                  <a:schemeClr val="bg1"/>
+                </a:solidFill>
+                <a:latin typeface="微软雅黑" panose="020B0503020204020204" pitchFamily="34" charset="-122"/>
+                <a:ea typeface="微软雅黑" panose="020B0503020204020204" pitchFamily="34" charset="-122"/>
+                <a:cs typeface="+mj-cs"/>
+              </a:defRPr>
+            </a:lvl1pPr>
+            <a:lvl2pPr algn="l" rtl="0" eaLnBrk="0" fontAlgn="base" hangingPunct="0">
+              <a:lnSpc>
+                <a:spcPct val="90000"/>
+              </a:lnSpc>
+              <a:spcBef>
+                <a:spcPct val="0"/>
+              </a:spcBef>
+              <a:spcAft>
+                <a:spcPct val="0"/>
+              </a:spcAft>
+              <a:defRPr sz="4400">
+                <a:solidFill>
+                  <a:schemeClr val="tx1"/>
+                </a:solidFill>
+                <a:latin typeface="等线 Light" panose="02010600030101010101" pitchFamily="2" charset="-122"/>
+                <a:ea typeface="等线 Light" panose="02010600030101010101" pitchFamily="2" charset="-122"/>
+              </a:defRPr>
+            </a:lvl2pPr>
+            <a:lvl3pPr algn="l" rtl="0" eaLnBrk="0" fontAlgn="base" hangingPunct="0">
+              <a:lnSpc>
+                <a:spcPct val="90000"/>
+              </a:lnSpc>
+              <a:spcBef>
+                <a:spcPct val="0"/>
+              </a:spcBef>
+              <a:spcAft>
+                <a:spcPct val="0"/>
+              </a:spcAft>
+              <a:defRPr sz="4400">
+                <a:solidFill>
+                  <a:schemeClr val="tx1"/>
+                </a:solidFill>
+                <a:latin typeface="等线 Light" panose="02010600030101010101" pitchFamily="2" charset="-122"/>
+                <a:ea typeface="等线 Light" panose="02010600030101010101" pitchFamily="2" charset="-122"/>
+              </a:defRPr>
+            </a:lvl3pPr>
+            <a:lvl4pPr algn="l" rtl="0" eaLnBrk="0" fontAlgn="base" hangingPunct="0">
+              <a:lnSpc>
+                <a:spcPct val="90000"/>
+              </a:lnSpc>
+              <a:spcBef>
+                <a:spcPct val="0"/>
+              </a:spcBef>
+              <a:spcAft>
+                <a:spcPct val="0"/>
+              </a:spcAft>
+              <a:defRPr sz="4400">
+                <a:solidFill>
+                  <a:schemeClr val="tx1"/>
+                </a:solidFill>
+                <a:latin typeface="等线 Light" panose="02010600030101010101" pitchFamily="2" charset="-122"/>
+                <a:ea typeface="等线 Light" panose="02010600030101010101" pitchFamily="2" charset="-122"/>
+              </a:defRPr>
+            </a:lvl4pPr>
+            <a:lvl5pPr algn="l" rtl="0" eaLnBrk="0" fontAlgn="base" hangingPunct="0">
+              <a:lnSpc>
+                <a:spcPct val="90000"/>
+              </a:lnSpc>
+              <a:spcBef>
+                <a:spcPct val="0"/>
+              </a:spcBef>
+              <a:spcAft>
+                <a:spcPct val="0"/>
+              </a:spcAft>
+              <a:defRPr sz="4400">
+                <a:solidFill>
+                  <a:schemeClr val="tx1"/>
+                </a:solidFill>
+                <a:latin typeface="等线 Light" panose="02010600030101010101" pitchFamily="2" charset="-122"/>
+                <a:ea typeface="等线 Light" panose="02010600030101010101" pitchFamily="2" charset="-122"/>
+              </a:defRPr>
+            </a:lvl5pPr>
+            <a:lvl6pPr marL="457200" algn="l" rtl="0" fontAlgn="base">
+              <a:lnSpc>
+                <a:spcPct val="90000"/>
+              </a:lnSpc>
+              <a:spcBef>
+                <a:spcPct val="0"/>
+              </a:spcBef>
+              <a:spcAft>
+                <a:spcPct val="0"/>
+              </a:spcAft>
+              <a:defRPr sz="4400">
+                <a:solidFill>
+                  <a:schemeClr val="tx1"/>
+                </a:solidFill>
+                <a:latin typeface="等线 Light" panose="02010600030101010101" pitchFamily="2" charset="-122"/>
+                <a:ea typeface="等线 Light" panose="02010600030101010101" pitchFamily="2" charset="-122"/>
+              </a:defRPr>
+            </a:lvl6pPr>
+            <a:lvl7pPr marL="914400" algn="l" rtl="0" fontAlgn="base">
+              <a:lnSpc>
+                <a:spcPct val="90000"/>
+              </a:lnSpc>
+              <a:spcBef>
+                <a:spcPct val="0"/>
+              </a:spcBef>
+              <a:spcAft>
+                <a:spcPct val="0"/>
+              </a:spcAft>
+              <a:defRPr sz="4400">
+                <a:solidFill>
+                  <a:schemeClr val="tx1"/>
+                </a:solidFill>
+                <a:latin typeface="等线 Light" panose="02010600030101010101" pitchFamily="2" charset="-122"/>
+                <a:ea typeface="等线 Light" panose="02010600030101010101" pitchFamily="2" charset="-122"/>
+              </a:defRPr>
+            </a:lvl7pPr>
+            <a:lvl8pPr marL="1371600" algn="l" rtl="0" fontAlgn="base">
+              <a:lnSpc>
+                <a:spcPct val="90000"/>
+              </a:lnSpc>
+              <a:spcBef>
+                <a:spcPct val="0"/>
+              </a:spcBef>
+              <a:spcAft>
+                <a:spcPct val="0"/>
+              </a:spcAft>
+              <a:defRPr sz="4400">
+                <a:solidFill>
+                  <a:schemeClr val="tx1"/>
+                </a:solidFill>
+                <a:latin typeface="等线 Light" panose="02010600030101010101" pitchFamily="2" charset="-122"/>
+                <a:ea typeface="等线 Light" panose="02010600030101010101" pitchFamily="2" charset="-122"/>
+              </a:defRPr>
+            </a:lvl8pPr>
+            <a:lvl9pPr marL="1828800" algn="l" rtl="0" fontAlgn="base">
+              <a:lnSpc>
+                <a:spcPct val="90000"/>
+              </a:lnSpc>
+              <a:spcBef>
+                <a:spcPct val="0"/>
+              </a:spcBef>
+              <a:spcAft>
+                <a:spcPct val="0"/>
+              </a:spcAft>
+              <a:defRPr sz="4400">
+                <a:solidFill>
+                  <a:schemeClr val="tx1"/>
+                </a:solidFill>
+                <a:latin typeface="等线 Light" panose="02010600030101010101" pitchFamily="2" charset="-122"/>
+                <a:ea typeface="等线 Light" panose="02010600030101010101" pitchFamily="2" charset="-122"/>
+              </a:defRPr>
+            </a:lvl9pPr>
+          </a:lstStyle>
+          <a:p>
+            <a:pPr indent="457200" eaLnBrk="1" hangingPunct="1">
+              <a:lnSpc>
+                <a:spcPct val="100000"/>
+              </a:lnSpc>
+              <a:spcBef>
+                <a:spcPts val="0"/>
+              </a:spcBef>
+            </a:pPr>
+            <a:r>
+              <a:rPr lang="zh-CN" altLang="en-US" sz="2400" dirty="0" smtClean="0">
+                <a:solidFill>
+                  <a:schemeClr val="tx1"/>
+                </a:solidFill>
+              </a:rPr>
+              <a:t>针对京东</a:t>
+            </a:r>
+            <a:r>
+              <a:rPr lang="zh-CN" altLang="en-US" sz="2400" dirty="0">
+                <a:solidFill>
+                  <a:schemeClr val="tx1"/>
+                </a:solidFill>
+              </a:rPr>
+              <a:t>金融风控的实际业务需求开发的一套舆情压力监控系统。系统主要分为风险评估、舆情监控、舆情视界、事件分析、个人中心等功能。其中主要业务是风险评估和舆情</a:t>
+            </a:r>
+            <a:r>
+              <a:rPr lang="zh-CN" altLang="en-US" sz="2400" dirty="0" smtClean="0">
+                <a:solidFill>
+                  <a:schemeClr val="tx1"/>
+                </a:solidFill>
+              </a:rPr>
+              <a:t>监控。</a:t>
+            </a:r>
+            <a:endParaRPr lang="en-US" altLang="zh-CN" sz="2400" dirty="0" smtClean="0">
+              <a:solidFill>
+                <a:schemeClr val="tx1"/>
+              </a:solidFill>
+            </a:endParaRPr>
+          </a:p>
+          <a:p>
+            <a:pPr indent="457200" eaLnBrk="1" hangingPunct="1">
+              <a:lnSpc>
+                <a:spcPct val="100000"/>
+              </a:lnSpc>
+              <a:spcBef>
+                <a:spcPts val="0"/>
+              </a:spcBef>
+            </a:pPr>
+            <a:r>
+              <a:rPr lang="zh-CN" altLang="en-US" sz="2400" dirty="0" smtClean="0">
+                <a:solidFill>
+                  <a:schemeClr val="tx1"/>
+                </a:solidFill>
+              </a:rPr>
+              <a:t>本人负责个人中心模块，舆情监控模块，事件分析模块以及公司报告显示模块的代码编写以及优化。</a:t>
+            </a:r>
+            <a:endParaRPr lang="zh-CN" altLang="en-US" sz="2400" dirty="0">
+              <a:solidFill>
+                <a:schemeClr val="tx1"/>
+              </a:solidFill>
+            </a:endParaRPr>
           </a:p>
         </p:txBody>
       </p:sp>
